--- a/I Choose You.pptx
+++ b/I Choose You.pptx
@@ -13,8 +13,8 @@
   <p:sldIdLst>
     <p:sldId id="265" r:id="rId3"/>
     <p:sldId id="266" r:id="rId4"/>
-    <p:sldId id="268" r:id="rId5"/>
-    <p:sldId id="267" r:id="rId6"/>
+    <p:sldId id="267" r:id="rId5"/>
+    <p:sldId id="268" r:id="rId6"/>
     <p:sldId id="269" r:id="rId7"/>
     <p:sldId id="270" r:id="rId8"/>
   </p:sldIdLst>
@@ -1227,12 +1227,12 @@
     </dgm:pt>
   </dgm:ptLst>
   <dgm:cxnLst>
+    <dgm:cxn modelId="{5A70FA4A-195D-4B31-AA86-3DC5D1C2EC98}" type="presOf" srcId="{60CDF8D0-D4FC-4467-A51E-79C5A58B0B2C}" destId="{F4B3DB09-8D8A-4833-A3A0-C8C2FB6EE995}" srcOrd="0" destOrd="0" presId="urn:microsoft.com/office/officeart/2005/8/layout/target1"/>
+    <dgm:cxn modelId="{1339090C-9A95-4C05-841C-FA3AF987601B}" srcId="{3F442EA2-39BA-4C9A-AD59-755D4917D532}" destId="{3929B1E1-4BC4-4C73-ABE8-27CEF96A3652}" srcOrd="1" destOrd="0" parTransId="{F356CC76-9117-4B79-A270-BBBAFD3E9C79}" sibTransId="{19BA0C22-38BB-4E9F-89D5-0FF5FF9F12CE}"/>
     <dgm:cxn modelId="{7A4B474F-94DE-4C9D-BBC3-D696C78BEEF1}" type="presOf" srcId="{3929B1E1-4BC4-4C73-ABE8-27CEF96A3652}" destId="{CEA4BEA9-01EB-4151-A2FD-98FDADE4D4C5}" srcOrd="0" destOrd="0" presId="urn:microsoft.com/office/officeart/2005/8/layout/target1"/>
+    <dgm:cxn modelId="{7540B0A9-79C0-422C-9A30-1FFC79A03107}" type="presOf" srcId="{3F442EA2-39BA-4C9A-AD59-755D4917D532}" destId="{AA67F66C-F4E3-4AE3-9C55-A9DF49CFA6B2}" srcOrd="0" destOrd="0" presId="urn:microsoft.com/office/officeart/2005/8/layout/target1"/>
     <dgm:cxn modelId="{EBD8BE8D-6018-43E2-B081-034BB5656EB6}" srcId="{3F442EA2-39BA-4C9A-AD59-755D4917D532}" destId="{4DF9FE7B-F642-4898-A360-D4E3814E1A3D}" srcOrd="0" destOrd="0" parTransId="{1C10F06D-860A-4604-A7AD-02E614FE3976}" sibTransId="{43C18EFF-81FC-4D70-8C6B-E95FF3730413}"/>
-    <dgm:cxn modelId="{1339090C-9A95-4C05-841C-FA3AF987601B}" srcId="{3F442EA2-39BA-4C9A-AD59-755D4917D532}" destId="{3929B1E1-4BC4-4C73-ABE8-27CEF96A3652}" srcOrd="1" destOrd="0" parTransId="{F356CC76-9117-4B79-A270-BBBAFD3E9C79}" sibTransId="{19BA0C22-38BB-4E9F-89D5-0FF5FF9F12CE}"/>
-    <dgm:cxn modelId="{5A70FA4A-195D-4B31-AA86-3DC5D1C2EC98}" type="presOf" srcId="{60CDF8D0-D4FC-4467-A51E-79C5A58B0B2C}" destId="{F4B3DB09-8D8A-4833-A3A0-C8C2FB6EE995}" srcOrd="0" destOrd="0" presId="urn:microsoft.com/office/officeart/2005/8/layout/target1"/>
     <dgm:cxn modelId="{21A6251B-C0F9-4719-8ECF-31915EFD814C}" type="presOf" srcId="{4DF9FE7B-F642-4898-A360-D4E3814E1A3D}" destId="{721C4484-2C4E-47CE-9E3D-C44F02A7E166}" srcOrd="0" destOrd="0" presId="urn:microsoft.com/office/officeart/2005/8/layout/target1"/>
-    <dgm:cxn modelId="{7540B0A9-79C0-422C-9A30-1FFC79A03107}" type="presOf" srcId="{3F442EA2-39BA-4C9A-AD59-755D4917D532}" destId="{AA67F66C-F4E3-4AE3-9C55-A9DF49CFA6B2}" srcOrd="0" destOrd="0" presId="urn:microsoft.com/office/officeart/2005/8/layout/target1"/>
     <dgm:cxn modelId="{2BA65DEC-E719-4ED3-8135-48349D42DD04}" srcId="{3F442EA2-39BA-4C9A-AD59-755D4917D532}" destId="{60CDF8D0-D4FC-4467-A51E-79C5A58B0B2C}" srcOrd="2" destOrd="0" parTransId="{E12A269F-AB82-486A-9077-80F2BBBE48C2}" sibTransId="{3F7FD59D-A716-4310-A89A-AB6F740D9FFF}"/>
     <dgm:cxn modelId="{6B8A0600-2F3C-4C1C-BB0C-35E13595CB36}" type="presParOf" srcId="{AA67F66C-F4E3-4AE3-9C55-A9DF49CFA6B2}" destId="{CBC7FCC3-4508-4A2C-A699-80B56AC4DB56}" srcOrd="0" destOrd="0" presId="urn:microsoft.com/office/officeart/2005/8/layout/target1"/>
     <dgm:cxn modelId="{CD986D54-F397-4C00-B589-80D8AA5D9D7E}" type="presParOf" srcId="{AA67F66C-F4E3-4AE3-9C55-A9DF49CFA6B2}" destId="{721C4484-2C4E-47CE-9E3D-C44F02A7E166}" srcOrd="1" destOrd="0" presId="urn:microsoft.com/office/officeart/2005/8/layout/target1"/>
@@ -4760,11 +4760,7 @@
             </a:r>
             <a:r>
               <a:rPr lang="en-US" baseline="0" dirty="0" smtClean="0"/>
-              <a:t> </a:t>
-            </a:r>
-            <a:r>
-              <a:rPr lang="en-US" baseline="0" dirty="0" smtClean="0"/>
-              <a:t>you factor only teams of unique Pokémon with unique move-sets, we have (719 choose 6) * (74 choose 4)</a:t>
+              <a:t> you factor only teams of unique Pokémon with unique move-sets, we have (719 choose 6) * (74 choose 4)</a:t>
             </a:r>
           </a:p>
           <a:p>
@@ -4944,214 +4940,8 @@
           <a:p>
             <a:r>
               <a:rPr lang="en-US" dirty="0" smtClean="0"/>
-              <a:t>Rob Speak: </a:t>
-            </a:r>
-          </a:p>
-          <a:p>
-            <a:endParaRPr lang="en-US" dirty="0" smtClean="0"/>
-          </a:p>
-          <a:p>
-            <a:r>
-              <a:rPr lang="en-US" dirty="0" smtClean="0"/>
-              <a:t>We</a:t>
-            </a:r>
-            <a:r>
-              <a:rPr lang="en-US" baseline="0" dirty="0" smtClean="0"/>
-              <a:t> </a:t>
-            </a:r>
-            <a:r>
-              <a:rPr lang="en-US" baseline="0" dirty="0" smtClean="0"/>
-              <a:t>obtained our Pokémon data from two sources. Serebii.net and Smogon.com</a:t>
-            </a:r>
-          </a:p>
-          <a:p>
-            <a:endParaRPr lang="en-US" baseline="0" dirty="0" smtClean="0"/>
-          </a:p>
-          <a:p>
-            <a:pPr marL="171450" indent="-171450">
-              <a:buFont typeface="Arial" panose="020B0604020202020204" pitchFamily="34" charset="0"/>
-              <a:buChar char="•"/>
-            </a:pPr>
-            <a:r>
-              <a:rPr lang="en-US" baseline="0" dirty="0" smtClean="0"/>
-              <a:t>Serebii is a very popular source of Pokémon information, containing a massive database of all Pokémon, attacks, abilities and </a:t>
-            </a:r>
-            <a:r>
-              <a:rPr lang="en-US" baseline="0" dirty="0" smtClean="0"/>
-              <a:t>items</a:t>
-            </a:r>
-          </a:p>
-          <a:p>
-            <a:pPr marL="628650" lvl="1" indent="-171450">
-              <a:buFont typeface="Arial" panose="020B0604020202020204" pitchFamily="34" charset="0"/>
-              <a:buChar char="•"/>
-            </a:pPr>
-            <a:r>
-              <a:rPr lang="en-US" baseline="0" dirty="0" smtClean="0"/>
-              <a:t>We were able to scrape through Serebii to gather all the </a:t>
-            </a:r>
-            <a:r>
-              <a:rPr lang="en-US" baseline="0" dirty="0" err="1" smtClean="0"/>
-              <a:t>staticall</a:t>
-            </a:r>
-            <a:r>
-              <a:rPr lang="en-US" baseline="0" dirty="0" smtClean="0"/>
-              <a:t> data that we needed for our battle simulator. </a:t>
-            </a:r>
-            <a:endParaRPr lang="en-US" baseline="0" dirty="0" smtClean="0"/>
-          </a:p>
-          <a:p>
-            <a:endParaRPr lang="en-US" baseline="0" dirty="0" smtClean="0"/>
-          </a:p>
-          <a:p>
-            <a:pPr marL="171450" indent="-171450">
-              <a:buFont typeface="Arial" panose="020B0604020202020204" pitchFamily="34" charset="0"/>
-              <a:buChar char="•"/>
-            </a:pPr>
-            <a:r>
-              <a:rPr lang="en-US" baseline="0" dirty="0" smtClean="0"/>
-              <a:t>Smogon is one of the leaders in competitive Pokémon battling. The people at Smogon have created an online battler where people can easily battle each other and save records of their battles. </a:t>
-            </a:r>
-            <a:r>
-              <a:rPr lang="en-US" baseline="0" dirty="0" smtClean="0"/>
-              <a:t>They frequently hold tournaments and are very active contributors to the “meta” of Player VS Player Pokémon.</a:t>
-            </a:r>
-          </a:p>
-          <a:p>
-            <a:pPr marL="628650" lvl="1" indent="-171450">
-              <a:buFont typeface="Arial" panose="020B0604020202020204" pitchFamily="34" charset="0"/>
-              <a:buChar char="•"/>
-            </a:pPr>
-            <a:r>
-              <a:rPr lang="en-US" baseline="0" dirty="0" smtClean="0"/>
-              <a:t>Smogon sets the Pokémon Battle Tiers</a:t>
-            </a:r>
-          </a:p>
-          <a:p>
-            <a:pPr marL="1085850" lvl="2" indent="-171450">
-              <a:buFont typeface="Arial" panose="020B0604020202020204" pitchFamily="34" charset="0"/>
-              <a:buChar char="•"/>
-            </a:pPr>
-            <a:r>
-              <a:rPr lang="en-US" baseline="0" dirty="0" smtClean="0"/>
-              <a:t>Battle tiers are updated every 3 months based off of usage statistics</a:t>
-            </a:r>
-          </a:p>
-          <a:p>
-            <a:pPr marL="1543050" lvl="3" indent="-171450">
-              <a:buFont typeface="Arial" panose="020B0604020202020204" pitchFamily="34" charset="0"/>
-              <a:buChar char="•"/>
-            </a:pPr>
-            <a:r>
-              <a:rPr lang="en-US" baseline="0" dirty="0" smtClean="0"/>
-              <a:t>We used battles form the OU tier, which is the most popular tier</a:t>
-            </a:r>
-          </a:p>
-          <a:p>
-            <a:pPr marL="1085850" lvl="2" indent="-171450">
-              <a:buFont typeface="Arial" panose="020B0604020202020204" pitchFamily="34" charset="0"/>
-              <a:buChar char="•"/>
-            </a:pPr>
-            <a:r>
-              <a:rPr lang="en-US" baseline="0" dirty="0" smtClean="0"/>
-              <a:t>This means that the tiers actively evolve as the meta grows.</a:t>
-            </a:r>
-          </a:p>
-          <a:p>
-            <a:pPr marL="1543050" lvl="3" indent="-171450">
-              <a:buFont typeface="Arial" panose="020B0604020202020204" pitchFamily="34" charset="0"/>
-              <a:buChar char="•"/>
-            </a:pPr>
-            <a:r>
-              <a:rPr lang="en-US" baseline="0" dirty="0" smtClean="0"/>
-              <a:t>Our data spans a time of 1 year (Jan 2014 – April 2015)</a:t>
-            </a:r>
-          </a:p>
-          <a:p>
-            <a:pPr marL="628650" lvl="1" indent="-171450">
-              <a:buFont typeface="Arial" panose="020B0604020202020204" pitchFamily="34" charset="0"/>
-              <a:buChar char="•"/>
-            </a:pPr>
-            <a:r>
-              <a:rPr lang="en-US" baseline="0" dirty="0" smtClean="0"/>
-              <a:t>We took over 300 battles from three different Smogon tournaments and divided parsed the data to find things such as:</a:t>
-            </a:r>
-          </a:p>
-          <a:p>
-            <a:pPr marL="1085850" lvl="2" indent="-171450">
-              <a:buFont typeface="Arial" panose="020B0604020202020204" pitchFamily="34" charset="0"/>
-              <a:buChar char="•"/>
-            </a:pPr>
-            <a:r>
-              <a:rPr lang="en-US" baseline="0" dirty="0" smtClean="0"/>
-              <a:t> moves actually used in battle</a:t>
-            </a:r>
-          </a:p>
-          <a:p>
-            <a:pPr marL="1085850" lvl="2" indent="-171450">
-              <a:buFont typeface="Arial" panose="020B0604020202020204" pitchFamily="34" charset="0"/>
-              <a:buChar char="•"/>
-            </a:pPr>
-            <a:r>
-              <a:rPr lang="en-US" strike="sngStrike" baseline="0" dirty="0" smtClean="0"/>
-              <a:t>Status effects used</a:t>
-            </a:r>
-          </a:p>
-          <a:p>
-            <a:pPr marL="1085850" lvl="2" indent="-171450">
-              <a:buFont typeface="Arial" panose="020B0604020202020204" pitchFamily="34" charset="0"/>
-              <a:buChar char="•"/>
-            </a:pPr>
-            <a:r>
-              <a:rPr lang="en-US" strike="sngStrike" baseline="0" dirty="0" smtClean="0"/>
-              <a:t>Weather changes</a:t>
-            </a:r>
-          </a:p>
-          <a:p>
-            <a:pPr marL="1085850" lvl="2" indent="-171450">
-              <a:buFont typeface="Arial" panose="020B0604020202020204" pitchFamily="34" charset="0"/>
-              <a:buChar char="•"/>
-            </a:pPr>
-            <a:r>
-              <a:rPr lang="en-US" baseline="0" dirty="0" smtClean="0"/>
-              <a:t>Items used</a:t>
-            </a:r>
-          </a:p>
-          <a:p>
-            <a:pPr marL="1085850" lvl="2" indent="-171450">
-              <a:buFont typeface="Arial" panose="020B0604020202020204" pitchFamily="34" charset="0"/>
-              <a:buChar char="•"/>
-            </a:pPr>
-            <a:r>
-              <a:rPr lang="en-US" strike="sngStrike" baseline="0" dirty="0" smtClean="0"/>
-              <a:t>Entry Hazards</a:t>
-            </a:r>
-          </a:p>
-          <a:p>
-            <a:pPr marL="1085850" lvl="2" indent="-171450">
-              <a:buFont typeface="Arial" panose="020B0604020202020204" pitchFamily="34" charset="0"/>
-              <a:buChar char="•"/>
-            </a:pPr>
-            <a:r>
-              <a:rPr lang="en-US" baseline="0" dirty="0" smtClean="0"/>
-              <a:t>Pokémon Transformations used</a:t>
-            </a:r>
-          </a:p>
-          <a:p>
-            <a:pPr marL="628650" lvl="1" indent="-171450">
-              <a:buFont typeface="Arial" panose="020B0604020202020204" pitchFamily="34" charset="0"/>
-              <a:buChar char="•"/>
-            </a:pPr>
-            <a:r>
-              <a:rPr lang="en-US" baseline="0" dirty="0" smtClean="0"/>
-              <a:t>We then divided these sets into our training and test sets for our classifiers. </a:t>
-            </a:r>
-          </a:p>
-          <a:p>
-            <a:pPr marL="1085850" lvl="2" indent="-171450">
-              <a:buFont typeface="Arial" panose="020B0604020202020204" pitchFamily="34" charset="0"/>
-              <a:buChar char="•"/>
-            </a:pPr>
+              <a:t>Kevin should talk about this</a:t>
+            </a:r>
             <a:endParaRPr lang="en-US" dirty="0"/>
           </a:p>
         </p:txBody>
@@ -5182,7 +4972,7 @@
     </p:spTree>
     <p:extLst>
       <p:ext uri="{BB962C8B-B14F-4D97-AF65-F5344CB8AC3E}">
-        <p14:creationId xmlns:p14="http://schemas.microsoft.com/office/powerpoint/2010/main" val="2625267798"/>
+        <p14:creationId xmlns:p14="http://schemas.microsoft.com/office/powerpoint/2010/main" val="1181329945"/>
       </p:ext>
     </p:extLst>
   </p:cSld>
@@ -5238,8 +5028,201 @@
           <a:p>
             <a:r>
               <a:rPr lang="en-US" dirty="0" smtClean="0"/>
-              <a:t>Kevin should talk about this</a:t>
-            </a:r>
+              <a:t>Rob Speak: </a:t>
+            </a:r>
+          </a:p>
+          <a:p>
+            <a:endParaRPr lang="en-US" dirty="0" smtClean="0"/>
+          </a:p>
+          <a:p>
+            <a:r>
+              <a:rPr lang="en-US" dirty="0" smtClean="0"/>
+              <a:t>We</a:t>
+            </a:r>
+            <a:r>
+              <a:rPr lang="en-US" baseline="0" dirty="0" smtClean="0"/>
+              <a:t> obtained our Pokémon data from two sources. Serebii.net and Smogon.com</a:t>
+            </a:r>
+          </a:p>
+          <a:p>
+            <a:endParaRPr lang="en-US" baseline="0" dirty="0" smtClean="0"/>
+          </a:p>
+          <a:p>
+            <a:pPr marL="171450" indent="-171450">
+              <a:buFont typeface="Arial" panose="020B0604020202020204" pitchFamily="34" charset="0"/>
+              <a:buChar char="•"/>
+            </a:pPr>
+            <a:r>
+              <a:rPr lang="en-US" baseline="0" dirty="0" smtClean="0"/>
+              <a:t>Serebii is a very popular source of Pokémon information, containing a massive database of all Pokémon, attacks, abilities and items</a:t>
+            </a:r>
+          </a:p>
+          <a:p>
+            <a:pPr marL="628650" lvl="1" indent="-171450">
+              <a:buFont typeface="Arial" panose="020B0604020202020204" pitchFamily="34" charset="0"/>
+              <a:buChar char="•"/>
+            </a:pPr>
+            <a:r>
+              <a:rPr lang="en-US" baseline="0" dirty="0" smtClean="0"/>
+              <a:t>We were able to scrape through Serebii to gather all the </a:t>
+            </a:r>
+            <a:r>
+              <a:rPr lang="en-US" baseline="0" dirty="0" err="1" smtClean="0"/>
+              <a:t>staticall</a:t>
+            </a:r>
+            <a:r>
+              <a:rPr lang="en-US" baseline="0" dirty="0" smtClean="0"/>
+              <a:t> data that we needed for our battle simulator. </a:t>
+            </a:r>
+          </a:p>
+          <a:p>
+            <a:endParaRPr lang="en-US" baseline="0" dirty="0" smtClean="0"/>
+          </a:p>
+          <a:p>
+            <a:pPr marL="171450" indent="-171450">
+              <a:buFont typeface="Arial" panose="020B0604020202020204" pitchFamily="34" charset="0"/>
+              <a:buChar char="•"/>
+            </a:pPr>
+            <a:r>
+              <a:rPr lang="en-US" baseline="0" dirty="0" smtClean="0"/>
+              <a:t>Smogon is one of the leaders in competitive Pokémon battling. The people at Smogon have created an online battler where people can easily battle each other and save records of their battles. They frequently hold tournaments and are very active contributors to the “meta” of Player VS Player Pokémon.</a:t>
+            </a:r>
+          </a:p>
+          <a:p>
+            <a:pPr marL="628650" lvl="1" indent="-171450">
+              <a:buFont typeface="Arial" panose="020B0604020202020204" pitchFamily="34" charset="0"/>
+              <a:buChar char="•"/>
+            </a:pPr>
+            <a:r>
+              <a:rPr lang="en-US" baseline="0" dirty="0" smtClean="0"/>
+              <a:t>Smogon sets the Pokémon Battle Tiers</a:t>
+            </a:r>
+          </a:p>
+          <a:p>
+            <a:pPr marL="1085850" lvl="2" indent="-171450">
+              <a:buFont typeface="Arial" panose="020B0604020202020204" pitchFamily="34" charset="0"/>
+              <a:buChar char="•"/>
+            </a:pPr>
+            <a:r>
+              <a:rPr lang="en-US" baseline="0" dirty="0" smtClean="0"/>
+              <a:t>Battle tiers are updated every 3 months based off of usage statistics</a:t>
+            </a:r>
+          </a:p>
+          <a:p>
+            <a:pPr marL="1543050" lvl="3" indent="-171450">
+              <a:buFont typeface="Arial" panose="020B0604020202020204" pitchFamily="34" charset="0"/>
+              <a:buChar char="•"/>
+            </a:pPr>
+            <a:r>
+              <a:rPr lang="en-US" baseline="0" dirty="0" smtClean="0"/>
+              <a:t>We used battles form the OU tier, which is the most popular tier</a:t>
+            </a:r>
+          </a:p>
+          <a:p>
+            <a:pPr marL="1085850" lvl="2" indent="-171450">
+              <a:buFont typeface="Arial" panose="020B0604020202020204" pitchFamily="34" charset="0"/>
+              <a:buChar char="•"/>
+            </a:pPr>
+            <a:r>
+              <a:rPr lang="en-US" baseline="0" dirty="0" smtClean="0"/>
+              <a:t>This means that the tiers actively evolve as the meta grows.</a:t>
+            </a:r>
+          </a:p>
+          <a:p>
+            <a:pPr marL="1543050" lvl="3" indent="-171450">
+              <a:buFont typeface="Arial" panose="020B0604020202020204" pitchFamily="34" charset="0"/>
+              <a:buChar char="•"/>
+            </a:pPr>
+            <a:r>
+              <a:rPr lang="en-US" baseline="0" dirty="0" smtClean="0"/>
+              <a:t>Our data spans a time of 1 year (Jan 2014 – April 2015)</a:t>
+            </a:r>
+          </a:p>
+          <a:p>
+            <a:pPr marL="628650" lvl="1" indent="-171450">
+              <a:buFont typeface="Arial" panose="020B0604020202020204" pitchFamily="34" charset="0"/>
+              <a:buChar char="•"/>
+            </a:pPr>
+            <a:r>
+              <a:rPr lang="en-US" baseline="0" dirty="0" smtClean="0"/>
+              <a:t>We took over 300 battles from three different Smogon tournaments and divided parsed the data to find things such as:</a:t>
+            </a:r>
+          </a:p>
+          <a:p>
+            <a:pPr marL="1085850" lvl="2" indent="-171450">
+              <a:buFont typeface="Arial" panose="020B0604020202020204" pitchFamily="34" charset="0"/>
+              <a:buChar char="•"/>
+            </a:pPr>
+            <a:r>
+              <a:rPr lang="en-US" baseline="0" dirty="0" smtClean="0"/>
+              <a:t> moves actually used in battle</a:t>
+            </a:r>
+          </a:p>
+          <a:p>
+            <a:pPr marL="1085850" lvl="2" indent="-171450">
+              <a:buFont typeface="Arial" panose="020B0604020202020204" pitchFamily="34" charset="0"/>
+              <a:buChar char="•"/>
+            </a:pPr>
+            <a:r>
+              <a:rPr lang="en-US" strike="sngStrike" baseline="0" dirty="0" smtClean="0"/>
+              <a:t>Status effects used</a:t>
+            </a:r>
+          </a:p>
+          <a:p>
+            <a:pPr marL="1085850" lvl="2" indent="-171450">
+              <a:buFont typeface="Arial" panose="020B0604020202020204" pitchFamily="34" charset="0"/>
+              <a:buChar char="•"/>
+            </a:pPr>
+            <a:r>
+              <a:rPr lang="en-US" strike="sngStrike" baseline="0" dirty="0" smtClean="0"/>
+              <a:t>Weather changes</a:t>
+            </a:r>
+          </a:p>
+          <a:p>
+            <a:pPr marL="1085850" lvl="2" indent="-171450">
+              <a:buFont typeface="Arial" panose="020B0604020202020204" pitchFamily="34" charset="0"/>
+              <a:buChar char="•"/>
+            </a:pPr>
+            <a:r>
+              <a:rPr lang="en-US" baseline="0" dirty="0" smtClean="0"/>
+              <a:t>Items used</a:t>
+            </a:r>
+          </a:p>
+          <a:p>
+            <a:pPr marL="1085850" lvl="2" indent="-171450">
+              <a:buFont typeface="Arial" panose="020B0604020202020204" pitchFamily="34" charset="0"/>
+              <a:buChar char="•"/>
+            </a:pPr>
+            <a:r>
+              <a:rPr lang="en-US" strike="sngStrike" baseline="0" dirty="0" smtClean="0"/>
+              <a:t>Entry Hazards</a:t>
+            </a:r>
+          </a:p>
+          <a:p>
+            <a:pPr marL="1085850" lvl="2" indent="-171450">
+              <a:buFont typeface="Arial" panose="020B0604020202020204" pitchFamily="34" charset="0"/>
+              <a:buChar char="•"/>
+            </a:pPr>
+            <a:r>
+              <a:rPr lang="en-US" baseline="0" dirty="0" smtClean="0"/>
+              <a:t>Pokémon Transformations used</a:t>
+            </a:r>
+          </a:p>
+          <a:p>
+            <a:pPr marL="628650" lvl="1" indent="-171450">
+              <a:buFont typeface="Arial" panose="020B0604020202020204" pitchFamily="34" charset="0"/>
+              <a:buChar char="•"/>
+            </a:pPr>
+            <a:r>
+              <a:rPr lang="en-US" baseline="0" dirty="0" smtClean="0"/>
+              <a:t>We then divided these sets into our training and test sets for our classifiers. </a:t>
+            </a:r>
+          </a:p>
+          <a:p>
+            <a:pPr marL="1085850" lvl="2" indent="-171450">
+              <a:buFont typeface="Arial" panose="020B0604020202020204" pitchFamily="34" charset="0"/>
+              <a:buChar char="•"/>
+            </a:pPr>
             <a:endParaRPr lang="en-US" dirty="0"/>
           </a:p>
         </p:txBody>
@@ -5270,7 +5253,7 @@
     </p:spTree>
     <p:extLst>
       <p:ext uri="{BB962C8B-B14F-4D97-AF65-F5344CB8AC3E}">
-        <p14:creationId xmlns:p14="http://schemas.microsoft.com/office/powerpoint/2010/main" val="1181329945"/>
+        <p14:creationId xmlns:p14="http://schemas.microsoft.com/office/powerpoint/2010/main" val="2625267798"/>
       </p:ext>
     </p:extLst>
   </p:cSld>
@@ -5424,11 +5407,7 @@
             </a:r>
             <a:r>
               <a:rPr lang="en-US" baseline="0" dirty="0" smtClean="0"/>
-              <a:t> in the Data </a:t>
-            </a:r>
-            <a:r>
-              <a:rPr lang="en-US" baseline="0" dirty="0" smtClean="0"/>
-              <a:t>Set</a:t>
+              <a:t> in the Data Set</a:t>
             </a:r>
           </a:p>
           <a:p>
@@ -9063,24 +9042,219 @@
   <p:clrMapOvr>
     <a:masterClrMapping/>
   </p:clrMapOvr>
-  <mc:AlternateContent xmlns:mc="http://schemas.openxmlformats.org/markup-compatibility/2006" xmlns:p14="http://schemas.microsoft.com/office/powerpoint/2010/main">
-    <mc:Choice Requires="p14">
-      <p:transition spd="med" p14:dur="700">
-        <p:fade/>
+  <mc:AlternateContent xmlns:mc="http://schemas.openxmlformats.org/markup-compatibility/2006">
+    <mc:Choice xmlns:p14="http://schemas.microsoft.com/office/powerpoint/2010/main" Requires="p14">
+      <p:transition spd="slow" p14:dur="2000">
+        <p:pull/>
       </p:transition>
     </mc:Choice>
-    <mc:Fallback xmlns="">
-      <p:transition spd="med">
-        <p:fade/>
+    <mc:Fallback>
+      <p:transition spd="slow">
+        <p:pull/>
       </p:transition>
     </mc:Fallback>
   </mc:AlternateContent>
   <p:timing>
     <p:tnLst>
       <p:par>
-        <p:cTn id="1" dur="indefinite" restart="never" nodeType="tmRoot"/>
+        <p:cTn id="1" dur="indefinite" restart="never" nodeType="tmRoot">
+          <p:childTnLst>
+            <p:seq concurrent="1" nextAc="seek">
+              <p:cTn id="2" dur="indefinite" nodeType="mainSeq">
+                <p:childTnLst>
+                  <p:par>
+                    <p:cTn id="3" fill="hold">
+                      <p:stCondLst>
+                        <p:cond delay="indefinite"/>
+                      </p:stCondLst>
+                      <p:childTnLst>
+                        <p:par>
+                          <p:cTn id="4" fill="hold">
+                            <p:stCondLst>
+                              <p:cond delay="0"/>
+                            </p:stCondLst>
+                            <p:childTnLst>
+                              <p:par>
+                                <p:cTn id="5" presetID="6" presetClass="entr" presetSubtype="16" fill="hold" grpId="0" nodeType="clickEffect">
+                                  <p:stCondLst>
+                                    <p:cond delay="0"/>
+                                  </p:stCondLst>
+                                  <p:childTnLst>
+                                    <p:set>
+                                      <p:cBhvr>
+                                        <p:cTn id="6" dur="1" fill="hold">
+                                          <p:stCondLst>
+                                            <p:cond delay="0"/>
+                                          </p:stCondLst>
+                                        </p:cTn>
+                                        <p:tgtEl>
+                                          <p:spTgt spid="2"/>
+                                        </p:tgtEl>
+                                        <p:attrNameLst>
+                                          <p:attrName>style.visibility</p:attrName>
+                                        </p:attrNameLst>
+                                      </p:cBhvr>
+                                      <p:to>
+                                        <p:strVal val="visible"/>
+                                      </p:to>
+                                    </p:set>
+                                    <p:animEffect transition="in" filter="circle(in)">
+                                      <p:cBhvr>
+                                        <p:cTn id="7" dur="2000"/>
+                                        <p:tgtEl>
+                                          <p:spTgt spid="2"/>
+                                        </p:tgtEl>
+                                      </p:cBhvr>
+                                    </p:animEffect>
+                                  </p:childTnLst>
+                                </p:cTn>
+                              </p:par>
+                            </p:childTnLst>
+                          </p:cTn>
+                        </p:par>
+                      </p:childTnLst>
+                    </p:cTn>
+                  </p:par>
+                  <p:par>
+                    <p:cTn id="8" fill="hold">
+                      <p:stCondLst>
+                        <p:cond delay="indefinite"/>
+                      </p:stCondLst>
+                      <p:childTnLst>
+                        <p:par>
+                          <p:cTn id="9" fill="hold">
+                            <p:stCondLst>
+                              <p:cond delay="0"/>
+                            </p:stCondLst>
+                            <p:childTnLst>
+                              <p:par>
+                                <p:cTn id="10" presetID="10" presetClass="entr" presetSubtype="0" fill="hold" grpId="0" nodeType="clickEffect">
+                                  <p:stCondLst>
+                                    <p:cond delay="0"/>
+                                  </p:stCondLst>
+                                  <p:childTnLst>
+                                    <p:set>
+                                      <p:cBhvr>
+                                        <p:cTn id="11" dur="1" fill="hold">
+                                          <p:stCondLst>
+                                            <p:cond delay="0"/>
+                                          </p:stCondLst>
+                                        </p:cTn>
+                                        <p:tgtEl>
+                                          <p:spTgt spid="3">
+                                            <p:txEl>
+                                              <p:pRg st="0" end="0"/>
+                                            </p:txEl>
+                                          </p:spTgt>
+                                        </p:tgtEl>
+                                        <p:attrNameLst>
+                                          <p:attrName>style.visibility</p:attrName>
+                                        </p:attrNameLst>
+                                      </p:cBhvr>
+                                      <p:to>
+                                        <p:strVal val="visible"/>
+                                      </p:to>
+                                    </p:set>
+                                    <p:animEffect transition="in" filter="fade">
+                                      <p:cBhvr>
+                                        <p:cTn id="12" dur="500"/>
+                                        <p:tgtEl>
+                                          <p:spTgt spid="3">
+                                            <p:txEl>
+                                              <p:pRg st="0" end="0"/>
+                                            </p:txEl>
+                                          </p:spTgt>
+                                        </p:tgtEl>
+                                      </p:cBhvr>
+                                    </p:animEffect>
+                                  </p:childTnLst>
+                                </p:cTn>
+                              </p:par>
+                            </p:childTnLst>
+                          </p:cTn>
+                        </p:par>
+                      </p:childTnLst>
+                    </p:cTn>
+                  </p:par>
+                  <p:par>
+                    <p:cTn id="13" fill="hold">
+                      <p:stCondLst>
+                        <p:cond delay="indefinite"/>
+                      </p:stCondLst>
+                      <p:childTnLst>
+                        <p:par>
+                          <p:cTn id="14" fill="hold">
+                            <p:stCondLst>
+                              <p:cond delay="0"/>
+                            </p:stCondLst>
+                            <p:childTnLst>
+                              <p:par>
+                                <p:cTn id="15" presetID="16" presetClass="entr" presetSubtype="21" fill="hold" grpId="0" nodeType="clickEffect">
+                                  <p:stCondLst>
+                                    <p:cond delay="0"/>
+                                  </p:stCondLst>
+                                  <p:childTnLst>
+                                    <p:set>
+                                      <p:cBhvr>
+                                        <p:cTn id="16" dur="1" fill="hold">
+                                          <p:stCondLst>
+                                            <p:cond delay="0"/>
+                                          </p:stCondLst>
+                                        </p:cTn>
+                                        <p:tgtEl>
+                                          <p:spTgt spid="4"/>
+                                        </p:tgtEl>
+                                        <p:attrNameLst>
+                                          <p:attrName>style.visibility</p:attrName>
+                                        </p:attrNameLst>
+                                      </p:cBhvr>
+                                      <p:to>
+                                        <p:strVal val="visible"/>
+                                      </p:to>
+                                    </p:set>
+                                    <p:animEffect transition="in" filter="barn(inVertical)">
+                                      <p:cBhvr>
+                                        <p:cTn id="17" dur="1250"/>
+                                        <p:tgtEl>
+                                          <p:spTgt spid="4"/>
+                                        </p:tgtEl>
+                                      </p:cBhvr>
+                                    </p:animEffect>
+                                  </p:childTnLst>
+                                </p:cTn>
+                              </p:par>
+                            </p:childTnLst>
+                          </p:cTn>
+                        </p:par>
+                      </p:childTnLst>
+                    </p:cTn>
+                  </p:par>
+                </p:childTnLst>
+              </p:cTn>
+              <p:prevCondLst>
+                <p:cond evt="onPrev" delay="0">
+                  <p:tgtEl>
+                    <p:sldTgt/>
+                  </p:tgtEl>
+                </p:cond>
+              </p:prevCondLst>
+              <p:nextCondLst>
+                <p:cond evt="onNext" delay="0">
+                  <p:tgtEl>
+                    <p:sldTgt/>
+                  </p:tgtEl>
+                </p:cond>
+              </p:nextCondLst>
+            </p:seq>
+          </p:childTnLst>
+        </p:cTn>
       </p:par>
     </p:tnLst>
+    <p:bldLst>
+      <p:bldP spid="3" grpId="0" build="p"/>
+      <p:bldP spid="2" grpId="0"/>
+      <p:bldP spid="4" grpId="0" animBg="1"/>
+    </p:bldLst>
   </p:timing>
 </p:sld>
 </file>
@@ -9133,11 +9307,6 @@
               </a:rPr>
               <a:t>How can we better our chances of winning?</a:t>
             </a:r>
-            <a:endParaRPr lang="en-US" sz="3200" dirty="0" smtClean="0">
-              <a:solidFill>
-                <a:schemeClr val="accent3"/>
-              </a:solidFill>
-            </a:endParaRPr>
           </a:p>
           <a:p>
             <a:pPr marL="0" indent="0">
@@ -9361,24 +9530,357 @@
   <p:clrMapOvr>
     <a:masterClrMapping/>
   </p:clrMapOvr>
-  <mc:AlternateContent xmlns:mc="http://schemas.openxmlformats.org/markup-compatibility/2006" xmlns:p14="http://schemas.microsoft.com/office/powerpoint/2010/main">
-    <mc:Choice Requires="p14">
-      <p:transition spd="med" p14:dur="700">
-        <p:fade/>
+  <mc:AlternateContent xmlns:mc="http://schemas.openxmlformats.org/markup-compatibility/2006">
+    <mc:Choice xmlns:p14="http://schemas.microsoft.com/office/powerpoint/2010/main" Requires="p14">
+      <p:transition spd="slow" p14:dur="800">
+        <p:circle/>
       </p:transition>
     </mc:Choice>
-    <mc:Fallback xmlns="">
-      <p:transition spd="med">
-        <p:fade/>
+    <mc:Fallback>
+      <p:transition spd="slow">
+        <p:circle/>
       </p:transition>
     </mc:Fallback>
   </mc:AlternateContent>
   <p:timing>
     <p:tnLst>
       <p:par>
-        <p:cTn id="1" dur="indefinite" restart="never" nodeType="tmRoot"/>
+        <p:cTn id="1" dur="indefinite" restart="never" nodeType="tmRoot">
+          <p:childTnLst>
+            <p:seq concurrent="1" nextAc="seek">
+              <p:cTn id="2" dur="indefinite" nodeType="mainSeq">
+                <p:childTnLst>
+                  <p:par>
+                    <p:cTn id="3" fill="hold">
+                      <p:stCondLst>
+                        <p:cond delay="indefinite"/>
+                        <p:cond evt="onBegin" delay="0">
+                          <p:tn val="2"/>
+                        </p:cond>
+                      </p:stCondLst>
+                      <p:childTnLst>
+                        <p:par>
+                          <p:cTn id="4" fill="hold">
+                            <p:stCondLst>
+                              <p:cond delay="0"/>
+                            </p:stCondLst>
+                            <p:childTnLst>
+                              <p:par>
+                                <p:cTn id="5" presetID="31" presetClass="entr" presetSubtype="0" fill="hold" grpId="0" nodeType="afterEffect">
+                                  <p:stCondLst>
+                                    <p:cond delay="0"/>
+                                  </p:stCondLst>
+                                  <p:childTnLst>
+                                    <p:set>
+                                      <p:cBhvr>
+                                        <p:cTn id="6" dur="1" fill="hold">
+                                          <p:stCondLst>
+                                            <p:cond delay="0"/>
+                                          </p:stCondLst>
+                                        </p:cTn>
+                                        <p:tgtEl>
+                                          <p:spTgt spid="3">
+                                            <p:txEl>
+                                              <p:pRg st="0" end="0"/>
+                                            </p:txEl>
+                                          </p:spTgt>
+                                        </p:tgtEl>
+                                        <p:attrNameLst>
+                                          <p:attrName>style.visibility</p:attrName>
+                                        </p:attrNameLst>
+                                      </p:cBhvr>
+                                      <p:to>
+                                        <p:strVal val="visible"/>
+                                      </p:to>
+                                    </p:set>
+                                    <p:anim calcmode="lin" valueType="num">
+                                      <p:cBhvr>
+                                        <p:cTn id="7" dur="1000" fill="hold"/>
+                                        <p:tgtEl>
+                                          <p:spTgt spid="3">
+                                            <p:txEl>
+                                              <p:pRg st="0" end="0"/>
+                                            </p:txEl>
+                                          </p:spTgt>
+                                        </p:tgtEl>
+                                        <p:attrNameLst>
+                                          <p:attrName>ppt_w</p:attrName>
+                                        </p:attrNameLst>
+                                      </p:cBhvr>
+                                      <p:tavLst>
+                                        <p:tav tm="0">
+                                          <p:val>
+                                            <p:fltVal val="0"/>
+                                          </p:val>
+                                        </p:tav>
+                                        <p:tav tm="100000">
+                                          <p:val>
+                                            <p:strVal val="#ppt_w"/>
+                                          </p:val>
+                                        </p:tav>
+                                      </p:tavLst>
+                                    </p:anim>
+                                    <p:anim calcmode="lin" valueType="num">
+                                      <p:cBhvr>
+                                        <p:cTn id="8" dur="1000" fill="hold"/>
+                                        <p:tgtEl>
+                                          <p:spTgt spid="3">
+                                            <p:txEl>
+                                              <p:pRg st="0" end="0"/>
+                                            </p:txEl>
+                                          </p:spTgt>
+                                        </p:tgtEl>
+                                        <p:attrNameLst>
+                                          <p:attrName>ppt_h</p:attrName>
+                                        </p:attrNameLst>
+                                      </p:cBhvr>
+                                      <p:tavLst>
+                                        <p:tav tm="0">
+                                          <p:val>
+                                            <p:fltVal val="0"/>
+                                          </p:val>
+                                        </p:tav>
+                                        <p:tav tm="100000">
+                                          <p:val>
+                                            <p:strVal val="#ppt_h"/>
+                                          </p:val>
+                                        </p:tav>
+                                      </p:tavLst>
+                                    </p:anim>
+                                    <p:anim calcmode="lin" valueType="num">
+                                      <p:cBhvr>
+                                        <p:cTn id="9" dur="1000" fill="hold"/>
+                                        <p:tgtEl>
+                                          <p:spTgt spid="3">
+                                            <p:txEl>
+                                              <p:pRg st="0" end="0"/>
+                                            </p:txEl>
+                                          </p:spTgt>
+                                        </p:tgtEl>
+                                        <p:attrNameLst>
+                                          <p:attrName>style.rotation</p:attrName>
+                                        </p:attrNameLst>
+                                      </p:cBhvr>
+                                      <p:tavLst>
+                                        <p:tav tm="0">
+                                          <p:val>
+                                            <p:fltVal val="90"/>
+                                          </p:val>
+                                        </p:tav>
+                                        <p:tav tm="100000">
+                                          <p:val>
+                                            <p:fltVal val="0"/>
+                                          </p:val>
+                                        </p:tav>
+                                      </p:tavLst>
+                                    </p:anim>
+                                    <p:animEffect transition="in" filter="fade">
+                                      <p:cBhvr>
+                                        <p:cTn id="10" dur="1000"/>
+                                        <p:tgtEl>
+                                          <p:spTgt spid="3">
+                                            <p:txEl>
+                                              <p:pRg st="0" end="0"/>
+                                            </p:txEl>
+                                          </p:spTgt>
+                                        </p:tgtEl>
+                                      </p:cBhvr>
+                                    </p:animEffect>
+                                  </p:childTnLst>
+                                </p:cTn>
+                              </p:par>
+                            </p:childTnLst>
+                          </p:cTn>
+                        </p:par>
+                      </p:childTnLst>
+                    </p:cTn>
+                  </p:par>
+                  <p:par>
+                    <p:cTn id="11" fill="hold">
+                      <p:stCondLst>
+                        <p:cond delay="indefinite"/>
+                      </p:stCondLst>
+                      <p:childTnLst>
+                        <p:par>
+                          <p:cTn id="12" fill="hold">
+                            <p:stCondLst>
+                              <p:cond delay="0"/>
+                            </p:stCondLst>
+                            <p:childTnLst>
+                              <p:par>
+                                <p:cTn id="13" presetID="10" presetClass="entr" presetSubtype="0" fill="hold" grpId="0" nodeType="clickEffect">
+                                  <p:stCondLst>
+                                    <p:cond delay="0"/>
+                                  </p:stCondLst>
+                                  <p:childTnLst>
+                                    <p:set>
+                                      <p:cBhvr>
+                                        <p:cTn id="14" dur="1" fill="hold">
+                                          <p:stCondLst>
+                                            <p:cond delay="0"/>
+                                          </p:stCondLst>
+                                        </p:cTn>
+                                        <p:tgtEl>
+                                          <p:spTgt spid="4">
+                                            <p:txEl>
+                                              <p:pRg st="0" end="0"/>
+                                            </p:txEl>
+                                          </p:spTgt>
+                                        </p:tgtEl>
+                                        <p:attrNameLst>
+                                          <p:attrName>style.visibility</p:attrName>
+                                        </p:attrNameLst>
+                                      </p:cBhvr>
+                                      <p:to>
+                                        <p:strVal val="visible"/>
+                                      </p:to>
+                                    </p:set>
+                                    <p:animEffect transition="in" filter="fade">
+                                      <p:cBhvr>
+                                        <p:cTn id="15" dur="500"/>
+                                        <p:tgtEl>
+                                          <p:spTgt spid="4">
+                                            <p:txEl>
+                                              <p:pRg st="0" end="0"/>
+                                            </p:txEl>
+                                          </p:spTgt>
+                                        </p:tgtEl>
+                                      </p:cBhvr>
+                                    </p:animEffect>
+                                  </p:childTnLst>
+                                </p:cTn>
+                              </p:par>
+                            </p:childTnLst>
+                          </p:cTn>
+                        </p:par>
+                      </p:childTnLst>
+                    </p:cTn>
+                  </p:par>
+                  <p:par>
+                    <p:cTn id="16" fill="hold">
+                      <p:stCondLst>
+                        <p:cond delay="indefinite"/>
+                      </p:stCondLst>
+                      <p:childTnLst>
+                        <p:par>
+                          <p:cTn id="17" fill="hold">
+                            <p:stCondLst>
+                              <p:cond delay="0"/>
+                            </p:stCondLst>
+                            <p:childTnLst>
+                              <p:par>
+                                <p:cTn id="18" presetID="55" presetClass="entr" presetSubtype="0" fill="hold" grpId="0" nodeType="clickEffect">
+                                  <p:stCondLst>
+                                    <p:cond delay="0"/>
+                                  </p:stCondLst>
+                                  <p:childTnLst>
+                                    <p:set>
+                                      <p:cBhvr>
+                                        <p:cTn id="19" dur="1" fill="hold">
+                                          <p:stCondLst>
+                                            <p:cond delay="0"/>
+                                          </p:stCondLst>
+                                        </p:cTn>
+                                        <p:tgtEl>
+                                          <p:spTgt spid="8"/>
+                                        </p:tgtEl>
+                                        <p:attrNameLst>
+                                          <p:attrName>style.visibility</p:attrName>
+                                        </p:attrNameLst>
+                                      </p:cBhvr>
+                                      <p:to>
+                                        <p:strVal val="visible"/>
+                                      </p:to>
+                                    </p:set>
+                                    <p:anim calcmode="lin" valueType="num">
+                                      <p:cBhvr>
+                                        <p:cTn id="20" dur="1000" fill="hold"/>
+                                        <p:tgtEl>
+                                          <p:spTgt spid="8"/>
+                                        </p:tgtEl>
+                                        <p:attrNameLst>
+                                          <p:attrName>ppt_w</p:attrName>
+                                        </p:attrNameLst>
+                                      </p:cBhvr>
+                                      <p:tavLst>
+                                        <p:tav tm="0">
+                                          <p:val>
+                                            <p:strVal val="#ppt_w*0.70"/>
+                                          </p:val>
+                                        </p:tav>
+                                        <p:tav tm="100000">
+                                          <p:val>
+                                            <p:strVal val="#ppt_w"/>
+                                          </p:val>
+                                        </p:tav>
+                                      </p:tavLst>
+                                    </p:anim>
+                                    <p:anim calcmode="lin" valueType="num">
+                                      <p:cBhvr>
+                                        <p:cTn id="21" dur="1000" fill="hold"/>
+                                        <p:tgtEl>
+                                          <p:spTgt spid="8"/>
+                                        </p:tgtEl>
+                                        <p:attrNameLst>
+                                          <p:attrName>ppt_h</p:attrName>
+                                        </p:attrNameLst>
+                                      </p:cBhvr>
+                                      <p:tavLst>
+                                        <p:tav tm="0">
+                                          <p:val>
+                                            <p:strVal val="#ppt_h"/>
+                                          </p:val>
+                                        </p:tav>
+                                        <p:tav tm="100000">
+                                          <p:val>
+                                            <p:strVal val="#ppt_h"/>
+                                          </p:val>
+                                        </p:tav>
+                                      </p:tavLst>
+                                    </p:anim>
+                                    <p:animEffect transition="in" filter="fade">
+                                      <p:cBhvr>
+                                        <p:cTn id="22" dur="1000"/>
+                                        <p:tgtEl>
+                                          <p:spTgt spid="8"/>
+                                        </p:tgtEl>
+                                      </p:cBhvr>
+                                    </p:animEffect>
+                                  </p:childTnLst>
+                                </p:cTn>
+                              </p:par>
+                            </p:childTnLst>
+                          </p:cTn>
+                        </p:par>
+                      </p:childTnLst>
+                    </p:cTn>
+                  </p:par>
+                </p:childTnLst>
+              </p:cTn>
+              <p:prevCondLst>
+                <p:cond evt="onPrev" delay="0">
+                  <p:tgtEl>
+                    <p:sldTgt/>
+                  </p:tgtEl>
+                </p:cond>
+              </p:prevCondLst>
+              <p:nextCondLst>
+                <p:cond evt="onNext" delay="0">
+                  <p:tgtEl>
+                    <p:sldTgt/>
+                  </p:tgtEl>
+                </p:cond>
+              </p:nextCondLst>
+            </p:seq>
+          </p:childTnLst>
+        </p:cTn>
       </p:par>
     </p:tnLst>
+    <p:bldLst>
+      <p:bldP spid="4" grpId="0" build="p"/>
+      <p:bldP spid="3" grpId="0" build="p"/>
+      <p:bldP spid="8" grpId="0" animBg="1"/>
+    </p:bldLst>
   </p:timing>
 </p:sld>
 </file>
@@ -9402,85 +9904,7 @@
       </p:grpSpPr>
       <p:sp>
         <p:nvSpPr>
-          <p:cNvPr id="8" name="Content Placeholder 7"/>
-          <p:cNvSpPr>
-            <a:spLocks noGrp="1"/>
-          </p:cNvSpPr>
-          <p:nvPr>
-            <p:ph sz="quarter" idx="4"/>
-          </p:nvPr>
-        </p:nvSpPr>
-        <p:spPr/>
-        <p:txBody>
-          <a:bodyPr/>
-          <a:lstStyle/>
-          <a:p>
-            <a:r>
-              <a:rPr lang="en-US" sz="3200" dirty="0" smtClean="0">
-                <a:solidFill>
-                  <a:schemeClr val="accent3"/>
-                </a:solidFill>
-              </a:rPr>
-              <a:t>Battles Records</a:t>
-            </a:r>
-          </a:p>
-          <a:p>
-            <a:pPr marL="0" indent="0">
-              <a:buNone/>
-            </a:pPr>
-            <a:endParaRPr lang="en-US" sz="3200" dirty="0">
-              <a:solidFill>
-                <a:schemeClr val="accent3"/>
-              </a:solidFill>
-            </a:endParaRPr>
-          </a:p>
-          <a:p>
-            <a:r>
-              <a:rPr lang="en-US" sz="3200" dirty="0" smtClean="0">
-                <a:solidFill>
-                  <a:schemeClr val="accent3"/>
-                </a:solidFill>
-              </a:rPr>
-              <a:t>Battle Tiers</a:t>
-            </a:r>
-          </a:p>
-          <a:p>
-            <a:endParaRPr lang="en-US" dirty="0"/>
-          </a:p>
-          <a:p>
-            <a:endParaRPr lang="en-US" dirty="0"/>
-          </a:p>
-        </p:txBody>
-      </p:sp>
-      <p:sp>
-        <p:nvSpPr>
-          <p:cNvPr id="7" name="Text Placeholder 6"/>
-          <p:cNvSpPr>
-            <a:spLocks noGrp="1"/>
-          </p:cNvSpPr>
-          <p:nvPr>
-            <p:ph type="body" sz="quarter" idx="3"/>
-          </p:nvPr>
-        </p:nvSpPr>
-        <p:spPr/>
-        <p:txBody>
-          <a:bodyPr>
-            <a:normAutofit/>
-          </a:bodyPr>
-          <a:lstStyle/>
-          <a:p>
-            <a:pPr algn="ctr"/>
-            <a:r>
-              <a:rPr lang="en-US" sz="3600" dirty="0" smtClean="0"/>
-              <a:t>Smogon.com</a:t>
-            </a:r>
-            <a:endParaRPr lang="en-US" sz="3600" dirty="0"/>
-          </a:p>
-        </p:txBody>
-      </p:sp>
-      <p:sp>
-        <p:nvSpPr>
-          <p:cNvPr id="6" name="Content Placeholder 5"/>
+          <p:cNvPr id="2" name="Content Placeholder 1"/>
           <p:cNvSpPr>
             <a:spLocks noGrp="1"/>
           </p:cNvSpPr>
@@ -9491,20 +9915,26 @@
         <p:spPr/>
         <p:txBody>
           <a:bodyPr>
-            <a:noAutofit/>
+            <a:normAutofit/>
           </a:bodyPr>
           <a:lstStyle/>
           <a:p>
+            <a:pPr marL="0" indent="0">
+              <a:buNone/>
+            </a:pPr>
             <a:r>
               <a:rPr lang="en-US" sz="3200" dirty="0" smtClean="0">
                 <a:solidFill>
                   <a:schemeClr val="accent3"/>
                 </a:solidFill>
               </a:rPr>
-              <a:t>Pokémon</a:t>
-            </a:r>
-          </a:p>
-          <a:p>
+              <a:t>Naïve Bayes</a:t>
+            </a:r>
+          </a:p>
+          <a:p>
+            <a:pPr marL="0" indent="0">
+              <a:buNone/>
+            </a:pPr>
             <a:endParaRPr lang="en-US" sz="3200" dirty="0">
               <a:solidFill>
                 <a:schemeClr val="accent3"/>
@@ -9518,41 +9948,24 @@
                   <a:schemeClr val="accent3"/>
                 </a:solidFill>
               </a:rPr>
-              <a:t>Attacks</a:t>
-            </a:r>
-          </a:p>
-          <a:p>
+              <a:t>Grouped teams by Bayesian predictors</a:t>
+            </a:r>
             <a:endParaRPr lang="en-US" sz="3200" dirty="0">
               <a:solidFill>
                 <a:schemeClr val="accent3"/>
               </a:solidFill>
             </a:endParaRPr>
           </a:p>
-          <a:p>
-            <a:r>
-              <a:rPr lang="en-US" sz="3200" dirty="0" smtClean="0">
-                <a:solidFill>
-                  <a:schemeClr val="accent3"/>
-                </a:solidFill>
-              </a:rPr>
-              <a:t>Items</a:t>
-            </a:r>
-            <a:endParaRPr lang="en-US" sz="3200" dirty="0">
-              <a:solidFill>
-                <a:schemeClr val="accent3"/>
-              </a:solidFill>
-            </a:endParaRPr>
-          </a:p>
         </p:txBody>
       </p:sp>
       <p:sp>
         <p:nvSpPr>
-          <p:cNvPr id="5" name="Text Placeholder 4"/>
+          <p:cNvPr id="16" name="Content Placeholder 15"/>
           <p:cNvSpPr>
             <a:spLocks noGrp="1"/>
           </p:cNvSpPr>
           <p:nvPr>
-            <p:ph type="body" idx="1"/>
+            <p:ph sz="half" idx="1"/>
           </p:nvPr>
         </p:nvSpPr>
         <p:spPr/>
@@ -9562,18 +9975,40 @@
           </a:bodyPr>
           <a:lstStyle/>
           <a:p>
-            <a:pPr algn="ctr"/>
-            <a:r>
-              <a:rPr lang="en-US" sz="3600" dirty="0" smtClean="0"/>
-              <a:t>Serebii.net</a:t>
-            </a:r>
-            <a:endParaRPr lang="en-US" sz="3600" dirty="0"/>
+            <a:pPr marL="0" indent="0">
+              <a:buNone/>
+            </a:pPr>
+            <a:r>
+              <a:rPr lang="en-US" sz="3200" dirty="0" smtClean="0">
+                <a:solidFill>
+                  <a:schemeClr val="accent3"/>
+                </a:solidFill>
+              </a:rPr>
+              <a:t>Spectral Clustering</a:t>
+            </a:r>
+          </a:p>
+          <a:p>
+            <a:endParaRPr lang="en-US" sz="3200" dirty="0">
+              <a:solidFill>
+                <a:schemeClr val="accent3"/>
+              </a:solidFill>
+            </a:endParaRPr>
+          </a:p>
+          <a:p>
+            <a:r>
+              <a:rPr lang="en-US" sz="3200" dirty="0" smtClean="0">
+                <a:solidFill>
+                  <a:schemeClr val="accent3"/>
+                </a:solidFill>
+              </a:rPr>
+              <a:t>Grouped teams that won based on distance measures</a:t>
+            </a:r>
           </a:p>
         </p:txBody>
       </p:sp>
       <p:sp>
         <p:nvSpPr>
-          <p:cNvPr id="2" name="Title 1"/>
+          <p:cNvPr id="15" name="Title 14"/>
           <p:cNvSpPr>
             <a:spLocks noGrp="1"/>
           </p:cNvSpPr>
@@ -9589,7 +10024,7 @@
             <a:pPr algn="ctr"/>
             <a:r>
               <a:rPr lang="en-US" dirty="0" smtClean="0"/>
-              <a:t>Two Main Databases</a:t>
+              <a:t>How we Did It</a:t>
             </a:r>
             <a:endParaRPr lang="en-US" dirty="0"/>
           </a:p>
@@ -9598,7 +10033,7 @@
     </p:spTree>
     <p:extLst>
       <p:ext uri="{BB962C8B-B14F-4D97-AF65-F5344CB8AC3E}">
-        <p14:creationId xmlns:p14="http://schemas.microsoft.com/office/powerpoint/2010/main" val="1375391719"/>
+        <p14:creationId xmlns:p14="http://schemas.microsoft.com/office/powerpoint/2010/main" val="3121873087"/>
       </p:ext>
     </p:extLst>
   </p:cSld>
@@ -9646,7 +10081,85 @@
       </p:grpSpPr>
       <p:sp>
         <p:nvSpPr>
-          <p:cNvPr id="2" name="Content Placeholder 1"/>
+          <p:cNvPr id="8" name="Content Placeholder 7"/>
+          <p:cNvSpPr>
+            <a:spLocks noGrp="1"/>
+          </p:cNvSpPr>
+          <p:nvPr>
+            <p:ph sz="quarter" idx="4"/>
+          </p:nvPr>
+        </p:nvSpPr>
+        <p:spPr/>
+        <p:txBody>
+          <a:bodyPr/>
+          <a:lstStyle/>
+          <a:p>
+            <a:r>
+              <a:rPr lang="en-US" sz="3200" dirty="0" smtClean="0">
+                <a:solidFill>
+                  <a:schemeClr val="accent3"/>
+                </a:solidFill>
+              </a:rPr>
+              <a:t>Battles Records</a:t>
+            </a:r>
+          </a:p>
+          <a:p>
+            <a:pPr marL="0" indent="0">
+              <a:buNone/>
+            </a:pPr>
+            <a:endParaRPr lang="en-US" sz="3200" dirty="0">
+              <a:solidFill>
+                <a:schemeClr val="accent3"/>
+              </a:solidFill>
+            </a:endParaRPr>
+          </a:p>
+          <a:p>
+            <a:r>
+              <a:rPr lang="en-US" sz="3200" dirty="0" smtClean="0">
+                <a:solidFill>
+                  <a:schemeClr val="accent3"/>
+                </a:solidFill>
+              </a:rPr>
+              <a:t>Battle Tiers</a:t>
+            </a:r>
+          </a:p>
+          <a:p>
+            <a:endParaRPr lang="en-US" dirty="0"/>
+          </a:p>
+          <a:p>
+            <a:endParaRPr lang="en-US" dirty="0"/>
+          </a:p>
+        </p:txBody>
+      </p:sp>
+      <p:sp>
+        <p:nvSpPr>
+          <p:cNvPr id="7" name="Text Placeholder 6"/>
+          <p:cNvSpPr>
+            <a:spLocks noGrp="1"/>
+          </p:cNvSpPr>
+          <p:nvPr>
+            <p:ph type="body" sz="quarter" idx="3"/>
+          </p:nvPr>
+        </p:nvSpPr>
+        <p:spPr/>
+        <p:txBody>
+          <a:bodyPr>
+            <a:normAutofit/>
+          </a:bodyPr>
+          <a:lstStyle/>
+          <a:p>
+            <a:pPr algn="ctr"/>
+            <a:r>
+              <a:rPr lang="en-US" sz="3600" dirty="0" smtClean="0"/>
+              <a:t>Smogon.com</a:t>
+            </a:r>
+            <a:endParaRPr lang="en-US" sz="3600" dirty="0"/>
+          </a:p>
+        </p:txBody>
+      </p:sp>
+      <p:sp>
+        <p:nvSpPr>
+          <p:cNvPr id="6" name="Content Placeholder 5"/>
           <p:cNvSpPr>
             <a:spLocks noGrp="1"/>
           </p:cNvSpPr>
@@ -9657,26 +10170,20 @@
         <p:spPr/>
         <p:txBody>
           <a:bodyPr>
-            <a:normAutofit/>
+            <a:noAutofit/>
           </a:bodyPr>
           <a:lstStyle/>
           <a:p>
-            <a:pPr marL="0" indent="0">
-              <a:buNone/>
-            </a:pPr>
             <a:r>
               <a:rPr lang="en-US" sz="3200" dirty="0" smtClean="0">
                 <a:solidFill>
                   <a:schemeClr val="accent3"/>
                 </a:solidFill>
               </a:rPr>
-              <a:t>Naïve Bayes</a:t>
-            </a:r>
-          </a:p>
-          <a:p>
-            <a:pPr marL="0" indent="0">
-              <a:buNone/>
-            </a:pPr>
+              <a:t>Pokémon</a:t>
+            </a:r>
+          </a:p>
+          <a:p>
             <a:endParaRPr lang="en-US" sz="3200" dirty="0">
               <a:solidFill>
                 <a:schemeClr val="accent3"/>
@@ -9690,24 +10197,41 @@
                   <a:schemeClr val="accent3"/>
                 </a:solidFill>
               </a:rPr>
-              <a:t>Grouped teams by Bayesian predictors</a:t>
-            </a:r>
+              <a:t>Attacks</a:t>
+            </a:r>
+          </a:p>
+          <a:p>
             <a:endParaRPr lang="en-US" sz="3200" dirty="0">
               <a:solidFill>
                 <a:schemeClr val="accent3"/>
               </a:solidFill>
             </a:endParaRPr>
           </a:p>
+          <a:p>
+            <a:r>
+              <a:rPr lang="en-US" sz="3200" dirty="0" smtClean="0">
+                <a:solidFill>
+                  <a:schemeClr val="accent3"/>
+                </a:solidFill>
+              </a:rPr>
+              <a:t>Items</a:t>
+            </a:r>
+            <a:endParaRPr lang="en-US" sz="3200" dirty="0">
+              <a:solidFill>
+                <a:schemeClr val="accent3"/>
+              </a:solidFill>
+            </a:endParaRPr>
+          </a:p>
         </p:txBody>
       </p:sp>
       <p:sp>
         <p:nvSpPr>
-          <p:cNvPr id="16" name="Content Placeholder 15"/>
+          <p:cNvPr id="5" name="Text Placeholder 4"/>
           <p:cNvSpPr>
             <a:spLocks noGrp="1"/>
           </p:cNvSpPr>
           <p:nvPr>
-            <p:ph sz="half" idx="1"/>
+            <p:ph type="body" idx="1"/>
           </p:nvPr>
         </p:nvSpPr>
         <p:spPr/>
@@ -9717,45 +10241,18 @@
           </a:bodyPr>
           <a:lstStyle/>
           <a:p>
-            <a:pPr marL="0" indent="0">
-              <a:buNone/>
-            </a:pPr>
-            <a:r>
-              <a:rPr lang="en-US" sz="3200" dirty="0" smtClean="0">
-                <a:solidFill>
-                  <a:schemeClr val="accent3"/>
-                </a:solidFill>
-              </a:rPr>
-              <a:t>Spectral Clustering</a:t>
-            </a:r>
-          </a:p>
-          <a:p>
-            <a:endParaRPr lang="en-US" sz="3200" dirty="0">
-              <a:solidFill>
-                <a:schemeClr val="accent3"/>
-              </a:solidFill>
-            </a:endParaRPr>
-          </a:p>
-          <a:p>
-            <a:r>
-              <a:rPr lang="en-US" sz="3200" dirty="0" smtClean="0">
-                <a:solidFill>
-                  <a:schemeClr val="accent3"/>
-                </a:solidFill>
-              </a:rPr>
-              <a:t>Grouped teams that won based on distance measures</a:t>
-            </a:r>
-            <a:endParaRPr lang="en-US" sz="3200" dirty="0" smtClean="0">
-              <a:solidFill>
-                <a:schemeClr val="accent3"/>
-              </a:solidFill>
-            </a:endParaRPr>
+            <a:pPr algn="ctr"/>
+            <a:r>
+              <a:rPr lang="en-US" sz="3600" dirty="0" smtClean="0"/>
+              <a:t>Serebii.net</a:t>
+            </a:r>
+            <a:endParaRPr lang="en-US" sz="3600" dirty="0"/>
           </a:p>
         </p:txBody>
       </p:sp>
       <p:sp>
         <p:nvSpPr>
-          <p:cNvPr id="15" name="Title 14"/>
+          <p:cNvPr id="2" name="Title 1"/>
           <p:cNvSpPr>
             <a:spLocks noGrp="1"/>
           </p:cNvSpPr>
@@ -9771,11 +10268,7 @@
             <a:pPr algn="ctr"/>
             <a:r>
               <a:rPr lang="en-US" dirty="0" smtClean="0"/>
-              <a:t>How we Did </a:t>
-            </a:r>
-            <a:r>
-              <a:rPr lang="en-US" dirty="0" smtClean="0"/>
-              <a:t>It</a:t>
+              <a:t>Two Main Databases</a:t>
             </a:r>
             <a:endParaRPr lang="en-US" dirty="0"/>
           </a:p>
@@ -9784,7 +10277,7 @@
     </p:spTree>
     <p:extLst>
       <p:ext uri="{BB962C8B-B14F-4D97-AF65-F5344CB8AC3E}">
-        <p14:creationId xmlns:p14="http://schemas.microsoft.com/office/powerpoint/2010/main" val="3121873087"/>
+        <p14:creationId xmlns:p14="http://schemas.microsoft.com/office/powerpoint/2010/main" val="1375391719"/>
       </p:ext>
     </p:extLst>
   </p:cSld>
@@ -9806,9 +10299,573 @@
   <p:timing>
     <p:tnLst>
       <p:par>
-        <p:cTn id="1" dur="indefinite" restart="never" nodeType="tmRoot"/>
+        <p:cTn id="1" dur="indefinite" restart="never" nodeType="tmRoot">
+          <p:childTnLst>
+            <p:seq concurrent="1" nextAc="seek">
+              <p:cTn id="2" dur="indefinite" nodeType="mainSeq">
+                <p:childTnLst>
+                  <p:par>
+                    <p:cTn id="3" fill="hold">
+                      <p:stCondLst>
+                        <p:cond delay="indefinite"/>
+                      </p:stCondLst>
+                      <p:childTnLst>
+                        <p:par>
+                          <p:cTn id="4" fill="hold">
+                            <p:stCondLst>
+                              <p:cond delay="0"/>
+                            </p:stCondLst>
+                            <p:childTnLst>
+                              <p:par>
+                                <p:cTn id="5" presetID="42" presetClass="entr" presetSubtype="0" fill="hold" grpId="0" nodeType="clickEffect">
+                                  <p:stCondLst>
+                                    <p:cond delay="0"/>
+                                  </p:stCondLst>
+                                  <p:childTnLst>
+                                    <p:set>
+                                      <p:cBhvr>
+                                        <p:cTn id="6" dur="1" fill="hold">
+                                          <p:stCondLst>
+                                            <p:cond delay="0"/>
+                                          </p:stCondLst>
+                                        </p:cTn>
+                                        <p:tgtEl>
+                                          <p:spTgt spid="5">
+                                            <p:txEl>
+                                              <p:pRg st="0" end="0"/>
+                                            </p:txEl>
+                                          </p:spTgt>
+                                        </p:tgtEl>
+                                        <p:attrNameLst>
+                                          <p:attrName>style.visibility</p:attrName>
+                                        </p:attrNameLst>
+                                      </p:cBhvr>
+                                      <p:to>
+                                        <p:strVal val="visible"/>
+                                      </p:to>
+                                    </p:set>
+                                    <p:animEffect transition="in" filter="fade">
+                                      <p:cBhvr>
+                                        <p:cTn id="7" dur="1000"/>
+                                        <p:tgtEl>
+                                          <p:spTgt spid="5">
+                                            <p:txEl>
+                                              <p:pRg st="0" end="0"/>
+                                            </p:txEl>
+                                          </p:spTgt>
+                                        </p:tgtEl>
+                                      </p:cBhvr>
+                                    </p:animEffect>
+                                    <p:anim calcmode="lin" valueType="num">
+                                      <p:cBhvr>
+                                        <p:cTn id="8" dur="1000" fill="hold"/>
+                                        <p:tgtEl>
+                                          <p:spTgt spid="5">
+                                            <p:txEl>
+                                              <p:pRg st="0" end="0"/>
+                                            </p:txEl>
+                                          </p:spTgt>
+                                        </p:tgtEl>
+                                        <p:attrNameLst>
+                                          <p:attrName>ppt_x</p:attrName>
+                                        </p:attrNameLst>
+                                      </p:cBhvr>
+                                      <p:tavLst>
+                                        <p:tav tm="0">
+                                          <p:val>
+                                            <p:strVal val="#ppt_x"/>
+                                          </p:val>
+                                        </p:tav>
+                                        <p:tav tm="100000">
+                                          <p:val>
+                                            <p:strVal val="#ppt_x"/>
+                                          </p:val>
+                                        </p:tav>
+                                      </p:tavLst>
+                                    </p:anim>
+                                    <p:anim calcmode="lin" valueType="num">
+                                      <p:cBhvr>
+                                        <p:cTn id="9" dur="1000" fill="hold"/>
+                                        <p:tgtEl>
+                                          <p:spTgt spid="5">
+                                            <p:txEl>
+                                              <p:pRg st="0" end="0"/>
+                                            </p:txEl>
+                                          </p:spTgt>
+                                        </p:tgtEl>
+                                        <p:attrNameLst>
+                                          <p:attrName>ppt_y</p:attrName>
+                                        </p:attrNameLst>
+                                      </p:cBhvr>
+                                      <p:tavLst>
+                                        <p:tav tm="0">
+                                          <p:val>
+                                            <p:strVal val="#ppt_y+.1"/>
+                                          </p:val>
+                                        </p:tav>
+                                        <p:tav tm="100000">
+                                          <p:val>
+                                            <p:strVal val="#ppt_y"/>
+                                          </p:val>
+                                        </p:tav>
+                                      </p:tavLst>
+                                    </p:anim>
+                                  </p:childTnLst>
+                                </p:cTn>
+                              </p:par>
+                            </p:childTnLst>
+                          </p:cTn>
+                        </p:par>
+                      </p:childTnLst>
+                    </p:cTn>
+                  </p:par>
+                  <p:par>
+                    <p:cTn id="10" fill="hold">
+                      <p:stCondLst>
+                        <p:cond delay="indefinite"/>
+                      </p:stCondLst>
+                      <p:childTnLst>
+                        <p:par>
+                          <p:cTn id="11" fill="hold">
+                            <p:stCondLst>
+                              <p:cond delay="0"/>
+                            </p:stCondLst>
+                            <p:childTnLst>
+                              <p:par>
+                                <p:cTn id="12" presetID="13" presetClass="entr" presetSubtype="16" fill="hold" grpId="0" nodeType="clickEffect">
+                                  <p:stCondLst>
+                                    <p:cond delay="0"/>
+                                  </p:stCondLst>
+                                  <p:childTnLst>
+                                    <p:set>
+                                      <p:cBhvr>
+                                        <p:cTn id="13" dur="1" fill="hold">
+                                          <p:stCondLst>
+                                            <p:cond delay="0"/>
+                                          </p:stCondLst>
+                                        </p:cTn>
+                                        <p:tgtEl>
+                                          <p:spTgt spid="6">
+                                            <p:txEl>
+                                              <p:pRg st="0" end="0"/>
+                                            </p:txEl>
+                                          </p:spTgt>
+                                        </p:tgtEl>
+                                        <p:attrNameLst>
+                                          <p:attrName>style.visibility</p:attrName>
+                                        </p:attrNameLst>
+                                      </p:cBhvr>
+                                      <p:to>
+                                        <p:strVal val="visible"/>
+                                      </p:to>
+                                    </p:set>
+                                    <p:animEffect transition="in" filter="plus(in)">
+                                      <p:cBhvr>
+                                        <p:cTn id="14" dur="2000"/>
+                                        <p:tgtEl>
+                                          <p:spTgt spid="6">
+                                            <p:txEl>
+                                              <p:pRg st="0" end="0"/>
+                                            </p:txEl>
+                                          </p:spTgt>
+                                        </p:tgtEl>
+                                      </p:cBhvr>
+                                    </p:animEffect>
+                                  </p:childTnLst>
+                                </p:cTn>
+                              </p:par>
+                            </p:childTnLst>
+                          </p:cTn>
+                        </p:par>
+                      </p:childTnLst>
+                    </p:cTn>
+                  </p:par>
+                  <p:par>
+                    <p:cTn id="15" fill="hold">
+                      <p:stCondLst>
+                        <p:cond delay="indefinite"/>
+                      </p:stCondLst>
+                      <p:childTnLst>
+                        <p:par>
+                          <p:cTn id="16" fill="hold">
+                            <p:stCondLst>
+                              <p:cond delay="0"/>
+                            </p:stCondLst>
+                            <p:childTnLst>
+                              <p:par>
+                                <p:cTn id="17" presetID="13" presetClass="entr" presetSubtype="16" fill="hold" grpId="0" nodeType="clickEffect">
+                                  <p:stCondLst>
+                                    <p:cond delay="0"/>
+                                  </p:stCondLst>
+                                  <p:childTnLst>
+                                    <p:set>
+                                      <p:cBhvr>
+                                        <p:cTn id="18" dur="1" fill="hold">
+                                          <p:stCondLst>
+                                            <p:cond delay="0"/>
+                                          </p:stCondLst>
+                                        </p:cTn>
+                                        <p:tgtEl>
+                                          <p:spTgt spid="6">
+                                            <p:txEl>
+                                              <p:pRg st="2" end="2"/>
+                                            </p:txEl>
+                                          </p:spTgt>
+                                        </p:tgtEl>
+                                        <p:attrNameLst>
+                                          <p:attrName>style.visibility</p:attrName>
+                                        </p:attrNameLst>
+                                      </p:cBhvr>
+                                      <p:to>
+                                        <p:strVal val="visible"/>
+                                      </p:to>
+                                    </p:set>
+                                    <p:animEffect transition="in" filter="plus(in)">
+                                      <p:cBhvr>
+                                        <p:cTn id="19" dur="2000"/>
+                                        <p:tgtEl>
+                                          <p:spTgt spid="6">
+                                            <p:txEl>
+                                              <p:pRg st="2" end="2"/>
+                                            </p:txEl>
+                                          </p:spTgt>
+                                        </p:tgtEl>
+                                      </p:cBhvr>
+                                    </p:animEffect>
+                                  </p:childTnLst>
+                                </p:cTn>
+                              </p:par>
+                            </p:childTnLst>
+                          </p:cTn>
+                        </p:par>
+                      </p:childTnLst>
+                    </p:cTn>
+                  </p:par>
+                  <p:par>
+                    <p:cTn id="20" fill="hold">
+                      <p:stCondLst>
+                        <p:cond delay="indefinite"/>
+                      </p:stCondLst>
+                      <p:childTnLst>
+                        <p:par>
+                          <p:cTn id="21" fill="hold">
+                            <p:stCondLst>
+                              <p:cond delay="0"/>
+                            </p:stCondLst>
+                            <p:childTnLst>
+                              <p:par>
+                                <p:cTn id="22" presetID="13" presetClass="entr" presetSubtype="16" fill="hold" grpId="0" nodeType="clickEffect">
+                                  <p:stCondLst>
+                                    <p:cond delay="0"/>
+                                  </p:stCondLst>
+                                  <p:childTnLst>
+                                    <p:set>
+                                      <p:cBhvr>
+                                        <p:cTn id="23" dur="1" fill="hold">
+                                          <p:stCondLst>
+                                            <p:cond delay="0"/>
+                                          </p:stCondLst>
+                                        </p:cTn>
+                                        <p:tgtEl>
+                                          <p:spTgt spid="6">
+                                            <p:txEl>
+                                              <p:pRg st="4" end="4"/>
+                                            </p:txEl>
+                                          </p:spTgt>
+                                        </p:tgtEl>
+                                        <p:attrNameLst>
+                                          <p:attrName>style.visibility</p:attrName>
+                                        </p:attrNameLst>
+                                      </p:cBhvr>
+                                      <p:to>
+                                        <p:strVal val="visible"/>
+                                      </p:to>
+                                    </p:set>
+                                    <p:animEffect transition="in" filter="plus(in)">
+                                      <p:cBhvr>
+                                        <p:cTn id="24" dur="2000"/>
+                                        <p:tgtEl>
+                                          <p:spTgt spid="6">
+                                            <p:txEl>
+                                              <p:pRg st="4" end="4"/>
+                                            </p:txEl>
+                                          </p:spTgt>
+                                        </p:tgtEl>
+                                      </p:cBhvr>
+                                    </p:animEffect>
+                                  </p:childTnLst>
+                                </p:cTn>
+                              </p:par>
+                            </p:childTnLst>
+                          </p:cTn>
+                        </p:par>
+                      </p:childTnLst>
+                    </p:cTn>
+                  </p:par>
+                  <p:par>
+                    <p:cTn id="25" fill="hold">
+                      <p:stCondLst>
+                        <p:cond delay="indefinite"/>
+                      </p:stCondLst>
+                      <p:childTnLst>
+                        <p:par>
+                          <p:cTn id="26" fill="hold">
+                            <p:stCondLst>
+                              <p:cond delay="0"/>
+                            </p:stCondLst>
+                            <p:childTnLst>
+                              <p:par>
+                                <p:cTn id="27" presetID="42" presetClass="entr" presetSubtype="0" fill="hold" grpId="0" nodeType="clickEffect">
+                                  <p:stCondLst>
+                                    <p:cond delay="0"/>
+                                  </p:stCondLst>
+                                  <p:childTnLst>
+                                    <p:set>
+                                      <p:cBhvr>
+                                        <p:cTn id="28" dur="1" fill="hold">
+                                          <p:stCondLst>
+                                            <p:cond delay="0"/>
+                                          </p:stCondLst>
+                                        </p:cTn>
+                                        <p:tgtEl>
+                                          <p:spTgt spid="7">
+                                            <p:txEl>
+                                              <p:pRg st="0" end="0"/>
+                                            </p:txEl>
+                                          </p:spTgt>
+                                        </p:tgtEl>
+                                        <p:attrNameLst>
+                                          <p:attrName>style.visibility</p:attrName>
+                                        </p:attrNameLst>
+                                      </p:cBhvr>
+                                      <p:to>
+                                        <p:strVal val="visible"/>
+                                      </p:to>
+                                    </p:set>
+                                    <p:animEffect transition="in" filter="fade">
+                                      <p:cBhvr>
+                                        <p:cTn id="29" dur="1000"/>
+                                        <p:tgtEl>
+                                          <p:spTgt spid="7">
+                                            <p:txEl>
+                                              <p:pRg st="0" end="0"/>
+                                            </p:txEl>
+                                          </p:spTgt>
+                                        </p:tgtEl>
+                                      </p:cBhvr>
+                                    </p:animEffect>
+                                    <p:anim calcmode="lin" valueType="num">
+                                      <p:cBhvr>
+                                        <p:cTn id="30" dur="1000" fill="hold"/>
+                                        <p:tgtEl>
+                                          <p:spTgt spid="7">
+                                            <p:txEl>
+                                              <p:pRg st="0" end="0"/>
+                                            </p:txEl>
+                                          </p:spTgt>
+                                        </p:tgtEl>
+                                        <p:attrNameLst>
+                                          <p:attrName>ppt_x</p:attrName>
+                                        </p:attrNameLst>
+                                      </p:cBhvr>
+                                      <p:tavLst>
+                                        <p:tav tm="0">
+                                          <p:val>
+                                            <p:strVal val="#ppt_x"/>
+                                          </p:val>
+                                        </p:tav>
+                                        <p:tav tm="100000">
+                                          <p:val>
+                                            <p:strVal val="#ppt_x"/>
+                                          </p:val>
+                                        </p:tav>
+                                      </p:tavLst>
+                                    </p:anim>
+                                    <p:anim calcmode="lin" valueType="num">
+                                      <p:cBhvr>
+                                        <p:cTn id="31" dur="1000" fill="hold"/>
+                                        <p:tgtEl>
+                                          <p:spTgt spid="7">
+                                            <p:txEl>
+                                              <p:pRg st="0" end="0"/>
+                                            </p:txEl>
+                                          </p:spTgt>
+                                        </p:tgtEl>
+                                        <p:attrNameLst>
+                                          <p:attrName>ppt_y</p:attrName>
+                                        </p:attrNameLst>
+                                      </p:cBhvr>
+                                      <p:tavLst>
+                                        <p:tav tm="0">
+                                          <p:val>
+                                            <p:strVal val="#ppt_y+.1"/>
+                                          </p:val>
+                                        </p:tav>
+                                        <p:tav tm="100000">
+                                          <p:val>
+                                            <p:strVal val="#ppt_y"/>
+                                          </p:val>
+                                        </p:tav>
+                                      </p:tavLst>
+                                    </p:anim>
+                                  </p:childTnLst>
+                                </p:cTn>
+                              </p:par>
+                            </p:childTnLst>
+                          </p:cTn>
+                        </p:par>
+                      </p:childTnLst>
+                    </p:cTn>
+                  </p:par>
+                  <p:par>
+                    <p:cTn id="32" fill="hold">
+                      <p:stCondLst>
+                        <p:cond delay="indefinite"/>
+                      </p:stCondLst>
+                      <p:childTnLst>
+                        <p:par>
+                          <p:cTn id="33" fill="hold">
+                            <p:stCondLst>
+                              <p:cond delay="0"/>
+                            </p:stCondLst>
+                            <p:childTnLst>
+                              <p:par>
+                                <p:cTn id="34" presetID="13" presetClass="entr" presetSubtype="16" fill="hold" grpId="0" nodeType="clickEffect">
+                                  <p:stCondLst>
+                                    <p:cond delay="0"/>
+                                  </p:stCondLst>
+                                  <p:childTnLst>
+                                    <p:set>
+                                      <p:cBhvr>
+                                        <p:cTn id="35" dur="1" fill="hold">
+                                          <p:stCondLst>
+                                            <p:cond delay="0"/>
+                                          </p:stCondLst>
+                                        </p:cTn>
+                                        <p:tgtEl>
+                                          <p:spTgt spid="8">
+                                            <p:txEl>
+                                              <p:pRg st="0" end="0"/>
+                                            </p:txEl>
+                                          </p:spTgt>
+                                        </p:tgtEl>
+                                        <p:attrNameLst>
+                                          <p:attrName>style.visibility</p:attrName>
+                                        </p:attrNameLst>
+                                      </p:cBhvr>
+                                      <p:to>
+                                        <p:strVal val="visible"/>
+                                      </p:to>
+                                    </p:set>
+                                    <p:animEffect transition="in" filter="plus(in)">
+                                      <p:cBhvr>
+                                        <p:cTn id="36" dur="2000"/>
+                                        <p:tgtEl>
+                                          <p:spTgt spid="8">
+                                            <p:txEl>
+                                              <p:pRg st="0" end="0"/>
+                                            </p:txEl>
+                                          </p:spTgt>
+                                        </p:tgtEl>
+                                      </p:cBhvr>
+                                    </p:animEffect>
+                                  </p:childTnLst>
+                                </p:cTn>
+                              </p:par>
+                            </p:childTnLst>
+                          </p:cTn>
+                        </p:par>
+                      </p:childTnLst>
+                    </p:cTn>
+                  </p:par>
+                  <p:par>
+                    <p:cTn id="37" fill="hold">
+                      <p:stCondLst>
+                        <p:cond delay="indefinite"/>
+                      </p:stCondLst>
+                      <p:childTnLst>
+                        <p:par>
+                          <p:cTn id="38" fill="hold">
+                            <p:stCondLst>
+                              <p:cond delay="0"/>
+                            </p:stCondLst>
+                            <p:childTnLst>
+                              <p:par>
+                                <p:cTn id="39" presetID="13" presetClass="entr" presetSubtype="16" fill="hold" grpId="0" nodeType="clickEffect">
+                                  <p:stCondLst>
+                                    <p:cond delay="0"/>
+                                  </p:stCondLst>
+                                  <p:childTnLst>
+                                    <p:set>
+                                      <p:cBhvr>
+                                        <p:cTn id="40" dur="1" fill="hold">
+                                          <p:stCondLst>
+                                            <p:cond delay="0"/>
+                                          </p:stCondLst>
+                                        </p:cTn>
+                                        <p:tgtEl>
+                                          <p:spTgt spid="8">
+                                            <p:txEl>
+                                              <p:pRg st="2" end="2"/>
+                                            </p:txEl>
+                                          </p:spTgt>
+                                        </p:tgtEl>
+                                        <p:attrNameLst>
+                                          <p:attrName>style.visibility</p:attrName>
+                                        </p:attrNameLst>
+                                      </p:cBhvr>
+                                      <p:to>
+                                        <p:strVal val="visible"/>
+                                      </p:to>
+                                    </p:set>
+                                    <p:animEffect transition="in" filter="plus(in)">
+                                      <p:cBhvr>
+                                        <p:cTn id="41" dur="2000"/>
+                                        <p:tgtEl>
+                                          <p:spTgt spid="8">
+                                            <p:txEl>
+                                              <p:pRg st="2" end="2"/>
+                                            </p:txEl>
+                                          </p:spTgt>
+                                        </p:tgtEl>
+                                      </p:cBhvr>
+                                    </p:animEffect>
+                                  </p:childTnLst>
+                                </p:cTn>
+                              </p:par>
+                            </p:childTnLst>
+                          </p:cTn>
+                        </p:par>
+                      </p:childTnLst>
+                    </p:cTn>
+                  </p:par>
+                </p:childTnLst>
+              </p:cTn>
+              <p:prevCondLst>
+                <p:cond evt="onPrev" delay="0">
+                  <p:tgtEl>
+                    <p:sldTgt/>
+                  </p:tgtEl>
+                </p:cond>
+              </p:prevCondLst>
+              <p:nextCondLst>
+                <p:cond evt="onNext" delay="0">
+                  <p:tgtEl>
+                    <p:sldTgt/>
+                  </p:tgtEl>
+                </p:cond>
+              </p:nextCondLst>
+            </p:seq>
+          </p:childTnLst>
+        </p:cTn>
       </p:par>
     </p:tnLst>
+    <p:bldLst>
+      <p:bldP spid="8" grpId="0" build="p"/>
+      <p:bldP spid="7" grpId="0" build="p"/>
+      <p:bldP spid="6" grpId="0" build="p"/>
+      <p:bldP spid="5" grpId="0" build="p"/>
+    </p:bldLst>
   </p:timing>
 </p:sld>
 </file>
@@ -10158,6 +11215,13 @@
       </p:transition>
     </mc:Fallback>
   </mc:AlternateContent>
+  <p:timing>
+    <p:tnLst>
+      <p:par>
+        <p:cTn id="1" dur="indefinite" restart="never" nodeType="tmRoot"/>
+      </p:par>
+    </p:tnLst>
+  </p:timing>
 </p:sld>
 </file>
 

--- a/I Choose You.pptx
+++ b/I Choose You.pptx
@@ -4256,7 +4256,7 @@
           <a:p>
             <a:fld id="{41658A34-83F4-4B2E-BC5A-DE51EE8822F9}" type="datetimeFigureOut">
               <a:rPr lang="en-US" smtClean="0"/>
-              <a:t>4/26/2015</a:t>
+              <a:t>4/27/2015</a:t>
             </a:fld>
             <a:endParaRPr lang="en-US"/>
           </a:p>
@@ -4421,7 +4421,7 @@
           <a:p>
             <a:fld id="{7F2E1917-0BAF-4687-978A-82FFF05559C3}" type="datetimeFigureOut">
               <a:rPr lang="en-US" smtClean="0"/>
-              <a:t>4/26/2015</a:t>
+              <a:t>4/27/2015</a:t>
             </a:fld>
             <a:endParaRPr lang="en-US"/>
           </a:p>
@@ -4940,7 +4940,21 @@
           <a:p>
             <a:r>
               <a:rPr lang="en-US" dirty="0" smtClean="0"/>
-              <a:t>Kevin should talk about this</a:t>
+              <a:t>Kevin should talk about </a:t>
+            </a:r>
+            <a:r>
+              <a:rPr lang="en-US" dirty="0" smtClean="0"/>
+              <a:t>this. I should record what he says so I can put it in the paper later</a:t>
+            </a:r>
+            <a:r>
+              <a:rPr lang="en-US" baseline="0" dirty="0" smtClean="0"/>
+              <a:t> </a:t>
+            </a:r>
+            <a:r>
+              <a:rPr lang="en-US" baseline="0" dirty="0" smtClean="0">
+                <a:sym typeface="Wingdings" panose="05000000000000000000" pitchFamily="2" charset="2"/>
+              </a:rPr>
+              <a:t></a:t>
             </a:r>
             <a:endParaRPr lang="en-US" dirty="0"/>
           </a:p>
@@ -5549,7 +5563,7 @@
           <a:p>
             <a:fld id="{84EAB7D7-3608-4730-B2E2-670834DF882C}" type="datetimeFigureOut">
               <a:rPr lang="en-US" smtClean="0"/>
-              <a:t>4/26/2015</a:t>
+              <a:t>4/27/2015</a:t>
             </a:fld>
             <a:endParaRPr lang="en-US"/>
           </a:p>
@@ -5757,7 +5771,7 @@
           <a:p>
             <a:fld id="{84EAB7D7-3608-4730-B2E2-670834DF882C}" type="datetimeFigureOut">
               <a:rPr lang="en-US" smtClean="0"/>
-              <a:t>4/26/2015</a:t>
+              <a:t>4/27/2015</a:t>
             </a:fld>
             <a:endParaRPr lang="en-US"/>
           </a:p>
@@ -5944,7 +5958,7 @@
           <a:p>
             <a:fld id="{84EAB7D7-3608-4730-B2E2-670834DF882C}" type="datetimeFigureOut">
               <a:rPr lang="en-US" smtClean="0"/>
-              <a:t>4/26/2015</a:t>
+              <a:t>4/27/2015</a:t>
             </a:fld>
             <a:endParaRPr lang="en-US"/>
           </a:p>
@@ -6136,7 +6150,7 @@
           <a:p>
             <a:fld id="{84EAB7D7-3608-4730-B2E2-670834DF882C}" type="datetimeFigureOut">
               <a:rPr lang="en-US" smtClean="0"/>
-              <a:t>4/26/2015</a:t>
+              <a:t>4/27/2015</a:t>
             </a:fld>
             <a:endParaRPr lang="en-US"/>
           </a:p>
@@ -6405,7 +6419,7 @@
           <a:p>
             <a:fld id="{84EAB7D7-3608-4730-B2E2-670834DF882C}" type="datetimeFigureOut">
               <a:rPr lang="en-US" smtClean="0"/>
-              <a:t>4/26/2015</a:t>
+              <a:t>4/27/2015</a:t>
             </a:fld>
             <a:endParaRPr lang="en-US"/>
           </a:p>
@@ -6587,7 +6601,7 @@
           <a:p>
             <a:fld id="{84EAB7D7-3608-4730-B2E2-670834DF882C}" type="datetimeFigureOut">
               <a:rPr lang="en-US" smtClean="0"/>
-              <a:t>4/26/2015</a:t>
+              <a:t>4/27/2015</a:t>
             </a:fld>
             <a:endParaRPr lang="en-US"/>
           </a:p>
@@ -6791,7 +6805,7 @@
           <a:p>
             <a:fld id="{84EAB7D7-3608-4730-B2E2-670834DF882C}" type="datetimeFigureOut">
               <a:rPr lang="en-US" smtClean="0"/>
-              <a:t>4/26/2015</a:t>
+              <a:t>4/27/2015</a:t>
             </a:fld>
             <a:endParaRPr lang="en-US"/>
           </a:p>
@@ -7091,7 +7105,7 @@
           <a:p>
             <a:fld id="{84EAB7D7-3608-4730-B2E2-670834DF882C}" type="datetimeFigureOut">
               <a:rPr lang="en-US" smtClean="0"/>
-              <a:t>4/26/2015</a:t>
+              <a:t>4/27/2015</a:t>
             </a:fld>
             <a:endParaRPr lang="en-US"/>
           </a:p>
@@ -7542,7 +7556,7 @@
           <a:p>
             <a:fld id="{84EAB7D7-3608-4730-B2E2-670834DF882C}" type="datetimeFigureOut">
               <a:rPr lang="en-US" smtClean="0"/>
-              <a:t>4/26/2015</a:t>
+              <a:t>4/27/2015</a:t>
             </a:fld>
             <a:endParaRPr lang="en-US"/>
           </a:p>
@@ -7672,7 +7686,7 @@
           <a:p>
             <a:fld id="{84EAB7D7-3608-4730-B2E2-670834DF882C}" type="datetimeFigureOut">
               <a:rPr lang="en-US" smtClean="0"/>
-              <a:t>4/26/2015</a:t>
+              <a:t>4/27/2015</a:t>
             </a:fld>
             <a:endParaRPr lang="en-US"/>
           </a:p>
@@ -7779,7 +7793,7 @@
           <a:p>
             <a:fld id="{84EAB7D7-3608-4730-B2E2-670834DF882C}" type="datetimeFigureOut">
               <a:rPr lang="en-US" smtClean="0"/>
-              <a:t>4/26/2015</a:t>
+              <a:t>4/27/2015</a:t>
             </a:fld>
             <a:endParaRPr lang="en-US"/>
           </a:p>
@@ -8068,7 +8082,7 @@
           <a:p>
             <a:fld id="{84EAB7D7-3608-4730-B2E2-670834DF882C}" type="datetimeFigureOut">
               <a:rPr lang="en-US" smtClean="0"/>
-              <a:t>4/26/2015</a:t>
+              <a:t>4/27/2015</a:t>
             </a:fld>
             <a:endParaRPr lang="en-US"/>
           </a:p>
@@ -8370,7 +8384,7 @@
             <a:fld id="{84EAB7D7-3608-4730-B2E2-670834DF882C}" type="datetimeFigureOut">
               <a:rPr lang="en-US" smtClean="0"/>
               <a:pPr/>
-              <a:t>4/26/2015</a:t>
+              <a:t>4/27/2015</a:t>
             </a:fld>
             <a:endParaRPr lang="en-US"/>
           </a:p>
@@ -9042,13 +9056,13 @@
   <p:clrMapOvr>
     <a:masterClrMapping/>
   </p:clrMapOvr>
-  <mc:AlternateContent xmlns:mc="http://schemas.openxmlformats.org/markup-compatibility/2006">
-    <mc:Choice xmlns:p14="http://schemas.microsoft.com/office/powerpoint/2010/main" Requires="p14">
+  <mc:AlternateContent xmlns:mc="http://schemas.openxmlformats.org/markup-compatibility/2006" xmlns:p14="http://schemas.microsoft.com/office/powerpoint/2010/main">
+    <mc:Choice Requires="p14">
       <p:transition spd="slow" p14:dur="2000">
         <p:pull/>
       </p:transition>
     </mc:Choice>
-    <mc:Fallback>
+    <mc:Fallback xmlns="">
       <p:transition spd="slow">
         <p:pull/>
       </p:transition>
@@ -9530,13 +9544,13 @@
   <p:clrMapOvr>
     <a:masterClrMapping/>
   </p:clrMapOvr>
-  <mc:AlternateContent xmlns:mc="http://schemas.openxmlformats.org/markup-compatibility/2006">
-    <mc:Choice xmlns:p14="http://schemas.microsoft.com/office/powerpoint/2010/main" Requires="p14">
+  <mc:AlternateContent xmlns:mc="http://schemas.openxmlformats.org/markup-compatibility/2006" xmlns:p14="http://schemas.microsoft.com/office/powerpoint/2010/main">
+    <mc:Choice Requires="p14">
       <p:transition spd="slow" p14:dur="800">
         <p:circle/>
       </p:transition>
     </mc:Choice>
-    <mc:Fallback>
+    <mc:Fallback xmlns="">
       <p:transition spd="slow">
         <p:circle/>
       </p:transition>
@@ -10055,9 +10069,280 @@
   <p:timing>
     <p:tnLst>
       <p:par>
-        <p:cTn id="1" dur="indefinite" restart="never" nodeType="tmRoot"/>
+        <p:cTn id="1" dur="indefinite" restart="never" nodeType="tmRoot">
+          <p:childTnLst>
+            <p:seq concurrent="1" nextAc="seek">
+              <p:cTn id="2" dur="indefinite" nodeType="mainSeq">
+                <p:childTnLst>
+                  <p:par>
+                    <p:cTn id="3" fill="hold">
+                      <p:stCondLst>
+                        <p:cond delay="indefinite"/>
+                      </p:stCondLst>
+                      <p:childTnLst>
+                        <p:par>
+                          <p:cTn id="4" fill="hold">
+                            <p:stCondLst>
+                              <p:cond delay="0"/>
+                            </p:stCondLst>
+                            <p:childTnLst>
+                              <p:par>
+                                <p:cTn id="5" presetID="9" presetClass="entr" presetSubtype="0" fill="hold" grpId="0" nodeType="clickEffect">
+                                  <p:stCondLst>
+                                    <p:cond delay="0"/>
+                                  </p:stCondLst>
+                                  <p:childTnLst>
+                                    <p:set>
+                                      <p:cBhvr>
+                                        <p:cTn id="6" dur="1" fill="hold">
+                                          <p:stCondLst>
+                                            <p:cond delay="0"/>
+                                          </p:stCondLst>
+                                        </p:cTn>
+                                        <p:tgtEl>
+                                          <p:spTgt spid="16">
+                                            <p:txEl>
+                                              <p:pRg st="0" end="0"/>
+                                            </p:txEl>
+                                          </p:spTgt>
+                                        </p:tgtEl>
+                                        <p:attrNameLst>
+                                          <p:attrName>style.visibility</p:attrName>
+                                        </p:attrNameLst>
+                                      </p:cBhvr>
+                                      <p:to>
+                                        <p:strVal val="visible"/>
+                                      </p:to>
+                                    </p:set>
+                                    <p:animEffect transition="in" filter="dissolve">
+                                      <p:cBhvr>
+                                        <p:cTn id="7" dur="2000"/>
+                                        <p:tgtEl>
+                                          <p:spTgt spid="16">
+                                            <p:txEl>
+                                              <p:pRg st="0" end="0"/>
+                                            </p:txEl>
+                                          </p:spTgt>
+                                        </p:tgtEl>
+                                      </p:cBhvr>
+                                    </p:animEffect>
+                                  </p:childTnLst>
+                                </p:cTn>
+                              </p:par>
+                            </p:childTnLst>
+                          </p:cTn>
+                        </p:par>
+                      </p:childTnLst>
+                    </p:cTn>
+                  </p:par>
+                  <p:par>
+                    <p:cTn id="8" fill="hold">
+                      <p:stCondLst>
+                        <p:cond delay="indefinite"/>
+                      </p:stCondLst>
+                      <p:childTnLst>
+                        <p:par>
+                          <p:cTn id="9" fill="hold">
+                            <p:stCondLst>
+                              <p:cond delay="0"/>
+                            </p:stCondLst>
+                            <p:childTnLst>
+                              <p:par>
+                                <p:cTn id="10" presetID="9" presetClass="entr" presetSubtype="0" fill="hold" grpId="0" nodeType="clickEffect">
+                                  <p:stCondLst>
+                                    <p:cond delay="0"/>
+                                  </p:stCondLst>
+                                  <p:childTnLst>
+                                    <p:set>
+                                      <p:cBhvr>
+                                        <p:cTn id="11" dur="1" fill="hold">
+                                          <p:stCondLst>
+                                            <p:cond delay="0"/>
+                                          </p:stCondLst>
+                                        </p:cTn>
+                                        <p:tgtEl>
+                                          <p:spTgt spid="16">
+                                            <p:txEl>
+                                              <p:pRg st="2" end="2"/>
+                                            </p:txEl>
+                                          </p:spTgt>
+                                        </p:tgtEl>
+                                        <p:attrNameLst>
+                                          <p:attrName>style.visibility</p:attrName>
+                                        </p:attrNameLst>
+                                      </p:cBhvr>
+                                      <p:to>
+                                        <p:strVal val="visible"/>
+                                      </p:to>
+                                    </p:set>
+                                    <p:animEffect transition="in" filter="dissolve">
+                                      <p:cBhvr>
+                                        <p:cTn id="12" dur="2000"/>
+                                        <p:tgtEl>
+                                          <p:spTgt spid="16">
+                                            <p:txEl>
+                                              <p:pRg st="2" end="2"/>
+                                            </p:txEl>
+                                          </p:spTgt>
+                                        </p:tgtEl>
+                                      </p:cBhvr>
+                                    </p:animEffect>
+                                  </p:childTnLst>
+                                </p:cTn>
+                              </p:par>
+                            </p:childTnLst>
+                          </p:cTn>
+                        </p:par>
+                      </p:childTnLst>
+                    </p:cTn>
+                  </p:par>
+                  <p:par>
+                    <p:cTn id="13" fill="hold">
+                      <p:stCondLst>
+                        <p:cond delay="indefinite"/>
+                      </p:stCondLst>
+                      <p:childTnLst>
+                        <p:par>
+                          <p:cTn id="14" fill="hold">
+                            <p:stCondLst>
+                              <p:cond delay="0"/>
+                            </p:stCondLst>
+                            <p:childTnLst>
+                              <p:par>
+                                <p:cTn id="15" presetID="9" presetClass="entr" presetSubtype="0" fill="hold" grpId="0" nodeType="clickEffect">
+                                  <p:stCondLst>
+                                    <p:cond delay="0"/>
+                                  </p:stCondLst>
+                                  <p:childTnLst>
+                                    <p:set>
+                                      <p:cBhvr>
+                                        <p:cTn id="16" dur="1" fill="hold">
+                                          <p:stCondLst>
+                                            <p:cond delay="0"/>
+                                          </p:stCondLst>
+                                        </p:cTn>
+                                        <p:tgtEl>
+                                          <p:spTgt spid="2">
+                                            <p:txEl>
+                                              <p:pRg st="0" end="0"/>
+                                            </p:txEl>
+                                          </p:spTgt>
+                                        </p:tgtEl>
+                                        <p:attrNameLst>
+                                          <p:attrName>style.visibility</p:attrName>
+                                        </p:attrNameLst>
+                                      </p:cBhvr>
+                                      <p:to>
+                                        <p:strVal val="visible"/>
+                                      </p:to>
+                                    </p:set>
+                                    <p:animEffect transition="in" filter="dissolve">
+                                      <p:cBhvr>
+                                        <p:cTn id="17" dur="500"/>
+                                        <p:tgtEl>
+                                          <p:spTgt spid="2">
+                                            <p:txEl>
+                                              <p:pRg st="0" end="0"/>
+                                            </p:txEl>
+                                          </p:spTgt>
+                                        </p:tgtEl>
+                                      </p:cBhvr>
+                                    </p:animEffect>
+                                  </p:childTnLst>
+                                </p:cTn>
+                              </p:par>
+                            </p:childTnLst>
+                          </p:cTn>
+                        </p:par>
+                      </p:childTnLst>
+                    </p:cTn>
+                  </p:par>
+                  <p:par>
+                    <p:cTn id="18" fill="hold">
+                      <p:stCondLst>
+                        <p:cond delay="indefinite"/>
+                      </p:stCondLst>
+                      <p:childTnLst>
+                        <p:par>
+                          <p:cTn id="19" fill="hold">
+                            <p:stCondLst>
+                              <p:cond delay="0"/>
+                            </p:stCondLst>
+                            <p:childTnLst>
+                              <p:par>
+                                <p:cTn id="20" presetID="9" presetClass="entr" presetSubtype="0" fill="hold" grpId="0" nodeType="clickEffect">
+                                  <p:stCondLst>
+                                    <p:cond delay="0"/>
+                                  </p:stCondLst>
+                                  <p:childTnLst>
+                                    <p:set>
+                                      <p:cBhvr>
+                                        <p:cTn id="21" dur="1" fill="hold">
+                                          <p:stCondLst>
+                                            <p:cond delay="0"/>
+                                          </p:stCondLst>
+                                        </p:cTn>
+                                        <p:tgtEl>
+                                          <p:spTgt spid="2">
+                                            <p:txEl>
+                                              <p:pRg st="2" end="2"/>
+                                            </p:txEl>
+                                          </p:spTgt>
+                                        </p:tgtEl>
+                                        <p:attrNameLst>
+                                          <p:attrName>style.visibility</p:attrName>
+                                        </p:attrNameLst>
+                                      </p:cBhvr>
+                                      <p:to>
+                                        <p:strVal val="visible"/>
+                                      </p:to>
+                                    </p:set>
+                                    <p:animEffect transition="in" filter="dissolve">
+                                      <p:cBhvr>
+                                        <p:cTn id="22" dur="2000"/>
+                                        <p:tgtEl>
+                                          <p:spTgt spid="2">
+                                            <p:txEl>
+                                              <p:pRg st="2" end="2"/>
+                                            </p:txEl>
+                                          </p:spTgt>
+                                        </p:tgtEl>
+                                      </p:cBhvr>
+                                    </p:animEffect>
+                                  </p:childTnLst>
+                                </p:cTn>
+                              </p:par>
+                            </p:childTnLst>
+                          </p:cTn>
+                        </p:par>
+                      </p:childTnLst>
+                    </p:cTn>
+                  </p:par>
+                </p:childTnLst>
+              </p:cTn>
+              <p:prevCondLst>
+                <p:cond evt="onPrev" delay="0">
+                  <p:tgtEl>
+                    <p:sldTgt/>
+                  </p:tgtEl>
+                </p:cond>
+              </p:prevCondLst>
+              <p:nextCondLst>
+                <p:cond evt="onNext" delay="0">
+                  <p:tgtEl>
+                    <p:sldTgt/>
+                  </p:tgtEl>
+                </p:cond>
+              </p:nextCondLst>
+            </p:seq>
+          </p:childTnLst>
+        </p:cTn>
       </p:par>
     </p:tnLst>
+    <p:bldLst>
+      <p:bldP spid="2" grpId="0" build="p"/>
+      <p:bldP spid="16" grpId="0" build="p"/>
+    </p:bldLst>
   </p:timing>
 </p:sld>
 </file>

--- a/I Choose You.pptx
+++ b/I Choose You.pptx
@@ -143,6 +143,809 @@
 </p:cmAuthorLst>
 </file>
 
+<file path=ppt/charts/chart1.xml><?xml version="1.0" encoding="utf-8"?>
+<c:chartSpace xmlns:c="http://schemas.openxmlformats.org/drawingml/2006/chart" xmlns:a="http://schemas.openxmlformats.org/drawingml/2006/main" xmlns:r="http://schemas.openxmlformats.org/officeDocument/2006/relationships">
+  <c:date1904 val="0"/>
+  <c:lang val="en-US"/>
+  <c:roundedCorners val="0"/>
+  <mc:AlternateContent xmlns:mc="http://schemas.openxmlformats.org/markup-compatibility/2006">
+    <mc:Choice xmlns:c14="http://schemas.microsoft.com/office/drawing/2007/8/2/chart" Requires="c14">
+      <c14:style val="102"/>
+    </mc:Choice>
+    <mc:Fallback>
+      <c:style val="2"/>
+    </mc:Fallback>
+  </mc:AlternateContent>
+  <c:chart>
+    <c:title>
+      <c:layout/>
+      <c:overlay val="0"/>
+      <c:spPr>
+        <a:noFill/>
+        <a:ln>
+          <a:noFill/>
+        </a:ln>
+        <a:effectLst/>
+      </c:spPr>
+      <c:txPr>
+        <a:bodyPr rot="0" spcFirstLastPara="1" vertOverflow="ellipsis" vert="horz" wrap="square" anchor="ctr" anchorCtr="1"/>
+        <a:lstStyle/>
+        <a:p>
+          <a:pPr>
+            <a:defRPr sz="1862" b="0" i="0" u="none" strike="noStrike" kern="1200" spc="0" baseline="0">
+              <a:solidFill>
+                <a:schemeClr val="tx1">
+                  <a:lumMod val="65000"/>
+                  <a:lumOff val="35000"/>
+                </a:schemeClr>
+              </a:solidFill>
+              <a:latin typeface="+mn-lt"/>
+              <a:ea typeface="+mn-ea"/>
+              <a:cs typeface="+mn-cs"/>
+            </a:defRPr>
+          </a:pPr>
+          <a:endParaRPr lang="en-US"/>
+        </a:p>
+      </c:txPr>
+    </c:title>
+    <c:autoTitleDeleted val="0"/>
+    <c:plotArea>
+      <c:layout/>
+      <c:pieChart>
+        <c:varyColors val="1"/>
+        <c:ser>
+          <c:idx val="0"/>
+          <c:order val="0"/>
+          <c:tx>
+            <c:strRef>
+              <c:f>Sheet1!$B$1</c:f>
+              <c:strCache>
+                <c:ptCount val="1"/>
+                <c:pt idx="0">
+                  <c:v>Mean Distrubution of Results</c:v>
+                </c:pt>
+              </c:strCache>
+            </c:strRef>
+          </c:tx>
+          <c:dPt>
+            <c:idx val="0"/>
+            <c:bubble3D val="0"/>
+            <c:spPr>
+              <a:solidFill>
+                <a:schemeClr val="accent1"/>
+              </a:solidFill>
+              <a:ln w="19050">
+                <a:solidFill>
+                  <a:schemeClr val="lt1"/>
+                </a:solidFill>
+              </a:ln>
+              <a:effectLst/>
+            </c:spPr>
+          </c:dPt>
+          <c:dPt>
+            <c:idx val="1"/>
+            <c:bubble3D val="0"/>
+            <c:spPr>
+              <a:solidFill>
+                <a:schemeClr val="accent2"/>
+              </a:solidFill>
+              <a:ln w="19050">
+                <a:solidFill>
+                  <a:schemeClr val="lt1"/>
+                </a:solidFill>
+              </a:ln>
+              <a:effectLst/>
+            </c:spPr>
+          </c:dPt>
+          <c:dPt>
+            <c:idx val="2"/>
+            <c:bubble3D val="0"/>
+            <c:spPr>
+              <a:solidFill>
+                <a:schemeClr val="accent3"/>
+              </a:solidFill>
+              <a:ln w="19050">
+                <a:solidFill>
+                  <a:schemeClr val="lt1"/>
+                </a:solidFill>
+              </a:ln>
+              <a:effectLst/>
+            </c:spPr>
+          </c:dPt>
+          <c:dPt>
+            <c:idx val="3"/>
+            <c:bubble3D val="0"/>
+            <c:spPr>
+              <a:solidFill>
+                <a:schemeClr val="accent4"/>
+              </a:solidFill>
+              <a:ln w="19050">
+                <a:solidFill>
+                  <a:schemeClr val="lt1"/>
+                </a:solidFill>
+              </a:ln>
+              <a:effectLst/>
+            </c:spPr>
+          </c:dPt>
+          <c:cat>
+            <c:strRef>
+              <c:f>Sheet1!$A$2:$A$5</c:f>
+              <c:strCache>
+                <c:ptCount val="4"/>
+                <c:pt idx="0">
+                  <c:v>True Positive</c:v>
+                </c:pt>
+                <c:pt idx="1">
+                  <c:v>False Positive</c:v>
+                </c:pt>
+                <c:pt idx="2">
+                  <c:v>True Negative</c:v>
+                </c:pt>
+                <c:pt idx="3">
+                  <c:v>False Negative</c:v>
+                </c:pt>
+              </c:strCache>
+            </c:strRef>
+          </c:cat>
+          <c:val>
+            <c:numRef>
+              <c:f>Sheet1!$B$2:$B$5</c:f>
+              <c:numCache>
+                <c:formatCode>General</c:formatCode>
+                <c:ptCount val="4"/>
+                <c:pt idx="0">
+                  <c:v>23.2</c:v>
+                </c:pt>
+                <c:pt idx="1">
+                  <c:v>18.3</c:v>
+                </c:pt>
+                <c:pt idx="2">
+                  <c:v>14.8</c:v>
+                </c:pt>
+                <c:pt idx="3">
+                  <c:v>7.5</c:v>
+                </c:pt>
+              </c:numCache>
+            </c:numRef>
+          </c:val>
+        </c:ser>
+        <c:dLbls>
+          <c:showLegendKey val="0"/>
+          <c:showVal val="0"/>
+          <c:showCatName val="0"/>
+          <c:showSerName val="0"/>
+          <c:showPercent val="0"/>
+          <c:showBubbleSize val="0"/>
+          <c:showLeaderLines val="1"/>
+        </c:dLbls>
+        <c:firstSliceAng val="0"/>
+      </c:pieChart>
+      <c:spPr>
+        <a:noFill/>
+        <a:ln>
+          <a:noFill/>
+        </a:ln>
+        <a:effectLst/>
+      </c:spPr>
+    </c:plotArea>
+    <c:legend>
+      <c:legendPos val="b"/>
+      <c:layout/>
+      <c:overlay val="0"/>
+      <c:spPr>
+        <a:noFill/>
+        <a:ln>
+          <a:noFill/>
+        </a:ln>
+        <a:effectLst/>
+      </c:spPr>
+      <c:txPr>
+        <a:bodyPr rot="0" spcFirstLastPara="1" vertOverflow="ellipsis" vert="horz" wrap="square" anchor="ctr" anchorCtr="1"/>
+        <a:lstStyle/>
+        <a:p>
+          <a:pPr>
+            <a:defRPr sz="1197" b="0" i="0" u="none" strike="noStrike" kern="1200" baseline="0">
+              <a:solidFill>
+                <a:schemeClr val="tx1">
+                  <a:lumMod val="65000"/>
+                  <a:lumOff val="35000"/>
+                </a:schemeClr>
+              </a:solidFill>
+              <a:latin typeface="+mn-lt"/>
+              <a:ea typeface="+mn-ea"/>
+              <a:cs typeface="+mn-cs"/>
+            </a:defRPr>
+          </a:pPr>
+          <a:endParaRPr lang="en-US"/>
+        </a:p>
+      </c:txPr>
+    </c:legend>
+    <c:plotVisOnly val="1"/>
+    <c:dispBlanksAs val="gap"/>
+    <c:showDLblsOverMax val="0"/>
+  </c:chart>
+  <c:spPr>
+    <a:noFill/>
+    <a:ln>
+      <a:noFill/>
+    </a:ln>
+    <a:effectLst/>
+  </c:spPr>
+  <c:txPr>
+    <a:bodyPr/>
+    <a:lstStyle/>
+    <a:p>
+      <a:pPr>
+        <a:defRPr/>
+      </a:pPr>
+      <a:endParaRPr lang="en-US"/>
+    </a:p>
+  </c:txPr>
+  <c:externalData r:id="rId3">
+    <c:autoUpdate val="0"/>
+  </c:externalData>
+</c:chartSpace>
+</file>
+
+<file path=ppt/charts/colors1.xml><?xml version="1.0" encoding="utf-8"?>
+<cs:colorStyle xmlns:cs="http://schemas.microsoft.com/office/drawing/2012/chartStyle" xmlns:a="http://schemas.openxmlformats.org/drawingml/2006/main" meth="cycle" id="10">
+  <a:schemeClr val="accent1"/>
+  <a:schemeClr val="accent2"/>
+  <a:schemeClr val="accent3"/>
+  <a:schemeClr val="accent4"/>
+  <a:schemeClr val="accent5"/>
+  <a:schemeClr val="accent6"/>
+  <cs:variation/>
+  <cs:variation>
+    <a:lumMod val="60000"/>
+  </cs:variation>
+  <cs:variation>
+    <a:lumMod val="80000"/>
+    <a:lumOff val="20000"/>
+  </cs:variation>
+  <cs:variation>
+    <a:lumMod val="80000"/>
+  </cs:variation>
+  <cs:variation>
+    <a:lumMod val="60000"/>
+    <a:lumOff val="40000"/>
+  </cs:variation>
+  <cs:variation>
+    <a:lumMod val="50000"/>
+  </cs:variation>
+  <cs:variation>
+    <a:lumMod val="70000"/>
+    <a:lumOff val="30000"/>
+  </cs:variation>
+  <cs:variation>
+    <a:lumMod val="70000"/>
+  </cs:variation>
+  <cs:variation>
+    <a:lumMod val="50000"/>
+    <a:lumOff val="50000"/>
+  </cs:variation>
+</cs:colorStyle>
+</file>
+
+<file path=ppt/charts/style1.xml><?xml version="1.0" encoding="utf-8"?>
+<cs:chartStyle xmlns:cs="http://schemas.microsoft.com/office/drawing/2012/chartStyle" xmlns:a="http://schemas.openxmlformats.org/drawingml/2006/main" id="251">
+  <cs:axisTitle>
+    <cs:lnRef idx="0"/>
+    <cs:fillRef idx="0"/>
+    <cs:effectRef idx="0"/>
+    <cs:fontRef idx="minor">
+      <a:schemeClr val="tx1">
+        <a:lumMod val="65000"/>
+        <a:lumOff val="35000"/>
+      </a:schemeClr>
+    </cs:fontRef>
+    <cs:defRPr sz="1330" kern="1200"/>
+  </cs:axisTitle>
+  <cs:categoryAxis>
+    <cs:lnRef idx="0"/>
+    <cs:fillRef idx="0"/>
+    <cs:effectRef idx="0"/>
+    <cs:fontRef idx="minor">
+      <a:schemeClr val="tx1">
+        <a:lumMod val="65000"/>
+        <a:lumOff val="35000"/>
+      </a:schemeClr>
+    </cs:fontRef>
+    <cs:spPr>
+      <a:ln w="9525" cap="flat" cmpd="sng" algn="ctr">
+        <a:solidFill>
+          <a:schemeClr val="tx1">
+            <a:lumMod val="15000"/>
+            <a:lumOff val="85000"/>
+          </a:schemeClr>
+        </a:solidFill>
+        <a:round/>
+      </a:ln>
+    </cs:spPr>
+    <cs:defRPr sz="1197" kern="1200"/>
+  </cs:categoryAxis>
+  <cs:chartArea mods="allowNoFillOverride allowNoLineOverride">
+    <cs:lnRef idx="0"/>
+    <cs:fillRef idx="0"/>
+    <cs:effectRef idx="0"/>
+    <cs:fontRef idx="minor">
+      <a:schemeClr val="tx1"/>
+    </cs:fontRef>
+    <cs:spPr>
+      <a:solidFill>
+        <a:schemeClr val="bg1"/>
+      </a:solidFill>
+      <a:ln w="9525" cap="flat" cmpd="sng" algn="ctr">
+        <a:solidFill>
+          <a:schemeClr val="tx1">
+            <a:lumMod val="15000"/>
+            <a:lumOff val="85000"/>
+          </a:schemeClr>
+        </a:solidFill>
+        <a:round/>
+      </a:ln>
+    </cs:spPr>
+    <cs:defRPr sz="1197" kern="1200"/>
+  </cs:chartArea>
+  <cs:dataLabel>
+    <cs:lnRef idx="0"/>
+    <cs:fillRef idx="0"/>
+    <cs:effectRef idx="0"/>
+    <cs:fontRef idx="minor">
+      <a:schemeClr val="tx1">
+        <a:lumMod val="75000"/>
+        <a:lumOff val="25000"/>
+      </a:schemeClr>
+    </cs:fontRef>
+    <cs:defRPr sz="1197" kern="1200"/>
+  </cs:dataLabel>
+  <cs:dataLabelCallout>
+    <cs:lnRef idx="0"/>
+    <cs:fillRef idx="0"/>
+    <cs:effectRef idx="0"/>
+    <cs:fontRef idx="minor">
+      <a:schemeClr val="dk1">
+        <a:lumMod val="65000"/>
+        <a:lumOff val="35000"/>
+      </a:schemeClr>
+    </cs:fontRef>
+    <cs:spPr>
+      <a:solidFill>
+        <a:schemeClr val="lt1"/>
+      </a:solidFill>
+      <a:ln>
+        <a:solidFill>
+          <a:schemeClr val="dk1">
+            <a:lumMod val="25000"/>
+            <a:lumOff val="75000"/>
+          </a:schemeClr>
+        </a:solidFill>
+      </a:ln>
+    </cs:spPr>
+    <cs:defRPr sz="1197" kern="1200"/>
+    <cs:bodyPr rot="0" spcFirstLastPara="1" vertOverflow="clip" horzOverflow="clip" vert="horz" wrap="square" lIns="36576" tIns="18288" rIns="36576" bIns="18288" anchor="ctr" anchorCtr="1">
+      <a:spAutoFit/>
+    </cs:bodyPr>
+  </cs:dataLabelCallout>
+  <cs:dataPoint>
+    <cs:lnRef idx="0"/>
+    <cs:fillRef idx="1">
+      <cs:styleClr val="auto"/>
+    </cs:fillRef>
+    <cs:effectRef idx="0"/>
+    <cs:fontRef idx="minor">
+      <a:schemeClr val="tx1"/>
+    </cs:fontRef>
+    <cs:spPr>
+      <a:ln w="19050">
+        <a:solidFill>
+          <a:schemeClr val="lt1"/>
+        </a:solidFill>
+      </a:ln>
+    </cs:spPr>
+  </cs:dataPoint>
+  <cs:dataPoint3D>
+    <cs:lnRef idx="0"/>
+    <cs:fillRef idx="1">
+      <cs:styleClr val="auto"/>
+    </cs:fillRef>
+    <cs:effectRef idx="0"/>
+    <cs:fontRef idx="minor">
+      <a:schemeClr val="tx1"/>
+    </cs:fontRef>
+    <cs:spPr>
+      <a:ln w="25400">
+        <a:solidFill>
+          <a:schemeClr val="lt1"/>
+        </a:solidFill>
+      </a:ln>
+    </cs:spPr>
+  </cs:dataPoint3D>
+  <cs:dataPointLine>
+    <cs:lnRef idx="0">
+      <cs:styleClr val="auto"/>
+    </cs:lnRef>
+    <cs:fillRef idx="0"/>
+    <cs:effectRef idx="0"/>
+    <cs:fontRef idx="minor">
+      <a:schemeClr val="tx1"/>
+    </cs:fontRef>
+    <cs:spPr>
+      <a:ln w="28575" cap="rnd">
+        <a:solidFill>
+          <a:schemeClr val="phClr"/>
+        </a:solidFill>
+        <a:round/>
+      </a:ln>
+    </cs:spPr>
+  </cs:dataPointLine>
+  <cs:dataPointMarker>
+    <cs:lnRef idx="0">
+      <cs:styleClr val="auto"/>
+    </cs:lnRef>
+    <cs:fillRef idx="1">
+      <cs:styleClr val="auto"/>
+    </cs:fillRef>
+    <cs:effectRef idx="0"/>
+    <cs:fontRef idx="minor">
+      <a:schemeClr val="tx1"/>
+    </cs:fontRef>
+    <cs:spPr>
+      <a:ln w="9525">
+        <a:solidFill>
+          <a:schemeClr val="phClr"/>
+        </a:solidFill>
+      </a:ln>
+    </cs:spPr>
+  </cs:dataPointMarker>
+  <cs:dataPointMarkerLayout symbol="circle" size="5"/>
+  <cs:dataPointWireframe>
+    <cs:lnRef idx="0">
+      <cs:styleClr val="auto"/>
+    </cs:lnRef>
+    <cs:fillRef idx="0"/>
+    <cs:effectRef idx="0"/>
+    <cs:fontRef idx="minor">
+      <a:schemeClr val="tx1"/>
+    </cs:fontRef>
+    <cs:spPr>
+      <a:ln w="9525" cap="rnd">
+        <a:solidFill>
+          <a:schemeClr val="phClr"/>
+        </a:solidFill>
+        <a:round/>
+      </a:ln>
+    </cs:spPr>
+  </cs:dataPointWireframe>
+  <cs:dataTable>
+    <cs:lnRef idx="0"/>
+    <cs:fillRef idx="0"/>
+    <cs:effectRef idx="0"/>
+    <cs:fontRef idx="minor">
+      <a:schemeClr val="tx1">
+        <a:lumMod val="65000"/>
+        <a:lumOff val="35000"/>
+      </a:schemeClr>
+    </cs:fontRef>
+    <cs:spPr>
+      <a:noFill/>
+      <a:ln w="9525" cap="flat" cmpd="sng" algn="ctr">
+        <a:solidFill>
+          <a:schemeClr val="tx1">
+            <a:lumMod val="15000"/>
+            <a:lumOff val="85000"/>
+          </a:schemeClr>
+        </a:solidFill>
+        <a:round/>
+      </a:ln>
+    </cs:spPr>
+    <cs:defRPr sz="1197" kern="1200"/>
+  </cs:dataTable>
+  <cs:downBar>
+    <cs:lnRef idx="0"/>
+    <cs:fillRef idx="0"/>
+    <cs:effectRef idx="0"/>
+    <cs:fontRef idx="minor">
+      <a:schemeClr val="tx1"/>
+    </cs:fontRef>
+    <cs:spPr>
+      <a:solidFill>
+        <a:schemeClr val="dk1">
+          <a:lumMod val="75000"/>
+          <a:lumOff val="25000"/>
+        </a:schemeClr>
+      </a:solidFill>
+      <a:ln w="9525" cap="flat" cmpd="sng" algn="ctr">
+        <a:solidFill>
+          <a:schemeClr val="tx1">
+            <a:lumMod val="65000"/>
+            <a:lumOff val="35000"/>
+          </a:schemeClr>
+        </a:solidFill>
+        <a:round/>
+      </a:ln>
+    </cs:spPr>
+  </cs:downBar>
+  <cs:dropLine>
+    <cs:lnRef idx="0"/>
+    <cs:fillRef idx="0"/>
+    <cs:effectRef idx="0"/>
+    <cs:fontRef idx="minor">
+      <a:schemeClr val="tx1"/>
+    </cs:fontRef>
+    <cs:spPr>
+      <a:ln w="9525" cap="flat" cmpd="sng" algn="ctr">
+        <a:solidFill>
+          <a:schemeClr val="tx1">
+            <a:lumMod val="35000"/>
+            <a:lumOff val="65000"/>
+          </a:schemeClr>
+        </a:solidFill>
+        <a:round/>
+      </a:ln>
+    </cs:spPr>
+  </cs:dropLine>
+  <cs:errorBar>
+    <cs:lnRef idx="0"/>
+    <cs:fillRef idx="0"/>
+    <cs:effectRef idx="0"/>
+    <cs:fontRef idx="minor">
+      <a:schemeClr val="tx1"/>
+    </cs:fontRef>
+    <cs:spPr>
+      <a:ln w="9525" cap="flat" cmpd="sng" algn="ctr">
+        <a:solidFill>
+          <a:schemeClr val="tx1">
+            <a:lumMod val="65000"/>
+            <a:lumOff val="35000"/>
+          </a:schemeClr>
+        </a:solidFill>
+        <a:round/>
+      </a:ln>
+    </cs:spPr>
+  </cs:errorBar>
+  <cs:floor>
+    <cs:lnRef idx="0"/>
+    <cs:fillRef idx="0"/>
+    <cs:effectRef idx="0"/>
+    <cs:fontRef idx="minor">
+      <a:schemeClr val="tx1"/>
+    </cs:fontRef>
+    <cs:spPr>
+      <a:noFill/>
+      <a:ln>
+        <a:noFill/>
+      </a:ln>
+    </cs:spPr>
+  </cs:floor>
+  <cs:gridlineMajor>
+    <cs:lnRef idx="0"/>
+    <cs:fillRef idx="0"/>
+    <cs:effectRef idx="0"/>
+    <cs:fontRef idx="minor">
+      <a:schemeClr val="tx1"/>
+    </cs:fontRef>
+    <cs:spPr>
+      <a:ln w="9525" cap="flat" cmpd="sng" algn="ctr">
+        <a:solidFill>
+          <a:schemeClr val="tx1">
+            <a:lumMod val="15000"/>
+            <a:lumOff val="85000"/>
+          </a:schemeClr>
+        </a:solidFill>
+        <a:round/>
+      </a:ln>
+    </cs:spPr>
+  </cs:gridlineMajor>
+  <cs:gridlineMinor>
+    <cs:lnRef idx="0"/>
+    <cs:fillRef idx="0"/>
+    <cs:effectRef idx="0"/>
+    <cs:fontRef idx="minor">
+      <a:schemeClr val="tx1"/>
+    </cs:fontRef>
+    <cs:spPr>
+      <a:ln w="9525" cap="flat" cmpd="sng" algn="ctr">
+        <a:solidFill>
+          <a:schemeClr val="tx1">
+            <a:lumMod val="5000"/>
+            <a:lumOff val="95000"/>
+          </a:schemeClr>
+        </a:solidFill>
+        <a:round/>
+      </a:ln>
+    </cs:spPr>
+  </cs:gridlineMinor>
+  <cs:hiLoLine>
+    <cs:lnRef idx="0"/>
+    <cs:fillRef idx="0"/>
+    <cs:effectRef idx="0"/>
+    <cs:fontRef idx="minor">
+      <a:schemeClr val="tx1"/>
+    </cs:fontRef>
+    <cs:spPr>
+      <a:ln w="9525" cap="flat" cmpd="sng" algn="ctr">
+        <a:solidFill>
+          <a:schemeClr val="tx1">
+            <a:lumMod val="50000"/>
+            <a:lumOff val="50000"/>
+          </a:schemeClr>
+        </a:solidFill>
+        <a:round/>
+      </a:ln>
+    </cs:spPr>
+  </cs:hiLoLine>
+  <cs:leaderLine>
+    <cs:lnRef idx="0"/>
+    <cs:fillRef idx="0"/>
+    <cs:effectRef idx="0"/>
+    <cs:fontRef idx="minor">
+      <a:schemeClr val="tx1"/>
+    </cs:fontRef>
+    <cs:spPr>
+      <a:ln w="9525" cap="flat" cmpd="sng" algn="ctr">
+        <a:solidFill>
+          <a:schemeClr val="tx1">
+            <a:lumMod val="35000"/>
+            <a:lumOff val="65000"/>
+          </a:schemeClr>
+        </a:solidFill>
+        <a:round/>
+      </a:ln>
+    </cs:spPr>
+  </cs:leaderLine>
+  <cs:legend>
+    <cs:lnRef idx="0"/>
+    <cs:fillRef idx="0"/>
+    <cs:effectRef idx="0"/>
+    <cs:fontRef idx="minor">
+      <a:schemeClr val="tx1">
+        <a:lumMod val="65000"/>
+        <a:lumOff val="35000"/>
+      </a:schemeClr>
+    </cs:fontRef>
+    <cs:defRPr sz="1197" kern="1200"/>
+  </cs:legend>
+  <cs:plotArea mods="allowNoFillOverride allowNoLineOverride">
+    <cs:lnRef idx="0"/>
+    <cs:fillRef idx="0"/>
+    <cs:effectRef idx="0"/>
+    <cs:fontRef idx="minor">
+      <a:schemeClr val="tx1"/>
+    </cs:fontRef>
+  </cs:plotArea>
+  <cs:plotArea3D mods="allowNoFillOverride allowNoLineOverride">
+    <cs:lnRef idx="0"/>
+    <cs:fillRef idx="0"/>
+    <cs:effectRef idx="0"/>
+    <cs:fontRef idx="minor">
+      <a:schemeClr val="tx1"/>
+    </cs:fontRef>
+  </cs:plotArea3D>
+  <cs:seriesAxis>
+    <cs:lnRef idx="0"/>
+    <cs:fillRef idx="0"/>
+    <cs:effectRef idx="0"/>
+    <cs:fontRef idx="minor">
+      <a:schemeClr val="tx1">
+        <a:lumMod val="65000"/>
+        <a:lumOff val="35000"/>
+      </a:schemeClr>
+    </cs:fontRef>
+    <cs:defRPr sz="1197" kern="1200"/>
+  </cs:seriesAxis>
+  <cs:seriesLine>
+    <cs:lnRef idx="0"/>
+    <cs:fillRef idx="0"/>
+    <cs:effectRef idx="0"/>
+    <cs:fontRef idx="minor">
+      <a:schemeClr val="tx1"/>
+    </cs:fontRef>
+    <cs:spPr>
+      <a:ln w="9525" cap="flat" cmpd="sng" algn="ctr">
+        <a:solidFill>
+          <a:schemeClr val="tx1">
+            <a:lumMod val="35000"/>
+            <a:lumOff val="65000"/>
+          </a:schemeClr>
+        </a:solidFill>
+        <a:round/>
+      </a:ln>
+    </cs:spPr>
+  </cs:seriesLine>
+  <cs:title>
+    <cs:lnRef idx="0"/>
+    <cs:fillRef idx="0"/>
+    <cs:effectRef idx="0"/>
+    <cs:fontRef idx="minor">
+      <a:schemeClr val="tx1">
+        <a:lumMod val="65000"/>
+        <a:lumOff val="35000"/>
+      </a:schemeClr>
+    </cs:fontRef>
+    <cs:defRPr sz="1862" b="0" kern="1200" spc="0" baseline="0"/>
+  </cs:title>
+  <cs:trendline>
+    <cs:lnRef idx="0">
+      <cs:styleClr val="auto"/>
+    </cs:lnRef>
+    <cs:fillRef idx="0"/>
+    <cs:effectRef idx="0"/>
+    <cs:fontRef idx="minor">
+      <a:schemeClr val="tx1"/>
+    </cs:fontRef>
+    <cs:spPr>
+      <a:ln w="19050" cap="rnd">
+        <a:solidFill>
+          <a:schemeClr val="phClr"/>
+        </a:solidFill>
+        <a:prstDash val="sysDot"/>
+      </a:ln>
+    </cs:spPr>
+  </cs:trendline>
+  <cs:trendlineLabel>
+    <cs:lnRef idx="0"/>
+    <cs:fillRef idx="0"/>
+    <cs:effectRef idx="0"/>
+    <cs:fontRef idx="minor">
+      <a:schemeClr val="tx1">
+        <a:lumMod val="65000"/>
+        <a:lumOff val="35000"/>
+      </a:schemeClr>
+    </cs:fontRef>
+    <cs:defRPr sz="1197" kern="1200"/>
+  </cs:trendlineLabel>
+  <cs:upBar>
+    <cs:lnRef idx="0"/>
+    <cs:fillRef idx="0"/>
+    <cs:effectRef idx="0"/>
+    <cs:fontRef idx="minor">
+      <a:schemeClr val="tx1"/>
+    </cs:fontRef>
+    <cs:spPr>
+      <a:solidFill>
+        <a:schemeClr val="lt1"/>
+      </a:solidFill>
+      <a:ln w="9525" cap="flat" cmpd="sng" algn="ctr">
+        <a:solidFill>
+          <a:schemeClr val="tx1">
+            <a:lumMod val="65000"/>
+            <a:lumOff val="35000"/>
+          </a:schemeClr>
+        </a:solidFill>
+        <a:round/>
+      </a:ln>
+    </cs:spPr>
+  </cs:upBar>
+  <cs:valueAxis>
+    <cs:lnRef idx="0"/>
+    <cs:fillRef idx="0"/>
+    <cs:effectRef idx="0"/>
+    <cs:fontRef idx="minor">
+      <a:schemeClr val="tx1">
+        <a:lumMod val="65000"/>
+        <a:lumOff val="35000"/>
+      </a:schemeClr>
+    </cs:fontRef>
+    <cs:defRPr sz="1197" kern="1200"/>
+  </cs:valueAxis>
+  <cs:wall>
+    <cs:lnRef idx="0"/>
+    <cs:fillRef idx="0"/>
+    <cs:effectRef idx="0"/>
+    <cs:fontRef idx="minor">
+      <a:schemeClr val="tx1"/>
+    </cs:fontRef>
+    <cs:spPr>
+      <a:noFill/>
+      <a:ln>
+        <a:noFill/>
+      </a:ln>
+    </cs:spPr>
+  </cs:wall>
+</cs:chartStyle>
+</file>
+
 <file path=ppt/comments/comment1.xml><?xml version="1.0" encoding="utf-8"?>
 <p:cmLst xmlns:a="http://schemas.openxmlformats.org/drawingml/2006/main" xmlns:r="http://schemas.openxmlformats.org/officeDocument/2006/relationships" xmlns:p="http://schemas.openxmlformats.org/presentationml/2006/main">
   <p:cm authorId="2" dt="2015-04-25T14:32:03.183" idx="1">
@@ -155,4023 +958,6 @@
     </p:extLst>
   </p:cm>
 </p:cmLst>
-</file>
-
-<file path=ppt/diagrams/colors1.xml><?xml version="1.0" encoding="utf-8"?>
-<dgm:colorsDef xmlns:dgm="http://schemas.openxmlformats.org/drawingml/2006/diagram" xmlns:a="http://schemas.openxmlformats.org/drawingml/2006/main" uniqueId="urn:microsoft.com/office/officeart/2005/8/colors/colorful2">
-  <dgm:title val=""/>
-  <dgm:desc val=""/>
-  <dgm:catLst>
-    <dgm:cat type="colorful" pri="10200"/>
-  </dgm:catLst>
-  <dgm:styleLbl name="node0">
-    <dgm:fillClrLst meth="repeat">
-      <a:schemeClr val="accent1"/>
-    </dgm:fillClrLst>
-    <dgm:linClrLst meth="repeat">
-      <a:schemeClr val="lt1"/>
-    </dgm:linClrLst>
-    <dgm:effectClrLst/>
-    <dgm:txLinClrLst/>
-    <dgm:txFillClrLst/>
-    <dgm:txEffectClrLst/>
-  </dgm:styleLbl>
-  <dgm:styleLbl name="node1">
-    <dgm:fillClrLst>
-      <a:schemeClr val="accent2"/>
-      <a:schemeClr val="accent3"/>
-    </dgm:fillClrLst>
-    <dgm:linClrLst meth="repeat">
-      <a:schemeClr val="lt1"/>
-    </dgm:linClrLst>
-    <dgm:effectClrLst/>
-    <dgm:txLinClrLst/>
-    <dgm:txFillClrLst/>
-    <dgm:txEffectClrLst/>
-  </dgm:styleLbl>
-  <dgm:styleLbl name="alignNode1">
-    <dgm:fillClrLst>
-      <a:schemeClr val="accent2"/>
-      <a:schemeClr val="accent3"/>
-    </dgm:fillClrLst>
-    <dgm:linClrLst>
-      <a:schemeClr val="accent2"/>
-      <a:schemeClr val="accent3"/>
-    </dgm:linClrLst>
-    <dgm:effectClrLst/>
-    <dgm:txLinClrLst/>
-    <dgm:txFillClrLst/>
-    <dgm:txEffectClrLst/>
-  </dgm:styleLbl>
-  <dgm:styleLbl name="lnNode1">
-    <dgm:fillClrLst>
-      <a:schemeClr val="accent2"/>
-      <a:schemeClr val="accent3"/>
-    </dgm:fillClrLst>
-    <dgm:linClrLst meth="repeat">
-      <a:schemeClr val="lt1"/>
-    </dgm:linClrLst>
-    <dgm:effectClrLst/>
-    <dgm:txLinClrLst/>
-    <dgm:txFillClrLst/>
-    <dgm:txEffectClrLst/>
-  </dgm:styleLbl>
-  <dgm:styleLbl name="vennNode1">
-    <dgm:fillClrLst>
-      <a:schemeClr val="accent2">
-        <a:alpha val="50000"/>
-      </a:schemeClr>
-      <a:schemeClr val="accent3">
-        <a:alpha val="50000"/>
-      </a:schemeClr>
-    </dgm:fillClrLst>
-    <dgm:linClrLst meth="repeat">
-      <a:schemeClr val="lt1"/>
-    </dgm:linClrLst>
-    <dgm:effectClrLst/>
-    <dgm:txLinClrLst/>
-    <dgm:txFillClrLst/>
-    <dgm:txEffectClrLst/>
-  </dgm:styleLbl>
-  <dgm:styleLbl name="node2">
-    <dgm:fillClrLst>
-      <a:schemeClr val="accent3"/>
-    </dgm:fillClrLst>
-    <dgm:linClrLst meth="repeat">
-      <a:schemeClr val="lt1"/>
-    </dgm:linClrLst>
-    <dgm:effectClrLst/>
-    <dgm:txLinClrLst/>
-    <dgm:txFillClrLst/>
-    <dgm:txEffectClrLst/>
-  </dgm:styleLbl>
-  <dgm:styleLbl name="node3">
-    <dgm:fillClrLst>
-      <a:schemeClr val="accent4"/>
-    </dgm:fillClrLst>
-    <dgm:linClrLst meth="repeat">
-      <a:schemeClr val="lt1"/>
-    </dgm:linClrLst>
-    <dgm:effectClrLst/>
-    <dgm:txLinClrLst/>
-    <dgm:txFillClrLst/>
-    <dgm:txEffectClrLst/>
-  </dgm:styleLbl>
-  <dgm:styleLbl name="node4">
-    <dgm:fillClrLst>
-      <a:schemeClr val="accent5"/>
-    </dgm:fillClrLst>
-    <dgm:linClrLst meth="repeat">
-      <a:schemeClr val="lt1"/>
-    </dgm:linClrLst>
-    <dgm:effectClrLst/>
-    <dgm:txLinClrLst/>
-    <dgm:txFillClrLst/>
-    <dgm:txEffectClrLst/>
-  </dgm:styleLbl>
-  <dgm:styleLbl name="fgImgPlace1">
-    <dgm:fillClrLst>
-      <a:schemeClr val="accent2">
-        <a:tint val="50000"/>
-      </a:schemeClr>
-      <a:schemeClr val="accent3">
-        <a:tint val="50000"/>
-      </a:schemeClr>
-    </dgm:fillClrLst>
-    <dgm:linClrLst meth="repeat">
-      <a:schemeClr val="lt1"/>
-    </dgm:linClrLst>
-    <dgm:effectClrLst/>
-    <dgm:txLinClrLst/>
-    <dgm:txFillClrLst meth="repeat">
-      <a:schemeClr val="lt1"/>
-    </dgm:txFillClrLst>
-    <dgm:txEffectClrLst/>
-  </dgm:styleLbl>
-  <dgm:styleLbl name="alignImgPlace1">
-    <dgm:fillClrLst>
-      <a:schemeClr val="accent2">
-        <a:tint val="50000"/>
-      </a:schemeClr>
-      <a:schemeClr val="accent3">
-        <a:tint val="20000"/>
-      </a:schemeClr>
-    </dgm:fillClrLst>
-    <dgm:linClrLst meth="repeat">
-      <a:schemeClr val="lt1"/>
-    </dgm:linClrLst>
-    <dgm:effectClrLst/>
-    <dgm:txLinClrLst/>
-    <dgm:txFillClrLst meth="repeat">
-      <a:schemeClr val="lt1"/>
-    </dgm:txFillClrLst>
-    <dgm:txEffectClrLst/>
-  </dgm:styleLbl>
-  <dgm:styleLbl name="bgImgPlace1">
-    <dgm:fillClrLst>
-      <a:schemeClr val="accent2">
-        <a:tint val="50000"/>
-      </a:schemeClr>
-      <a:schemeClr val="accent3">
-        <a:tint val="20000"/>
-      </a:schemeClr>
-    </dgm:fillClrLst>
-    <dgm:linClrLst meth="repeat">
-      <a:schemeClr val="lt1"/>
-    </dgm:linClrLst>
-    <dgm:effectClrLst/>
-    <dgm:txLinClrLst/>
-    <dgm:txFillClrLst meth="repeat">
-      <a:schemeClr val="lt1"/>
-    </dgm:txFillClrLst>
-    <dgm:txEffectClrLst/>
-  </dgm:styleLbl>
-  <dgm:styleLbl name="sibTrans2D1">
-    <dgm:fillClrLst>
-      <a:schemeClr val="accent2"/>
-      <a:schemeClr val="accent3"/>
-    </dgm:fillClrLst>
-    <dgm:linClrLst meth="repeat">
-      <a:schemeClr val="lt1"/>
-    </dgm:linClrLst>
-    <dgm:effectClrLst/>
-    <dgm:txLinClrLst/>
-    <dgm:txFillClrLst/>
-    <dgm:txEffectClrLst/>
-  </dgm:styleLbl>
-  <dgm:styleLbl name="fgSibTrans2D1">
-    <dgm:fillClrLst>
-      <a:schemeClr val="accent2"/>
-      <a:schemeClr val="accent3"/>
-    </dgm:fillClrLst>
-    <dgm:linClrLst meth="repeat">
-      <a:schemeClr val="lt1"/>
-    </dgm:linClrLst>
-    <dgm:effectClrLst/>
-    <dgm:txLinClrLst/>
-    <dgm:txFillClrLst meth="repeat">
-      <a:schemeClr val="lt1"/>
-    </dgm:txFillClrLst>
-    <dgm:txEffectClrLst/>
-  </dgm:styleLbl>
-  <dgm:styleLbl name="bgSibTrans2D1">
-    <dgm:fillClrLst>
-      <a:schemeClr val="accent2"/>
-      <a:schemeClr val="accent3"/>
-    </dgm:fillClrLst>
-    <dgm:linClrLst meth="repeat">
-      <a:schemeClr val="lt1"/>
-    </dgm:linClrLst>
-    <dgm:effectClrLst/>
-    <dgm:txLinClrLst/>
-    <dgm:txFillClrLst meth="repeat">
-      <a:schemeClr val="lt1"/>
-    </dgm:txFillClrLst>
-    <dgm:txEffectClrLst/>
-  </dgm:styleLbl>
-  <dgm:styleLbl name="sibTrans1D1">
-    <dgm:fillClrLst/>
-    <dgm:linClrLst>
-      <a:schemeClr val="accent2"/>
-      <a:schemeClr val="accent3"/>
-    </dgm:linClrLst>
-    <dgm:effectClrLst/>
-    <dgm:txLinClrLst/>
-    <dgm:txFillClrLst meth="repeat">
-      <a:schemeClr val="tx1"/>
-    </dgm:txFillClrLst>
-    <dgm:txEffectClrLst/>
-  </dgm:styleLbl>
-  <dgm:styleLbl name="callout">
-    <dgm:fillClrLst meth="repeat">
-      <a:schemeClr val="accent2"/>
-    </dgm:fillClrLst>
-    <dgm:linClrLst meth="repeat">
-      <a:schemeClr val="accent2">
-        <a:tint val="50000"/>
-      </a:schemeClr>
-    </dgm:linClrLst>
-    <dgm:effectClrLst/>
-    <dgm:txLinClrLst/>
-    <dgm:txFillClrLst meth="repeat">
-      <a:schemeClr val="tx1"/>
-    </dgm:txFillClrLst>
-    <dgm:txEffectClrLst/>
-  </dgm:styleLbl>
-  <dgm:styleLbl name="asst0">
-    <dgm:fillClrLst meth="repeat">
-      <a:schemeClr val="accent2"/>
-    </dgm:fillClrLst>
-    <dgm:linClrLst meth="repeat">
-      <a:schemeClr val="lt1">
-        <a:shade val="80000"/>
-      </a:schemeClr>
-    </dgm:linClrLst>
-    <dgm:effectClrLst/>
-    <dgm:txLinClrLst/>
-    <dgm:txFillClrLst/>
-    <dgm:txEffectClrLst/>
-  </dgm:styleLbl>
-  <dgm:styleLbl name="asst1">
-    <dgm:fillClrLst meth="repeat">
-      <a:schemeClr val="accent3"/>
-    </dgm:fillClrLst>
-    <dgm:linClrLst meth="repeat">
-      <a:schemeClr val="lt1">
-        <a:shade val="80000"/>
-      </a:schemeClr>
-    </dgm:linClrLst>
-    <dgm:effectClrLst/>
-    <dgm:txLinClrLst/>
-    <dgm:txFillClrLst/>
-    <dgm:txEffectClrLst/>
-  </dgm:styleLbl>
-  <dgm:styleLbl name="asst2">
-    <dgm:fillClrLst>
-      <a:schemeClr val="accent4"/>
-    </dgm:fillClrLst>
-    <dgm:linClrLst meth="repeat">
-      <a:schemeClr val="lt1"/>
-    </dgm:linClrLst>
-    <dgm:effectClrLst/>
-    <dgm:txLinClrLst/>
-    <dgm:txFillClrLst/>
-    <dgm:txEffectClrLst/>
-  </dgm:styleLbl>
-  <dgm:styleLbl name="asst3">
-    <dgm:fillClrLst>
-      <a:schemeClr val="accent5"/>
-    </dgm:fillClrLst>
-    <dgm:linClrLst meth="repeat">
-      <a:schemeClr val="lt1"/>
-    </dgm:linClrLst>
-    <dgm:effectClrLst/>
-    <dgm:txLinClrLst/>
-    <dgm:txFillClrLst/>
-    <dgm:txEffectClrLst/>
-  </dgm:styleLbl>
-  <dgm:styleLbl name="asst4">
-    <dgm:fillClrLst>
-      <a:schemeClr val="accent6"/>
-    </dgm:fillClrLst>
-    <dgm:linClrLst meth="repeat">
-      <a:schemeClr val="lt1"/>
-    </dgm:linClrLst>
-    <dgm:effectClrLst/>
-    <dgm:txLinClrLst/>
-    <dgm:txFillClrLst/>
-    <dgm:txEffectClrLst/>
-  </dgm:styleLbl>
-  <dgm:styleLbl name="parChTrans2D1">
-    <dgm:fillClrLst meth="repeat">
-      <a:schemeClr val="accent2"/>
-    </dgm:fillClrLst>
-    <dgm:linClrLst meth="repeat">
-      <a:schemeClr val="lt1"/>
-    </dgm:linClrLst>
-    <dgm:effectClrLst/>
-    <dgm:txLinClrLst/>
-    <dgm:txFillClrLst meth="repeat">
-      <a:schemeClr val="lt1"/>
-    </dgm:txFillClrLst>
-    <dgm:txEffectClrLst/>
-  </dgm:styleLbl>
-  <dgm:styleLbl name="parChTrans2D2">
-    <dgm:fillClrLst meth="repeat">
-      <a:schemeClr val="accent3"/>
-    </dgm:fillClrLst>
-    <dgm:linClrLst meth="repeat">
-      <a:schemeClr val="lt1"/>
-    </dgm:linClrLst>
-    <dgm:effectClrLst/>
-    <dgm:txLinClrLst/>
-    <dgm:txFillClrLst/>
-    <dgm:txEffectClrLst/>
-  </dgm:styleLbl>
-  <dgm:styleLbl name="parChTrans2D3">
-    <dgm:fillClrLst meth="repeat">
-      <a:schemeClr val="accent4"/>
-    </dgm:fillClrLst>
-    <dgm:linClrLst meth="repeat">
-      <a:schemeClr val="lt1"/>
-    </dgm:linClrLst>
-    <dgm:effectClrLst/>
-    <dgm:txLinClrLst/>
-    <dgm:txFillClrLst/>
-    <dgm:txEffectClrLst/>
-  </dgm:styleLbl>
-  <dgm:styleLbl name="parChTrans2D4">
-    <dgm:fillClrLst meth="repeat">
-      <a:schemeClr val="accent5"/>
-    </dgm:fillClrLst>
-    <dgm:linClrLst meth="repeat">
-      <a:schemeClr val="lt1"/>
-    </dgm:linClrLst>
-    <dgm:effectClrLst/>
-    <dgm:txLinClrLst/>
-    <dgm:txFillClrLst meth="repeat">
-      <a:schemeClr val="lt1"/>
-    </dgm:txFillClrLst>
-    <dgm:txEffectClrLst/>
-  </dgm:styleLbl>
-  <dgm:styleLbl name="parChTrans1D1">
-    <dgm:fillClrLst meth="repeat">
-      <a:schemeClr val="accent2"/>
-    </dgm:fillClrLst>
-    <dgm:linClrLst meth="repeat">
-      <a:schemeClr val="accent2"/>
-    </dgm:linClrLst>
-    <dgm:effectClrLst/>
-    <dgm:txLinClrLst/>
-    <dgm:txFillClrLst meth="repeat">
-      <a:schemeClr val="tx1"/>
-    </dgm:txFillClrLst>
-    <dgm:txEffectClrLst/>
-  </dgm:styleLbl>
-  <dgm:styleLbl name="parChTrans1D2">
-    <dgm:fillClrLst meth="repeat">
-      <a:schemeClr val="accent2">
-        <a:tint val="90000"/>
-      </a:schemeClr>
-    </dgm:fillClrLst>
-    <dgm:linClrLst meth="repeat">
-      <a:schemeClr val="accent3"/>
-    </dgm:linClrLst>
-    <dgm:effectClrLst/>
-    <dgm:txLinClrLst/>
-    <dgm:txFillClrLst meth="repeat">
-      <a:schemeClr val="tx1"/>
-    </dgm:txFillClrLst>
-    <dgm:txEffectClrLst/>
-  </dgm:styleLbl>
-  <dgm:styleLbl name="parChTrans1D3">
-    <dgm:fillClrLst meth="repeat">
-      <a:schemeClr val="accent2">
-        <a:tint val="70000"/>
-      </a:schemeClr>
-    </dgm:fillClrLst>
-    <dgm:linClrLst meth="repeat">
-      <a:schemeClr val="accent4"/>
-    </dgm:linClrLst>
-    <dgm:effectClrLst/>
-    <dgm:txLinClrLst/>
-    <dgm:txFillClrLst meth="repeat">
-      <a:schemeClr val="tx1"/>
-    </dgm:txFillClrLst>
-    <dgm:txEffectClrLst/>
-  </dgm:styleLbl>
-  <dgm:styleLbl name="parChTrans1D4">
-    <dgm:fillClrLst meth="repeat">
-      <a:schemeClr val="accent2">
-        <a:tint val="50000"/>
-      </a:schemeClr>
-    </dgm:fillClrLst>
-    <dgm:linClrLst meth="repeat">
-      <a:schemeClr val="accent5"/>
-    </dgm:linClrLst>
-    <dgm:effectClrLst/>
-    <dgm:txLinClrLst/>
-    <dgm:txFillClrLst meth="repeat">
-      <a:schemeClr val="tx1"/>
-    </dgm:txFillClrLst>
-    <dgm:txEffectClrLst/>
-  </dgm:styleLbl>
-  <dgm:styleLbl name="fgAcc1">
-    <dgm:fillClrLst meth="repeat">
-      <a:schemeClr val="lt1">
-        <a:alpha val="90000"/>
-      </a:schemeClr>
-    </dgm:fillClrLst>
-    <dgm:linClrLst>
-      <a:schemeClr val="accent2"/>
-      <a:schemeClr val="accent3"/>
-    </dgm:linClrLst>
-    <dgm:effectClrLst/>
-    <dgm:txLinClrLst/>
-    <dgm:txFillClrLst meth="repeat">
-      <a:schemeClr val="dk1"/>
-    </dgm:txFillClrLst>
-    <dgm:txEffectClrLst/>
-  </dgm:styleLbl>
-  <dgm:styleLbl name="conFgAcc1">
-    <dgm:fillClrLst meth="repeat">
-      <a:schemeClr val="lt1">
-        <a:alpha val="90000"/>
-      </a:schemeClr>
-    </dgm:fillClrLst>
-    <dgm:linClrLst>
-      <a:schemeClr val="accent2"/>
-      <a:schemeClr val="accent3"/>
-    </dgm:linClrLst>
-    <dgm:effectClrLst/>
-    <dgm:txLinClrLst/>
-    <dgm:txFillClrLst meth="repeat">
-      <a:schemeClr val="dk1"/>
-    </dgm:txFillClrLst>
-    <dgm:txEffectClrLst/>
-  </dgm:styleLbl>
-  <dgm:styleLbl name="alignAcc1">
-    <dgm:fillClrLst meth="repeat">
-      <a:schemeClr val="lt1">
-        <a:alpha val="90000"/>
-      </a:schemeClr>
-    </dgm:fillClrLst>
-    <dgm:linClrLst>
-      <a:schemeClr val="accent2"/>
-      <a:schemeClr val="accent3"/>
-    </dgm:linClrLst>
-    <dgm:effectClrLst/>
-    <dgm:txLinClrLst/>
-    <dgm:txFillClrLst meth="repeat">
-      <a:schemeClr val="dk1"/>
-    </dgm:txFillClrLst>
-    <dgm:txEffectClrLst/>
-  </dgm:styleLbl>
-  <dgm:styleLbl name="trAlignAcc1">
-    <dgm:fillClrLst meth="repeat">
-      <a:schemeClr val="lt1">
-        <a:alpha val="40000"/>
-      </a:schemeClr>
-    </dgm:fillClrLst>
-    <dgm:linClrLst meth="repeat">
-      <a:schemeClr val="accent2"/>
-    </dgm:linClrLst>
-    <dgm:effectClrLst/>
-    <dgm:txLinClrLst/>
-    <dgm:txFillClrLst meth="repeat">
-      <a:schemeClr val="dk1"/>
-    </dgm:txFillClrLst>
-    <dgm:txEffectClrLst/>
-  </dgm:styleLbl>
-  <dgm:styleLbl name="bgAcc1">
-    <dgm:fillClrLst meth="repeat">
-      <a:schemeClr val="lt1">
-        <a:alpha val="90000"/>
-      </a:schemeClr>
-    </dgm:fillClrLst>
-    <dgm:linClrLst>
-      <a:schemeClr val="accent2"/>
-      <a:schemeClr val="accent3"/>
-    </dgm:linClrLst>
-    <dgm:effectClrLst/>
-    <dgm:txLinClrLst/>
-    <dgm:txFillClrLst meth="repeat">
-      <a:schemeClr val="dk1"/>
-    </dgm:txFillClrLst>
-    <dgm:txEffectClrLst/>
-  </dgm:styleLbl>
-  <dgm:styleLbl name="solidFgAcc1">
-    <dgm:fillClrLst meth="repeat">
-      <a:schemeClr val="lt1"/>
-    </dgm:fillClrLst>
-    <dgm:linClrLst>
-      <a:schemeClr val="accent2"/>
-      <a:schemeClr val="accent3"/>
-    </dgm:linClrLst>
-    <dgm:effectClrLst/>
-    <dgm:txLinClrLst/>
-    <dgm:txFillClrLst meth="repeat">
-      <a:schemeClr val="dk1"/>
-    </dgm:txFillClrLst>
-    <dgm:txEffectClrLst/>
-  </dgm:styleLbl>
-  <dgm:styleLbl name="solidAlignAcc1">
-    <dgm:fillClrLst meth="repeat">
-      <a:schemeClr val="lt1"/>
-    </dgm:fillClrLst>
-    <dgm:linClrLst>
-      <a:schemeClr val="accent2"/>
-      <a:schemeClr val="accent3"/>
-    </dgm:linClrLst>
-    <dgm:effectClrLst/>
-    <dgm:txLinClrLst/>
-    <dgm:txFillClrLst meth="repeat">
-      <a:schemeClr val="dk1"/>
-    </dgm:txFillClrLst>
-    <dgm:txEffectClrLst/>
-  </dgm:styleLbl>
-  <dgm:styleLbl name="solidBgAcc1">
-    <dgm:fillClrLst meth="repeat">
-      <a:schemeClr val="lt1"/>
-    </dgm:fillClrLst>
-    <dgm:linClrLst>
-      <a:schemeClr val="accent2"/>
-      <a:schemeClr val="accent3"/>
-    </dgm:linClrLst>
-    <dgm:effectClrLst/>
-    <dgm:txLinClrLst/>
-    <dgm:txFillClrLst meth="repeat">
-      <a:schemeClr val="dk1"/>
-    </dgm:txFillClrLst>
-    <dgm:txEffectClrLst/>
-  </dgm:styleLbl>
-  <dgm:styleLbl name="fgAccFollowNode1">
-    <dgm:fillClrLst>
-      <a:schemeClr val="accent2">
-        <a:tint val="40000"/>
-        <a:alpha val="90000"/>
-      </a:schemeClr>
-      <a:schemeClr val="accent3">
-        <a:tint val="40000"/>
-        <a:alpha val="90000"/>
-      </a:schemeClr>
-    </dgm:fillClrLst>
-    <dgm:linClrLst>
-      <a:schemeClr val="accent2">
-        <a:tint val="40000"/>
-        <a:alpha val="90000"/>
-      </a:schemeClr>
-      <a:schemeClr val="accent3">
-        <a:tint val="40000"/>
-        <a:alpha val="90000"/>
-      </a:schemeClr>
-    </dgm:linClrLst>
-    <dgm:effectClrLst/>
-    <dgm:txLinClrLst/>
-    <dgm:txFillClrLst meth="repeat">
-      <a:schemeClr val="dk1"/>
-    </dgm:txFillClrLst>
-    <dgm:txEffectClrLst/>
-  </dgm:styleLbl>
-  <dgm:styleLbl name="alignAccFollowNode1">
-    <dgm:fillClrLst>
-      <a:schemeClr val="accent2">
-        <a:tint val="40000"/>
-        <a:alpha val="90000"/>
-      </a:schemeClr>
-      <a:schemeClr val="accent3">
-        <a:tint val="40000"/>
-        <a:alpha val="90000"/>
-      </a:schemeClr>
-    </dgm:fillClrLst>
-    <dgm:linClrLst>
-      <a:schemeClr val="accent2">
-        <a:tint val="40000"/>
-        <a:alpha val="90000"/>
-      </a:schemeClr>
-      <a:schemeClr val="accent3">
-        <a:tint val="40000"/>
-        <a:alpha val="90000"/>
-      </a:schemeClr>
-    </dgm:linClrLst>
-    <dgm:effectClrLst/>
-    <dgm:txLinClrLst/>
-    <dgm:txFillClrLst meth="repeat">
-      <a:schemeClr val="dk1"/>
-    </dgm:txFillClrLst>
-    <dgm:txEffectClrLst/>
-  </dgm:styleLbl>
-  <dgm:styleLbl name="bgAccFollowNode1">
-    <dgm:fillClrLst>
-      <a:schemeClr val="accent2">
-        <a:tint val="40000"/>
-        <a:alpha val="90000"/>
-      </a:schemeClr>
-      <a:schemeClr val="accent3">
-        <a:tint val="40000"/>
-        <a:alpha val="90000"/>
-      </a:schemeClr>
-    </dgm:fillClrLst>
-    <dgm:linClrLst>
-      <a:schemeClr val="accent2">
-        <a:tint val="40000"/>
-        <a:alpha val="90000"/>
-      </a:schemeClr>
-      <a:schemeClr val="accent3">
-        <a:tint val="40000"/>
-        <a:alpha val="90000"/>
-      </a:schemeClr>
-    </dgm:linClrLst>
-    <dgm:effectClrLst/>
-    <dgm:txLinClrLst/>
-    <dgm:txFillClrLst meth="repeat">
-      <a:schemeClr val="dk1"/>
-    </dgm:txFillClrLst>
-    <dgm:txEffectClrLst/>
-  </dgm:styleLbl>
-  <dgm:styleLbl name="fgAcc0">
-    <dgm:fillClrLst meth="repeat">
-      <a:schemeClr val="lt1">
-        <a:alpha val="90000"/>
-      </a:schemeClr>
-    </dgm:fillClrLst>
-    <dgm:linClrLst>
-      <a:schemeClr val="accent1"/>
-    </dgm:linClrLst>
-    <dgm:effectClrLst/>
-    <dgm:txLinClrLst/>
-    <dgm:txFillClrLst meth="repeat">
-      <a:schemeClr val="dk1"/>
-    </dgm:txFillClrLst>
-    <dgm:txEffectClrLst/>
-  </dgm:styleLbl>
-  <dgm:styleLbl name="fgAcc2">
-    <dgm:fillClrLst meth="repeat">
-      <a:schemeClr val="lt1">
-        <a:alpha val="90000"/>
-      </a:schemeClr>
-    </dgm:fillClrLst>
-    <dgm:linClrLst>
-      <a:schemeClr val="accent3"/>
-    </dgm:linClrLst>
-    <dgm:effectClrLst/>
-    <dgm:txLinClrLst/>
-    <dgm:txFillClrLst meth="repeat">
-      <a:schemeClr val="dk1"/>
-    </dgm:txFillClrLst>
-    <dgm:txEffectClrLst/>
-  </dgm:styleLbl>
-  <dgm:styleLbl name="fgAcc3">
-    <dgm:fillClrLst meth="repeat">
-      <a:schemeClr val="lt1">
-        <a:alpha val="90000"/>
-      </a:schemeClr>
-    </dgm:fillClrLst>
-    <dgm:linClrLst>
-      <a:schemeClr val="accent4"/>
-    </dgm:linClrLst>
-    <dgm:effectClrLst/>
-    <dgm:txLinClrLst/>
-    <dgm:txFillClrLst meth="repeat">
-      <a:schemeClr val="dk1"/>
-    </dgm:txFillClrLst>
-    <dgm:txEffectClrLst/>
-  </dgm:styleLbl>
-  <dgm:styleLbl name="fgAcc4">
-    <dgm:fillClrLst meth="repeat">
-      <a:schemeClr val="lt1">
-        <a:alpha val="90000"/>
-      </a:schemeClr>
-    </dgm:fillClrLst>
-    <dgm:linClrLst>
-      <a:schemeClr val="accent5"/>
-    </dgm:linClrLst>
-    <dgm:effectClrLst/>
-    <dgm:txLinClrLst/>
-    <dgm:txFillClrLst meth="repeat">
-      <a:schemeClr val="dk1"/>
-    </dgm:txFillClrLst>
-    <dgm:txEffectClrLst/>
-  </dgm:styleLbl>
-  <dgm:styleLbl name="bgShp">
-    <dgm:fillClrLst meth="repeat">
-      <a:schemeClr val="accent2">
-        <a:tint val="40000"/>
-      </a:schemeClr>
-    </dgm:fillClrLst>
-    <dgm:linClrLst meth="repeat">
-      <a:schemeClr val="dk1"/>
-    </dgm:linClrLst>
-    <dgm:effectClrLst/>
-    <dgm:txLinClrLst/>
-    <dgm:txFillClrLst meth="repeat">
-      <a:schemeClr val="dk1"/>
-    </dgm:txFillClrLst>
-    <dgm:txEffectClrLst/>
-  </dgm:styleLbl>
-  <dgm:styleLbl name="dkBgShp">
-    <dgm:fillClrLst meth="repeat">
-      <a:schemeClr val="accent2">
-        <a:shade val="90000"/>
-      </a:schemeClr>
-    </dgm:fillClrLst>
-    <dgm:linClrLst meth="repeat">
-      <a:schemeClr val="dk1"/>
-    </dgm:linClrLst>
-    <dgm:effectClrLst/>
-    <dgm:txLinClrLst/>
-    <dgm:txFillClrLst meth="repeat">
-      <a:schemeClr val="lt1"/>
-    </dgm:txFillClrLst>
-    <dgm:txEffectClrLst/>
-  </dgm:styleLbl>
-  <dgm:styleLbl name="trBgShp">
-    <dgm:fillClrLst meth="repeat">
-      <a:schemeClr val="accent2">
-        <a:tint val="50000"/>
-        <a:alpha val="40000"/>
-      </a:schemeClr>
-    </dgm:fillClrLst>
-    <dgm:linClrLst meth="repeat">
-      <a:schemeClr val="accent2"/>
-    </dgm:linClrLst>
-    <dgm:effectClrLst/>
-    <dgm:txLinClrLst/>
-    <dgm:txFillClrLst meth="repeat">
-      <a:schemeClr val="lt1"/>
-    </dgm:txFillClrLst>
-    <dgm:txEffectClrLst/>
-  </dgm:styleLbl>
-  <dgm:styleLbl name="fgShp">
-    <dgm:fillClrLst meth="repeat">
-      <a:schemeClr val="accent2">
-        <a:tint val="40000"/>
-      </a:schemeClr>
-    </dgm:fillClrLst>
-    <dgm:linClrLst meth="repeat">
-      <a:schemeClr val="lt1"/>
-    </dgm:linClrLst>
-    <dgm:effectClrLst/>
-    <dgm:txLinClrLst/>
-    <dgm:txFillClrLst meth="repeat">
-      <a:schemeClr val="dk1"/>
-    </dgm:txFillClrLst>
-    <dgm:txEffectClrLst/>
-  </dgm:styleLbl>
-  <dgm:styleLbl name="revTx">
-    <dgm:fillClrLst meth="repeat">
-      <a:schemeClr val="lt1">
-        <a:alpha val="0"/>
-      </a:schemeClr>
-    </dgm:fillClrLst>
-    <dgm:linClrLst meth="repeat">
-      <a:schemeClr val="dk1">
-        <a:alpha val="0"/>
-      </a:schemeClr>
-    </dgm:linClrLst>
-    <dgm:effectClrLst/>
-    <dgm:txLinClrLst/>
-    <dgm:txFillClrLst meth="repeat">
-      <a:schemeClr val="tx1"/>
-    </dgm:txFillClrLst>
-    <dgm:txEffectClrLst/>
-  </dgm:styleLbl>
-</dgm:colorsDef>
-</file>
-
-<file path=ppt/diagrams/data1.xml><?xml version="1.0" encoding="utf-8"?>
-<dgm:dataModel xmlns:dgm="http://schemas.openxmlformats.org/drawingml/2006/diagram" xmlns:a="http://schemas.openxmlformats.org/drawingml/2006/main">
-  <dgm:ptLst>
-    <dgm:pt modelId="{3F442EA2-39BA-4C9A-AD59-755D4917D532}" type="doc">
-      <dgm:prSet loTypeId="urn:microsoft.com/office/officeart/2005/8/layout/target1" loCatId="relationship" qsTypeId="urn:microsoft.com/office/officeart/2005/8/quickstyle/simple4" qsCatId="simple" csTypeId="urn:microsoft.com/office/officeart/2005/8/colors/colorful2" csCatId="colorful" phldr="1"/>
-      <dgm:spPr/>
-      <dgm:t>
-        <a:bodyPr/>
-        <a:lstStyle/>
-        <a:p>
-          <a:endParaRPr lang="en-US"/>
-        </a:p>
-      </dgm:t>
-    </dgm:pt>
-    <dgm:pt modelId="{4DF9FE7B-F642-4898-A360-D4E3814E1A3D}">
-      <dgm:prSet phldrT="[Text]"/>
-      <dgm:spPr/>
-      <dgm:t>
-        <a:bodyPr/>
-        <a:lstStyle/>
-        <a:p>
-          <a:r>
-            <a:rPr lang="en-US" dirty="0" smtClean="0"/>
-            <a:t>Replace</a:t>
-          </a:r>
-          <a:endParaRPr lang="en-US" dirty="0"/>
-        </a:p>
-      </dgm:t>
-    </dgm:pt>
-    <dgm:pt modelId="{1C10F06D-860A-4604-A7AD-02E614FE3976}" type="parTrans" cxnId="{EBD8BE8D-6018-43E2-B081-034BB5656EB6}">
-      <dgm:prSet/>
-      <dgm:spPr/>
-      <dgm:t>
-        <a:bodyPr/>
-        <a:lstStyle/>
-        <a:p>
-          <a:endParaRPr lang="en-US"/>
-        </a:p>
-      </dgm:t>
-    </dgm:pt>
-    <dgm:pt modelId="{43C18EFF-81FC-4D70-8C6B-E95FF3730413}" type="sibTrans" cxnId="{EBD8BE8D-6018-43E2-B081-034BB5656EB6}">
-      <dgm:prSet/>
-      <dgm:spPr/>
-      <dgm:t>
-        <a:bodyPr/>
-        <a:lstStyle/>
-        <a:p>
-          <a:endParaRPr lang="en-US"/>
-        </a:p>
-      </dgm:t>
-    </dgm:pt>
-    <dgm:pt modelId="{3929B1E1-4BC4-4C73-ABE8-27CEF96A3652}">
-      <dgm:prSet phldrT="[Text]"/>
-      <dgm:spPr/>
-      <dgm:t>
-        <a:bodyPr/>
-        <a:lstStyle/>
-        <a:p>
-          <a:r>
-            <a:rPr lang="en-US" dirty="0" smtClean="0"/>
-            <a:t>With </a:t>
-          </a:r>
-          <a:endParaRPr lang="en-US" dirty="0"/>
-        </a:p>
-      </dgm:t>
-    </dgm:pt>
-    <dgm:pt modelId="{F356CC76-9117-4B79-A270-BBBAFD3E9C79}" type="parTrans" cxnId="{1339090C-9A95-4C05-841C-FA3AF987601B}">
-      <dgm:prSet/>
-      <dgm:spPr/>
-      <dgm:t>
-        <a:bodyPr/>
-        <a:lstStyle/>
-        <a:p>
-          <a:endParaRPr lang="en-US"/>
-        </a:p>
-      </dgm:t>
-    </dgm:pt>
-    <dgm:pt modelId="{19BA0C22-38BB-4E9F-89D5-0FF5FF9F12CE}" type="sibTrans" cxnId="{1339090C-9A95-4C05-841C-FA3AF987601B}">
-      <dgm:prSet/>
-      <dgm:spPr/>
-      <dgm:t>
-        <a:bodyPr/>
-        <a:lstStyle/>
-        <a:p>
-          <a:endParaRPr lang="en-US"/>
-        </a:p>
-      </dgm:t>
-    </dgm:pt>
-    <dgm:pt modelId="{60CDF8D0-D4FC-4467-A51E-79C5A58B0B2C}">
-      <dgm:prSet phldrT="[Text]"/>
-      <dgm:spPr/>
-      <dgm:t>
-        <a:bodyPr/>
-        <a:lstStyle/>
-        <a:p>
-          <a:r>
-            <a:rPr lang="en-US" dirty="0" smtClean="0"/>
-            <a:t>Clusters</a:t>
-          </a:r>
-          <a:endParaRPr lang="en-US" dirty="0"/>
-        </a:p>
-      </dgm:t>
-    </dgm:pt>
-    <dgm:pt modelId="{E12A269F-AB82-486A-9077-80F2BBBE48C2}" type="parTrans" cxnId="{2BA65DEC-E719-4ED3-8135-48349D42DD04}">
-      <dgm:prSet/>
-      <dgm:spPr/>
-      <dgm:t>
-        <a:bodyPr/>
-        <a:lstStyle/>
-        <a:p>
-          <a:endParaRPr lang="en-US"/>
-        </a:p>
-      </dgm:t>
-    </dgm:pt>
-    <dgm:pt modelId="{3F7FD59D-A716-4310-A89A-AB6F740D9FFF}" type="sibTrans" cxnId="{2BA65DEC-E719-4ED3-8135-48349D42DD04}">
-      <dgm:prSet/>
-      <dgm:spPr/>
-      <dgm:t>
-        <a:bodyPr/>
-        <a:lstStyle/>
-        <a:p>
-          <a:endParaRPr lang="en-US"/>
-        </a:p>
-      </dgm:t>
-    </dgm:pt>
-    <dgm:pt modelId="{AA67F66C-F4E3-4AE3-9C55-A9DF49CFA6B2}" type="pres">
-      <dgm:prSet presAssocID="{3F442EA2-39BA-4C9A-AD59-755D4917D532}" presName="composite" presStyleCnt="0">
-        <dgm:presLayoutVars>
-          <dgm:chMax val="5"/>
-          <dgm:dir/>
-          <dgm:resizeHandles val="exact"/>
-        </dgm:presLayoutVars>
-      </dgm:prSet>
-      <dgm:spPr/>
-      <dgm:t>
-        <a:bodyPr/>
-        <a:lstStyle/>
-        <a:p>
-          <a:endParaRPr lang="en-US"/>
-        </a:p>
-      </dgm:t>
-    </dgm:pt>
-    <dgm:pt modelId="{CBC7FCC3-4508-4A2C-A699-80B56AC4DB56}" type="pres">
-      <dgm:prSet presAssocID="{4DF9FE7B-F642-4898-A360-D4E3814E1A3D}" presName="circle1" presStyleLbl="lnNode1" presStyleIdx="0" presStyleCnt="3"/>
-      <dgm:spPr/>
-      <dgm:t>
-        <a:bodyPr/>
-        <a:lstStyle/>
-        <a:p>
-          <a:endParaRPr lang="en-US"/>
-        </a:p>
-      </dgm:t>
-    </dgm:pt>
-    <dgm:pt modelId="{721C4484-2C4E-47CE-9E3D-C44F02A7E166}" type="pres">
-      <dgm:prSet presAssocID="{4DF9FE7B-F642-4898-A360-D4E3814E1A3D}" presName="text1" presStyleLbl="revTx" presStyleIdx="0" presStyleCnt="3">
-        <dgm:presLayoutVars>
-          <dgm:bulletEnabled val="1"/>
-        </dgm:presLayoutVars>
-      </dgm:prSet>
-      <dgm:spPr/>
-      <dgm:t>
-        <a:bodyPr/>
-        <a:lstStyle/>
-        <a:p>
-          <a:endParaRPr lang="en-US"/>
-        </a:p>
-      </dgm:t>
-    </dgm:pt>
-    <dgm:pt modelId="{BD57CE74-1890-43D3-8AF8-CC63CCCAD27B}" type="pres">
-      <dgm:prSet presAssocID="{4DF9FE7B-F642-4898-A360-D4E3814E1A3D}" presName="line1" presStyleLbl="callout" presStyleIdx="0" presStyleCnt="6"/>
-      <dgm:spPr/>
-      <dgm:t>
-        <a:bodyPr/>
-        <a:lstStyle/>
-        <a:p>
-          <a:endParaRPr lang="en-US"/>
-        </a:p>
-      </dgm:t>
-    </dgm:pt>
-    <dgm:pt modelId="{47E073D5-28F9-48F7-9EE3-CD1ABC58D94E}" type="pres">
-      <dgm:prSet presAssocID="{4DF9FE7B-F642-4898-A360-D4E3814E1A3D}" presName="d1" presStyleLbl="callout" presStyleIdx="1" presStyleCnt="6"/>
-      <dgm:spPr/>
-      <dgm:t>
-        <a:bodyPr/>
-        <a:lstStyle/>
-        <a:p>
-          <a:endParaRPr lang="en-US"/>
-        </a:p>
-      </dgm:t>
-    </dgm:pt>
-    <dgm:pt modelId="{B736C755-26C8-4FEA-91D7-F8104FF77E82}" type="pres">
-      <dgm:prSet presAssocID="{3929B1E1-4BC4-4C73-ABE8-27CEF96A3652}" presName="circle2" presStyleLbl="lnNode1" presStyleIdx="1" presStyleCnt="3"/>
-      <dgm:spPr/>
-      <dgm:t>
-        <a:bodyPr/>
-        <a:lstStyle/>
-        <a:p>
-          <a:endParaRPr lang="en-US"/>
-        </a:p>
-      </dgm:t>
-    </dgm:pt>
-    <dgm:pt modelId="{CEA4BEA9-01EB-4151-A2FD-98FDADE4D4C5}" type="pres">
-      <dgm:prSet presAssocID="{3929B1E1-4BC4-4C73-ABE8-27CEF96A3652}" presName="text2" presStyleLbl="revTx" presStyleIdx="1" presStyleCnt="3">
-        <dgm:presLayoutVars>
-          <dgm:bulletEnabled val="1"/>
-        </dgm:presLayoutVars>
-      </dgm:prSet>
-      <dgm:spPr/>
-      <dgm:t>
-        <a:bodyPr/>
-        <a:lstStyle/>
-        <a:p>
-          <a:endParaRPr lang="en-US"/>
-        </a:p>
-      </dgm:t>
-    </dgm:pt>
-    <dgm:pt modelId="{ED3D34C2-9BDC-4865-B076-019F361ABD54}" type="pres">
-      <dgm:prSet presAssocID="{3929B1E1-4BC4-4C73-ABE8-27CEF96A3652}" presName="line2" presStyleLbl="callout" presStyleIdx="2" presStyleCnt="6"/>
-      <dgm:spPr/>
-      <dgm:t>
-        <a:bodyPr/>
-        <a:lstStyle/>
-        <a:p>
-          <a:endParaRPr lang="en-US"/>
-        </a:p>
-      </dgm:t>
-    </dgm:pt>
-    <dgm:pt modelId="{6EAB163B-9BDD-4B30-AF27-57BCEF47A7CE}" type="pres">
-      <dgm:prSet presAssocID="{3929B1E1-4BC4-4C73-ABE8-27CEF96A3652}" presName="d2" presStyleLbl="callout" presStyleIdx="3" presStyleCnt="6"/>
-      <dgm:spPr/>
-      <dgm:t>
-        <a:bodyPr/>
-        <a:lstStyle/>
-        <a:p>
-          <a:endParaRPr lang="en-US"/>
-        </a:p>
-      </dgm:t>
-    </dgm:pt>
-    <dgm:pt modelId="{62624312-B6AB-4491-B341-2BB3F078D684}" type="pres">
-      <dgm:prSet presAssocID="{60CDF8D0-D4FC-4467-A51E-79C5A58B0B2C}" presName="circle3" presStyleLbl="lnNode1" presStyleIdx="2" presStyleCnt="3"/>
-      <dgm:spPr/>
-      <dgm:t>
-        <a:bodyPr/>
-        <a:lstStyle/>
-        <a:p>
-          <a:endParaRPr lang="en-US"/>
-        </a:p>
-      </dgm:t>
-    </dgm:pt>
-    <dgm:pt modelId="{F4B3DB09-8D8A-4833-A3A0-C8C2FB6EE995}" type="pres">
-      <dgm:prSet presAssocID="{60CDF8D0-D4FC-4467-A51E-79C5A58B0B2C}" presName="text3" presStyleLbl="revTx" presStyleIdx="2" presStyleCnt="3">
-        <dgm:presLayoutVars>
-          <dgm:bulletEnabled val="1"/>
-        </dgm:presLayoutVars>
-      </dgm:prSet>
-      <dgm:spPr/>
-      <dgm:t>
-        <a:bodyPr/>
-        <a:lstStyle/>
-        <a:p>
-          <a:endParaRPr lang="en-US"/>
-        </a:p>
-      </dgm:t>
-    </dgm:pt>
-    <dgm:pt modelId="{A0324D28-E700-487E-A5A5-E2FB1D5914A7}" type="pres">
-      <dgm:prSet presAssocID="{60CDF8D0-D4FC-4467-A51E-79C5A58B0B2C}" presName="line3" presStyleLbl="callout" presStyleIdx="4" presStyleCnt="6"/>
-      <dgm:spPr/>
-      <dgm:t>
-        <a:bodyPr/>
-        <a:lstStyle/>
-        <a:p>
-          <a:endParaRPr lang="en-US"/>
-        </a:p>
-      </dgm:t>
-    </dgm:pt>
-    <dgm:pt modelId="{822C1557-A7EF-4D85-AEDD-F484CC850E49}" type="pres">
-      <dgm:prSet presAssocID="{60CDF8D0-D4FC-4467-A51E-79C5A58B0B2C}" presName="d3" presStyleLbl="callout" presStyleIdx="5" presStyleCnt="6"/>
-      <dgm:spPr/>
-      <dgm:t>
-        <a:bodyPr/>
-        <a:lstStyle/>
-        <a:p>
-          <a:endParaRPr lang="en-US"/>
-        </a:p>
-      </dgm:t>
-    </dgm:pt>
-  </dgm:ptLst>
-  <dgm:cxnLst>
-    <dgm:cxn modelId="{5A70FA4A-195D-4B31-AA86-3DC5D1C2EC98}" type="presOf" srcId="{60CDF8D0-D4FC-4467-A51E-79C5A58B0B2C}" destId="{F4B3DB09-8D8A-4833-A3A0-C8C2FB6EE995}" srcOrd="0" destOrd="0" presId="urn:microsoft.com/office/officeart/2005/8/layout/target1"/>
-    <dgm:cxn modelId="{1339090C-9A95-4C05-841C-FA3AF987601B}" srcId="{3F442EA2-39BA-4C9A-AD59-755D4917D532}" destId="{3929B1E1-4BC4-4C73-ABE8-27CEF96A3652}" srcOrd="1" destOrd="0" parTransId="{F356CC76-9117-4B79-A270-BBBAFD3E9C79}" sibTransId="{19BA0C22-38BB-4E9F-89D5-0FF5FF9F12CE}"/>
-    <dgm:cxn modelId="{7A4B474F-94DE-4C9D-BBC3-D696C78BEEF1}" type="presOf" srcId="{3929B1E1-4BC4-4C73-ABE8-27CEF96A3652}" destId="{CEA4BEA9-01EB-4151-A2FD-98FDADE4D4C5}" srcOrd="0" destOrd="0" presId="urn:microsoft.com/office/officeart/2005/8/layout/target1"/>
-    <dgm:cxn modelId="{7540B0A9-79C0-422C-9A30-1FFC79A03107}" type="presOf" srcId="{3F442EA2-39BA-4C9A-AD59-755D4917D532}" destId="{AA67F66C-F4E3-4AE3-9C55-A9DF49CFA6B2}" srcOrd="0" destOrd="0" presId="urn:microsoft.com/office/officeart/2005/8/layout/target1"/>
-    <dgm:cxn modelId="{EBD8BE8D-6018-43E2-B081-034BB5656EB6}" srcId="{3F442EA2-39BA-4C9A-AD59-755D4917D532}" destId="{4DF9FE7B-F642-4898-A360-D4E3814E1A3D}" srcOrd="0" destOrd="0" parTransId="{1C10F06D-860A-4604-A7AD-02E614FE3976}" sibTransId="{43C18EFF-81FC-4D70-8C6B-E95FF3730413}"/>
-    <dgm:cxn modelId="{21A6251B-C0F9-4719-8ECF-31915EFD814C}" type="presOf" srcId="{4DF9FE7B-F642-4898-A360-D4E3814E1A3D}" destId="{721C4484-2C4E-47CE-9E3D-C44F02A7E166}" srcOrd="0" destOrd="0" presId="urn:microsoft.com/office/officeart/2005/8/layout/target1"/>
-    <dgm:cxn modelId="{2BA65DEC-E719-4ED3-8135-48349D42DD04}" srcId="{3F442EA2-39BA-4C9A-AD59-755D4917D532}" destId="{60CDF8D0-D4FC-4467-A51E-79C5A58B0B2C}" srcOrd="2" destOrd="0" parTransId="{E12A269F-AB82-486A-9077-80F2BBBE48C2}" sibTransId="{3F7FD59D-A716-4310-A89A-AB6F740D9FFF}"/>
-    <dgm:cxn modelId="{6B8A0600-2F3C-4C1C-BB0C-35E13595CB36}" type="presParOf" srcId="{AA67F66C-F4E3-4AE3-9C55-A9DF49CFA6B2}" destId="{CBC7FCC3-4508-4A2C-A699-80B56AC4DB56}" srcOrd="0" destOrd="0" presId="urn:microsoft.com/office/officeart/2005/8/layout/target1"/>
-    <dgm:cxn modelId="{CD986D54-F397-4C00-B589-80D8AA5D9D7E}" type="presParOf" srcId="{AA67F66C-F4E3-4AE3-9C55-A9DF49CFA6B2}" destId="{721C4484-2C4E-47CE-9E3D-C44F02A7E166}" srcOrd="1" destOrd="0" presId="urn:microsoft.com/office/officeart/2005/8/layout/target1"/>
-    <dgm:cxn modelId="{310C3318-566D-4605-B45E-C9F096662669}" type="presParOf" srcId="{AA67F66C-F4E3-4AE3-9C55-A9DF49CFA6B2}" destId="{BD57CE74-1890-43D3-8AF8-CC63CCCAD27B}" srcOrd="2" destOrd="0" presId="urn:microsoft.com/office/officeart/2005/8/layout/target1"/>
-    <dgm:cxn modelId="{E7FD8EA0-A4C2-4C81-9E17-2C0723092A0D}" type="presParOf" srcId="{AA67F66C-F4E3-4AE3-9C55-A9DF49CFA6B2}" destId="{47E073D5-28F9-48F7-9EE3-CD1ABC58D94E}" srcOrd="3" destOrd="0" presId="urn:microsoft.com/office/officeart/2005/8/layout/target1"/>
-    <dgm:cxn modelId="{FB3B2AFE-BD25-46C2-8C5E-1C20603FF4D3}" type="presParOf" srcId="{AA67F66C-F4E3-4AE3-9C55-A9DF49CFA6B2}" destId="{B736C755-26C8-4FEA-91D7-F8104FF77E82}" srcOrd="4" destOrd="0" presId="urn:microsoft.com/office/officeart/2005/8/layout/target1"/>
-    <dgm:cxn modelId="{A386DEDE-2E7A-4C9B-9576-C13AA320E81B}" type="presParOf" srcId="{AA67F66C-F4E3-4AE3-9C55-A9DF49CFA6B2}" destId="{CEA4BEA9-01EB-4151-A2FD-98FDADE4D4C5}" srcOrd="5" destOrd="0" presId="urn:microsoft.com/office/officeart/2005/8/layout/target1"/>
-    <dgm:cxn modelId="{53EC1AED-3FAE-42A4-BE82-3ECC9A7A79CF}" type="presParOf" srcId="{AA67F66C-F4E3-4AE3-9C55-A9DF49CFA6B2}" destId="{ED3D34C2-9BDC-4865-B076-019F361ABD54}" srcOrd="6" destOrd="0" presId="urn:microsoft.com/office/officeart/2005/8/layout/target1"/>
-    <dgm:cxn modelId="{CB12964F-A01A-4221-AB86-1CAE99A1765B}" type="presParOf" srcId="{AA67F66C-F4E3-4AE3-9C55-A9DF49CFA6B2}" destId="{6EAB163B-9BDD-4B30-AF27-57BCEF47A7CE}" srcOrd="7" destOrd="0" presId="urn:microsoft.com/office/officeart/2005/8/layout/target1"/>
-    <dgm:cxn modelId="{F347D77B-7F1F-4238-B49A-011DDC75B3CA}" type="presParOf" srcId="{AA67F66C-F4E3-4AE3-9C55-A9DF49CFA6B2}" destId="{62624312-B6AB-4491-B341-2BB3F078D684}" srcOrd="8" destOrd="0" presId="urn:microsoft.com/office/officeart/2005/8/layout/target1"/>
-    <dgm:cxn modelId="{12BC6203-E603-464F-87A0-3436395E77CA}" type="presParOf" srcId="{AA67F66C-F4E3-4AE3-9C55-A9DF49CFA6B2}" destId="{F4B3DB09-8D8A-4833-A3A0-C8C2FB6EE995}" srcOrd="9" destOrd="0" presId="urn:microsoft.com/office/officeart/2005/8/layout/target1"/>
-    <dgm:cxn modelId="{8CC0E9D2-8B9C-4FDD-BE56-8191C6630AC1}" type="presParOf" srcId="{AA67F66C-F4E3-4AE3-9C55-A9DF49CFA6B2}" destId="{A0324D28-E700-487E-A5A5-E2FB1D5914A7}" srcOrd="10" destOrd="0" presId="urn:microsoft.com/office/officeart/2005/8/layout/target1"/>
-    <dgm:cxn modelId="{F88FD1D1-8324-4685-ABE8-1B294BBEA0EB}" type="presParOf" srcId="{AA67F66C-F4E3-4AE3-9C55-A9DF49CFA6B2}" destId="{822C1557-A7EF-4D85-AEDD-F484CC850E49}" srcOrd="11" destOrd="0" presId="urn:microsoft.com/office/officeart/2005/8/layout/target1"/>
-  </dgm:cxnLst>
-  <dgm:bg/>
-  <dgm:whole/>
-  <dgm:extLst>
-    <a:ext uri="http://schemas.microsoft.com/office/drawing/2008/diagram">
-      <dsp:dataModelExt xmlns:dsp="http://schemas.microsoft.com/office/drawing/2008/diagram" relId="rId7" minVer="http://schemas.openxmlformats.org/drawingml/2006/diagram"/>
-    </a:ext>
-  </dgm:extLst>
-</dgm:dataModel>
-</file>
-
-<file path=ppt/diagrams/drawing1.xml><?xml version="1.0" encoding="utf-8"?>
-<dsp:drawing xmlns:dgm="http://schemas.openxmlformats.org/drawingml/2006/diagram" xmlns:dsp="http://schemas.microsoft.com/office/drawing/2008/diagram" xmlns:a="http://schemas.openxmlformats.org/drawingml/2006/main">
-  <dsp:spTree>
-    <dsp:nvGrpSpPr>
-      <dsp:cNvPr id="0" name=""/>
-      <dsp:cNvGrpSpPr/>
-    </dsp:nvGrpSpPr>
-    <dsp:grpSpPr/>
-    <dsp:sp modelId="{62624312-B6AB-4491-B341-2BB3F078D684}">
-      <dsp:nvSpPr>
-        <dsp:cNvPr id="0" name=""/>
-        <dsp:cNvSpPr/>
-      </dsp:nvSpPr>
-      <dsp:spPr>
-        <a:xfrm>
-          <a:off x="0" y="1224756"/>
-          <a:ext cx="2852737" cy="2852737"/>
-        </a:xfrm>
-        <a:prstGeom prst="ellipse">
-          <a:avLst/>
-        </a:prstGeom>
-        <a:gradFill rotWithShape="0">
-          <a:gsLst>
-            <a:gs pos="0">
-              <a:schemeClr val="accent2">
-                <a:hueOff val="-1455363"/>
-                <a:satOff val="-83928"/>
-                <a:lumOff val="8628"/>
-                <a:alphaOff val="0"/>
-                <a:tint val="60000"/>
-                <a:satMod val="160000"/>
-              </a:schemeClr>
-            </a:gs>
-            <a:gs pos="46000">
-              <a:schemeClr val="accent2">
-                <a:hueOff val="-1455363"/>
-                <a:satOff val="-83928"/>
-                <a:lumOff val="8628"/>
-                <a:alphaOff val="0"/>
-                <a:tint val="86000"/>
-                <a:satMod val="160000"/>
-              </a:schemeClr>
-            </a:gs>
-            <a:gs pos="100000">
-              <a:schemeClr val="accent2">
-                <a:hueOff val="-1455363"/>
-                <a:satOff val="-83928"/>
-                <a:lumOff val="8628"/>
-                <a:alphaOff val="0"/>
-                <a:shade val="40000"/>
-                <a:satMod val="160000"/>
-              </a:schemeClr>
-            </a:gs>
-          </a:gsLst>
-          <a:path path="circle">
-            <a:fillToRect l="50000" t="155000" r="50000" b="-55000"/>
-          </a:path>
-        </a:gradFill>
-        <a:ln w="9525" cap="flat" cmpd="sng" algn="ctr">
-          <a:solidFill>
-            <a:schemeClr val="lt1">
-              <a:hueOff val="0"/>
-              <a:satOff val="0"/>
-              <a:lumOff val="0"/>
-              <a:alphaOff val="0"/>
-            </a:schemeClr>
-          </a:solidFill>
-          <a:prstDash val="solid"/>
-        </a:ln>
-        <a:effectLst>
-          <a:outerShdw blurRad="50800" dist="38100" dir="14700000" algn="t" rotWithShape="0">
-            <a:srgbClr val="000000">
-              <a:alpha val="60000"/>
-            </a:srgbClr>
-          </a:outerShdw>
-        </a:effectLst>
-      </dsp:spPr>
-      <dsp:style>
-        <a:lnRef idx="1">
-          <a:scrgbClr r="0" g="0" b="0"/>
-        </a:lnRef>
-        <a:fillRef idx="3">
-          <a:scrgbClr r="0" g="0" b="0"/>
-        </a:fillRef>
-        <a:effectRef idx="2">
-          <a:scrgbClr r="0" g="0" b="0"/>
-        </a:effectRef>
-        <a:fontRef idx="minor">
-          <a:schemeClr val="lt1"/>
-        </a:fontRef>
-      </dsp:style>
-    </dsp:sp>
-    <dsp:sp modelId="{B736C755-26C8-4FEA-91D7-F8104FF77E82}">
-      <dsp:nvSpPr>
-        <dsp:cNvPr id="0" name=""/>
-        <dsp:cNvSpPr/>
-      </dsp:nvSpPr>
-      <dsp:spPr>
-        <a:xfrm>
-          <a:off x="570547" y="1795304"/>
-          <a:ext cx="1711642" cy="1711642"/>
-        </a:xfrm>
-        <a:prstGeom prst="ellipse">
-          <a:avLst/>
-        </a:prstGeom>
-        <a:gradFill rotWithShape="0">
-          <a:gsLst>
-            <a:gs pos="0">
-              <a:schemeClr val="accent2">
-                <a:hueOff val="-727682"/>
-                <a:satOff val="-41964"/>
-                <a:lumOff val="4314"/>
-                <a:alphaOff val="0"/>
-                <a:tint val="60000"/>
-                <a:satMod val="160000"/>
-              </a:schemeClr>
-            </a:gs>
-            <a:gs pos="46000">
-              <a:schemeClr val="accent2">
-                <a:hueOff val="-727682"/>
-                <a:satOff val="-41964"/>
-                <a:lumOff val="4314"/>
-                <a:alphaOff val="0"/>
-                <a:tint val="86000"/>
-                <a:satMod val="160000"/>
-              </a:schemeClr>
-            </a:gs>
-            <a:gs pos="100000">
-              <a:schemeClr val="accent2">
-                <a:hueOff val="-727682"/>
-                <a:satOff val="-41964"/>
-                <a:lumOff val="4314"/>
-                <a:alphaOff val="0"/>
-                <a:shade val="40000"/>
-                <a:satMod val="160000"/>
-              </a:schemeClr>
-            </a:gs>
-          </a:gsLst>
-          <a:path path="circle">
-            <a:fillToRect l="50000" t="155000" r="50000" b="-55000"/>
-          </a:path>
-        </a:gradFill>
-        <a:ln w="9525" cap="flat" cmpd="sng" algn="ctr">
-          <a:solidFill>
-            <a:schemeClr val="lt1">
-              <a:hueOff val="0"/>
-              <a:satOff val="0"/>
-              <a:lumOff val="0"/>
-              <a:alphaOff val="0"/>
-            </a:schemeClr>
-          </a:solidFill>
-          <a:prstDash val="solid"/>
-        </a:ln>
-        <a:effectLst>
-          <a:outerShdw blurRad="50800" dist="38100" dir="14700000" algn="t" rotWithShape="0">
-            <a:srgbClr val="000000">
-              <a:alpha val="60000"/>
-            </a:srgbClr>
-          </a:outerShdw>
-        </a:effectLst>
-      </dsp:spPr>
-      <dsp:style>
-        <a:lnRef idx="1">
-          <a:scrgbClr r="0" g="0" b="0"/>
-        </a:lnRef>
-        <a:fillRef idx="3">
-          <a:scrgbClr r="0" g="0" b="0"/>
-        </a:fillRef>
-        <a:effectRef idx="2">
-          <a:scrgbClr r="0" g="0" b="0"/>
-        </a:effectRef>
-        <a:fontRef idx="minor">
-          <a:schemeClr val="lt1"/>
-        </a:fontRef>
-      </dsp:style>
-    </dsp:sp>
-    <dsp:sp modelId="{CBC7FCC3-4508-4A2C-A699-80B56AC4DB56}">
-      <dsp:nvSpPr>
-        <dsp:cNvPr id="0" name=""/>
-        <dsp:cNvSpPr/>
-      </dsp:nvSpPr>
-      <dsp:spPr>
-        <a:xfrm>
-          <a:off x="1141094" y="2365851"/>
-          <a:ext cx="570547" cy="570547"/>
-        </a:xfrm>
-        <a:prstGeom prst="ellipse">
-          <a:avLst/>
-        </a:prstGeom>
-        <a:gradFill rotWithShape="0">
-          <a:gsLst>
-            <a:gs pos="0">
-              <a:schemeClr val="accent2">
-                <a:hueOff val="0"/>
-                <a:satOff val="0"/>
-                <a:lumOff val="0"/>
-                <a:alphaOff val="0"/>
-                <a:tint val="60000"/>
-                <a:satMod val="160000"/>
-              </a:schemeClr>
-            </a:gs>
-            <a:gs pos="46000">
-              <a:schemeClr val="accent2">
-                <a:hueOff val="0"/>
-                <a:satOff val="0"/>
-                <a:lumOff val="0"/>
-                <a:alphaOff val="0"/>
-                <a:tint val="86000"/>
-                <a:satMod val="160000"/>
-              </a:schemeClr>
-            </a:gs>
-            <a:gs pos="100000">
-              <a:schemeClr val="accent2">
-                <a:hueOff val="0"/>
-                <a:satOff val="0"/>
-                <a:lumOff val="0"/>
-                <a:alphaOff val="0"/>
-                <a:shade val="40000"/>
-                <a:satMod val="160000"/>
-              </a:schemeClr>
-            </a:gs>
-          </a:gsLst>
-          <a:path path="circle">
-            <a:fillToRect l="50000" t="155000" r="50000" b="-55000"/>
-          </a:path>
-        </a:gradFill>
-        <a:ln w="9525" cap="flat" cmpd="sng" algn="ctr">
-          <a:solidFill>
-            <a:schemeClr val="lt1">
-              <a:hueOff val="0"/>
-              <a:satOff val="0"/>
-              <a:lumOff val="0"/>
-              <a:alphaOff val="0"/>
-            </a:schemeClr>
-          </a:solidFill>
-          <a:prstDash val="solid"/>
-        </a:ln>
-        <a:effectLst>
-          <a:outerShdw blurRad="50800" dist="38100" dir="14700000" algn="t" rotWithShape="0">
-            <a:srgbClr val="000000">
-              <a:alpha val="60000"/>
-            </a:srgbClr>
-          </a:outerShdw>
-        </a:effectLst>
-      </dsp:spPr>
-      <dsp:style>
-        <a:lnRef idx="1">
-          <a:scrgbClr r="0" g="0" b="0"/>
-        </a:lnRef>
-        <a:fillRef idx="3">
-          <a:scrgbClr r="0" g="0" b="0"/>
-        </a:fillRef>
-        <a:effectRef idx="2">
-          <a:scrgbClr r="0" g="0" b="0"/>
-        </a:effectRef>
-        <a:fontRef idx="minor">
-          <a:schemeClr val="lt1"/>
-        </a:fontRef>
-      </dsp:style>
-    </dsp:sp>
-    <dsp:sp modelId="{721C4484-2C4E-47CE-9E3D-C44F02A7E166}">
-      <dsp:nvSpPr>
-        <dsp:cNvPr id="0" name=""/>
-        <dsp:cNvSpPr/>
-      </dsp:nvSpPr>
-      <dsp:spPr>
-        <a:xfrm>
-          <a:off x="3328193" y="273844"/>
-          <a:ext cx="1426368" cy="832048"/>
-        </a:xfrm>
-        <a:prstGeom prst="rect">
-          <a:avLst/>
-        </a:prstGeom>
-        <a:noFill/>
-        <a:ln>
-          <a:noFill/>
-        </a:ln>
-        <a:effectLst/>
-      </dsp:spPr>
-      <dsp:style>
-        <a:lnRef idx="0">
-          <a:scrgbClr r="0" g="0" b="0"/>
-        </a:lnRef>
-        <a:fillRef idx="0">
-          <a:scrgbClr r="0" g="0" b="0"/>
-        </a:fillRef>
-        <a:effectRef idx="0">
-          <a:scrgbClr r="0" g="0" b="0"/>
-        </a:effectRef>
-        <a:fontRef idx="minor"/>
-      </dsp:style>
-      <dsp:txBody>
-        <a:bodyPr spcFirstLastPara="0" vert="horz" wrap="square" lIns="206248" tIns="36830" rIns="36830" bIns="36830" numCol="1" spcCol="1270" anchor="ctr" anchorCtr="0">
-          <a:noAutofit/>
-        </a:bodyPr>
-        <a:lstStyle/>
-        <a:p>
-          <a:pPr lvl="0" algn="l" defTabSz="1289050">
-            <a:lnSpc>
-              <a:spcPct val="90000"/>
-            </a:lnSpc>
-            <a:spcBef>
-              <a:spcPct val="0"/>
-            </a:spcBef>
-            <a:spcAft>
-              <a:spcPct val="35000"/>
-            </a:spcAft>
-          </a:pPr>
-          <a:r>
-            <a:rPr lang="en-US" sz="2900" kern="1200" dirty="0" smtClean="0"/>
-            <a:t>Replace</a:t>
-          </a:r>
-          <a:endParaRPr lang="en-US" sz="2900" kern="1200" dirty="0"/>
-        </a:p>
-      </dsp:txBody>
-      <dsp:txXfrm>
-        <a:off x="3328193" y="273844"/>
-        <a:ext cx="1426368" cy="832048"/>
-      </dsp:txXfrm>
-    </dsp:sp>
-    <dsp:sp modelId="{BD57CE74-1890-43D3-8AF8-CC63CCCAD27B}">
-      <dsp:nvSpPr>
-        <dsp:cNvPr id="0" name=""/>
-        <dsp:cNvSpPr/>
-      </dsp:nvSpPr>
-      <dsp:spPr>
-        <a:xfrm>
-          <a:off x="2971601" y="689868"/>
-          <a:ext cx="356592" cy="0"/>
-        </a:xfrm>
-        <a:prstGeom prst="line">
-          <a:avLst/>
-        </a:prstGeom>
-        <a:solidFill>
-          <a:schemeClr val="accent2">
-            <a:hueOff val="0"/>
-            <a:satOff val="0"/>
-            <a:lumOff val="0"/>
-            <a:alphaOff val="0"/>
-          </a:schemeClr>
-        </a:solidFill>
-        <a:ln w="12700" cap="flat" cmpd="sng" algn="ctr">
-          <a:solidFill>
-            <a:schemeClr val="accent2">
-              <a:tint val="50000"/>
-              <a:hueOff val="0"/>
-              <a:satOff val="0"/>
-              <a:lumOff val="0"/>
-              <a:alphaOff val="0"/>
-            </a:schemeClr>
-          </a:solidFill>
-          <a:prstDash val="solid"/>
-        </a:ln>
-        <a:effectLst>
-          <a:outerShdw blurRad="63500" dist="25400" dir="14700000" algn="t" rotWithShape="0">
-            <a:srgbClr val="000000">
-              <a:alpha val="50000"/>
-            </a:srgbClr>
-          </a:outerShdw>
-        </a:effectLst>
-      </dsp:spPr>
-      <dsp:style>
-        <a:lnRef idx="2">
-          <a:scrgbClr r="0" g="0" b="0"/>
-        </a:lnRef>
-        <a:fillRef idx="1">
-          <a:scrgbClr r="0" g="0" b="0"/>
-        </a:fillRef>
-        <a:effectRef idx="1">
-          <a:scrgbClr r="0" g="0" b="0"/>
-        </a:effectRef>
-        <a:fontRef idx="minor"/>
-      </dsp:style>
-    </dsp:sp>
-    <dsp:sp modelId="{47E073D5-28F9-48F7-9EE3-CD1ABC58D94E}">
-      <dsp:nvSpPr>
-        <dsp:cNvPr id="0" name=""/>
-        <dsp:cNvSpPr/>
-      </dsp:nvSpPr>
-      <dsp:spPr>
-        <a:xfrm rot="5400000">
-          <a:off x="1217881" y="898831"/>
-          <a:ext cx="1960781" cy="1543806"/>
-        </a:xfrm>
-        <a:prstGeom prst="line">
-          <a:avLst/>
-        </a:prstGeom>
-        <a:solidFill>
-          <a:schemeClr val="accent2">
-            <a:hueOff val="0"/>
-            <a:satOff val="0"/>
-            <a:lumOff val="0"/>
-            <a:alphaOff val="0"/>
-          </a:schemeClr>
-        </a:solidFill>
-        <a:ln w="12700" cap="flat" cmpd="sng" algn="ctr">
-          <a:solidFill>
-            <a:schemeClr val="accent2">
-              <a:tint val="50000"/>
-              <a:hueOff val="0"/>
-              <a:satOff val="0"/>
-              <a:lumOff val="0"/>
-              <a:alphaOff val="0"/>
-            </a:schemeClr>
-          </a:solidFill>
-          <a:prstDash val="solid"/>
-        </a:ln>
-        <a:effectLst>
-          <a:outerShdw blurRad="63500" dist="25400" dir="14700000" algn="t" rotWithShape="0">
-            <a:srgbClr val="000000">
-              <a:alpha val="50000"/>
-            </a:srgbClr>
-          </a:outerShdw>
-        </a:effectLst>
-      </dsp:spPr>
-      <dsp:style>
-        <a:lnRef idx="2">
-          <a:scrgbClr r="0" g="0" b="0"/>
-        </a:lnRef>
-        <a:fillRef idx="1">
-          <a:scrgbClr r="0" g="0" b="0"/>
-        </a:fillRef>
-        <a:effectRef idx="1">
-          <a:scrgbClr r="0" g="0" b="0"/>
-        </a:effectRef>
-        <a:fontRef idx="minor"/>
-      </dsp:style>
-    </dsp:sp>
-    <dsp:sp modelId="{CEA4BEA9-01EB-4151-A2FD-98FDADE4D4C5}">
-      <dsp:nvSpPr>
-        <dsp:cNvPr id="0" name=""/>
-        <dsp:cNvSpPr/>
-      </dsp:nvSpPr>
-      <dsp:spPr>
-        <a:xfrm>
-          <a:off x="3328193" y="1105892"/>
-          <a:ext cx="1426368" cy="832048"/>
-        </a:xfrm>
-        <a:prstGeom prst="rect">
-          <a:avLst/>
-        </a:prstGeom>
-        <a:noFill/>
-        <a:ln>
-          <a:noFill/>
-        </a:ln>
-        <a:effectLst/>
-      </dsp:spPr>
-      <dsp:style>
-        <a:lnRef idx="0">
-          <a:scrgbClr r="0" g="0" b="0"/>
-        </a:lnRef>
-        <a:fillRef idx="0">
-          <a:scrgbClr r="0" g="0" b="0"/>
-        </a:fillRef>
-        <a:effectRef idx="0">
-          <a:scrgbClr r="0" g="0" b="0"/>
-        </a:effectRef>
-        <a:fontRef idx="minor"/>
-      </dsp:style>
-      <dsp:txBody>
-        <a:bodyPr spcFirstLastPara="0" vert="horz" wrap="square" lIns="206248" tIns="36830" rIns="36830" bIns="36830" numCol="1" spcCol="1270" anchor="ctr" anchorCtr="0">
-          <a:noAutofit/>
-        </a:bodyPr>
-        <a:lstStyle/>
-        <a:p>
-          <a:pPr lvl="0" algn="l" defTabSz="1289050">
-            <a:lnSpc>
-              <a:spcPct val="90000"/>
-            </a:lnSpc>
-            <a:spcBef>
-              <a:spcPct val="0"/>
-            </a:spcBef>
-            <a:spcAft>
-              <a:spcPct val="35000"/>
-            </a:spcAft>
-          </a:pPr>
-          <a:r>
-            <a:rPr lang="en-US" sz="2900" kern="1200" dirty="0" smtClean="0"/>
-            <a:t>With </a:t>
-          </a:r>
-          <a:endParaRPr lang="en-US" sz="2900" kern="1200" dirty="0"/>
-        </a:p>
-      </dsp:txBody>
-      <dsp:txXfrm>
-        <a:off x="3328193" y="1105892"/>
-        <a:ext cx="1426368" cy="832048"/>
-      </dsp:txXfrm>
-    </dsp:sp>
-    <dsp:sp modelId="{ED3D34C2-9BDC-4865-B076-019F361ABD54}">
-      <dsp:nvSpPr>
-        <dsp:cNvPr id="0" name=""/>
-        <dsp:cNvSpPr/>
-      </dsp:nvSpPr>
-      <dsp:spPr>
-        <a:xfrm>
-          <a:off x="2971601" y="1521916"/>
-          <a:ext cx="356592" cy="0"/>
-        </a:xfrm>
-        <a:prstGeom prst="line">
-          <a:avLst/>
-        </a:prstGeom>
-        <a:solidFill>
-          <a:schemeClr val="accent2">
-            <a:hueOff val="0"/>
-            <a:satOff val="0"/>
-            <a:lumOff val="0"/>
-            <a:alphaOff val="0"/>
-          </a:schemeClr>
-        </a:solidFill>
-        <a:ln w="12700" cap="flat" cmpd="sng" algn="ctr">
-          <a:solidFill>
-            <a:schemeClr val="accent2">
-              <a:tint val="50000"/>
-              <a:hueOff val="0"/>
-              <a:satOff val="0"/>
-              <a:lumOff val="0"/>
-              <a:alphaOff val="0"/>
-            </a:schemeClr>
-          </a:solidFill>
-          <a:prstDash val="solid"/>
-        </a:ln>
-        <a:effectLst>
-          <a:outerShdw blurRad="63500" dist="25400" dir="14700000" algn="t" rotWithShape="0">
-            <a:srgbClr val="000000">
-              <a:alpha val="50000"/>
-            </a:srgbClr>
-          </a:outerShdw>
-        </a:effectLst>
-      </dsp:spPr>
-      <dsp:style>
-        <a:lnRef idx="2">
-          <a:scrgbClr r="0" g="0" b="0"/>
-        </a:lnRef>
-        <a:fillRef idx="1">
-          <a:scrgbClr r="0" g="0" b="0"/>
-        </a:fillRef>
-        <a:effectRef idx="1">
-          <a:scrgbClr r="0" g="0" b="0"/>
-        </a:effectRef>
-        <a:fontRef idx="minor"/>
-      </dsp:style>
-    </dsp:sp>
-    <dsp:sp modelId="{6EAB163B-9BDD-4B30-AF27-57BCEF47A7CE}">
-      <dsp:nvSpPr>
-        <dsp:cNvPr id="0" name=""/>
-        <dsp:cNvSpPr/>
-      </dsp:nvSpPr>
-      <dsp:spPr>
-        <a:xfrm rot="5400000">
-          <a:off x="1638754" y="1717899"/>
-          <a:ext cx="1527926" cy="1134913"/>
-        </a:xfrm>
-        <a:prstGeom prst="line">
-          <a:avLst/>
-        </a:prstGeom>
-        <a:solidFill>
-          <a:schemeClr val="accent2">
-            <a:hueOff val="0"/>
-            <a:satOff val="0"/>
-            <a:lumOff val="0"/>
-            <a:alphaOff val="0"/>
-          </a:schemeClr>
-        </a:solidFill>
-        <a:ln w="12700" cap="flat" cmpd="sng" algn="ctr">
-          <a:solidFill>
-            <a:schemeClr val="accent2">
-              <a:tint val="50000"/>
-              <a:hueOff val="0"/>
-              <a:satOff val="0"/>
-              <a:lumOff val="0"/>
-              <a:alphaOff val="0"/>
-            </a:schemeClr>
-          </a:solidFill>
-          <a:prstDash val="solid"/>
-        </a:ln>
-        <a:effectLst>
-          <a:outerShdw blurRad="63500" dist="25400" dir="14700000" algn="t" rotWithShape="0">
-            <a:srgbClr val="000000">
-              <a:alpha val="50000"/>
-            </a:srgbClr>
-          </a:outerShdw>
-        </a:effectLst>
-      </dsp:spPr>
-      <dsp:style>
-        <a:lnRef idx="2">
-          <a:scrgbClr r="0" g="0" b="0"/>
-        </a:lnRef>
-        <a:fillRef idx="1">
-          <a:scrgbClr r="0" g="0" b="0"/>
-        </a:fillRef>
-        <a:effectRef idx="1">
-          <a:scrgbClr r="0" g="0" b="0"/>
-        </a:effectRef>
-        <a:fontRef idx="minor"/>
-      </dsp:style>
-    </dsp:sp>
-    <dsp:sp modelId="{F4B3DB09-8D8A-4833-A3A0-C8C2FB6EE995}">
-      <dsp:nvSpPr>
-        <dsp:cNvPr id="0" name=""/>
-        <dsp:cNvSpPr/>
-      </dsp:nvSpPr>
-      <dsp:spPr>
-        <a:xfrm>
-          <a:off x="3328193" y="1937940"/>
-          <a:ext cx="1426368" cy="832048"/>
-        </a:xfrm>
-        <a:prstGeom prst="rect">
-          <a:avLst/>
-        </a:prstGeom>
-        <a:noFill/>
-        <a:ln>
-          <a:noFill/>
-        </a:ln>
-        <a:effectLst/>
-      </dsp:spPr>
-      <dsp:style>
-        <a:lnRef idx="0">
-          <a:scrgbClr r="0" g="0" b="0"/>
-        </a:lnRef>
-        <a:fillRef idx="0">
-          <a:scrgbClr r="0" g="0" b="0"/>
-        </a:fillRef>
-        <a:effectRef idx="0">
-          <a:scrgbClr r="0" g="0" b="0"/>
-        </a:effectRef>
-        <a:fontRef idx="minor"/>
-      </dsp:style>
-      <dsp:txBody>
-        <a:bodyPr spcFirstLastPara="0" vert="horz" wrap="square" lIns="206248" tIns="36830" rIns="36830" bIns="36830" numCol="1" spcCol="1270" anchor="ctr" anchorCtr="0">
-          <a:noAutofit/>
-        </a:bodyPr>
-        <a:lstStyle/>
-        <a:p>
-          <a:pPr lvl="0" algn="l" defTabSz="1289050">
-            <a:lnSpc>
-              <a:spcPct val="90000"/>
-            </a:lnSpc>
-            <a:spcBef>
-              <a:spcPct val="0"/>
-            </a:spcBef>
-            <a:spcAft>
-              <a:spcPct val="35000"/>
-            </a:spcAft>
-          </a:pPr>
-          <a:r>
-            <a:rPr lang="en-US" sz="2900" kern="1200" dirty="0" smtClean="0"/>
-            <a:t>Clusters</a:t>
-          </a:r>
-          <a:endParaRPr lang="en-US" sz="2900" kern="1200" dirty="0"/>
-        </a:p>
-      </dsp:txBody>
-      <dsp:txXfrm>
-        <a:off x="3328193" y="1937940"/>
-        <a:ext cx="1426368" cy="832048"/>
-      </dsp:txXfrm>
-    </dsp:sp>
-    <dsp:sp modelId="{A0324D28-E700-487E-A5A5-E2FB1D5914A7}">
-      <dsp:nvSpPr>
-        <dsp:cNvPr id="0" name=""/>
-        <dsp:cNvSpPr/>
-      </dsp:nvSpPr>
-      <dsp:spPr>
-        <a:xfrm>
-          <a:off x="2971601" y="2353965"/>
-          <a:ext cx="356592" cy="0"/>
-        </a:xfrm>
-        <a:prstGeom prst="line">
-          <a:avLst/>
-        </a:prstGeom>
-        <a:solidFill>
-          <a:schemeClr val="accent2">
-            <a:hueOff val="0"/>
-            <a:satOff val="0"/>
-            <a:lumOff val="0"/>
-            <a:alphaOff val="0"/>
-          </a:schemeClr>
-        </a:solidFill>
-        <a:ln w="12700" cap="flat" cmpd="sng" algn="ctr">
-          <a:solidFill>
-            <a:schemeClr val="accent2">
-              <a:tint val="50000"/>
-              <a:hueOff val="0"/>
-              <a:satOff val="0"/>
-              <a:lumOff val="0"/>
-              <a:alphaOff val="0"/>
-            </a:schemeClr>
-          </a:solidFill>
-          <a:prstDash val="solid"/>
-        </a:ln>
-        <a:effectLst>
-          <a:outerShdw blurRad="63500" dist="25400" dir="14700000" algn="t" rotWithShape="0">
-            <a:srgbClr val="000000">
-              <a:alpha val="50000"/>
-            </a:srgbClr>
-          </a:outerShdw>
-        </a:effectLst>
-      </dsp:spPr>
-      <dsp:style>
-        <a:lnRef idx="2">
-          <a:scrgbClr r="0" g="0" b="0"/>
-        </a:lnRef>
-        <a:fillRef idx="1">
-          <a:scrgbClr r="0" g="0" b="0"/>
-        </a:fillRef>
-        <a:effectRef idx="1">
-          <a:scrgbClr r="0" g="0" b="0"/>
-        </a:effectRef>
-        <a:fontRef idx="minor"/>
-      </dsp:style>
-    </dsp:sp>
-    <dsp:sp modelId="{822C1557-A7EF-4D85-AEDD-F484CC850E49}">
-      <dsp:nvSpPr>
-        <dsp:cNvPr id="0" name=""/>
-        <dsp:cNvSpPr/>
-      </dsp:nvSpPr>
-      <dsp:spPr>
-        <a:xfrm rot="5400000">
-          <a:off x="2060151" y="2536302"/>
-          <a:ext cx="1091647" cy="726021"/>
-        </a:xfrm>
-        <a:prstGeom prst="line">
-          <a:avLst/>
-        </a:prstGeom>
-        <a:solidFill>
-          <a:schemeClr val="accent2">
-            <a:hueOff val="0"/>
-            <a:satOff val="0"/>
-            <a:lumOff val="0"/>
-            <a:alphaOff val="0"/>
-          </a:schemeClr>
-        </a:solidFill>
-        <a:ln w="12700" cap="flat" cmpd="sng" algn="ctr">
-          <a:solidFill>
-            <a:schemeClr val="accent2">
-              <a:tint val="50000"/>
-              <a:hueOff val="0"/>
-              <a:satOff val="0"/>
-              <a:lumOff val="0"/>
-              <a:alphaOff val="0"/>
-            </a:schemeClr>
-          </a:solidFill>
-          <a:prstDash val="solid"/>
-        </a:ln>
-        <a:effectLst>
-          <a:outerShdw blurRad="63500" dist="25400" dir="14700000" algn="t" rotWithShape="0">
-            <a:srgbClr val="000000">
-              <a:alpha val="50000"/>
-            </a:srgbClr>
-          </a:outerShdw>
-        </a:effectLst>
-      </dsp:spPr>
-      <dsp:style>
-        <a:lnRef idx="2">
-          <a:scrgbClr r="0" g="0" b="0"/>
-        </a:lnRef>
-        <a:fillRef idx="1">
-          <a:scrgbClr r="0" g="0" b="0"/>
-        </a:fillRef>
-        <a:effectRef idx="1">
-          <a:scrgbClr r="0" g="0" b="0"/>
-        </a:effectRef>
-        <a:fontRef idx="minor"/>
-      </dsp:style>
-    </dsp:sp>
-  </dsp:spTree>
-</dsp:drawing>
-</file>
-
-<file path=ppt/diagrams/layout1.xml><?xml version="1.0" encoding="utf-8"?>
-<dgm:layoutDef xmlns:dgm="http://schemas.openxmlformats.org/drawingml/2006/diagram" xmlns:a="http://schemas.openxmlformats.org/drawingml/2006/main" uniqueId="urn:microsoft.com/office/officeart/2005/8/layout/target1">
-  <dgm:title val=""/>
-  <dgm:desc val=""/>
-  <dgm:catLst>
-    <dgm:cat type="relationship" pri="25000"/>
-    <dgm:cat type="convert" pri="20000"/>
-  </dgm:catLst>
-  <dgm:sampData useDef="1">
-    <dgm:dataModel>
-      <dgm:ptLst/>
-      <dgm:bg/>
-      <dgm:whole/>
-    </dgm:dataModel>
-  </dgm:sampData>
-  <dgm:styleData>
-    <dgm:dataModel>
-      <dgm:ptLst>
-        <dgm:pt modelId="0" type="doc"/>
-        <dgm:pt modelId="1"/>
-        <dgm:pt modelId="2"/>
-      </dgm:ptLst>
-      <dgm:cxnLst>
-        <dgm:cxn modelId="3" srcId="0" destId="1" srcOrd="0" destOrd="0"/>
-        <dgm:cxn modelId="4" srcId="0" destId="2" srcOrd="1" destOrd="0"/>
-      </dgm:cxnLst>
-      <dgm:bg/>
-      <dgm:whole/>
-    </dgm:dataModel>
-  </dgm:styleData>
-  <dgm:clrData>
-    <dgm:dataModel>
-      <dgm:ptLst>
-        <dgm:pt modelId="0" type="doc"/>
-        <dgm:pt modelId="1"/>
-        <dgm:pt modelId="2"/>
-        <dgm:pt modelId="3"/>
-        <dgm:pt modelId="4"/>
-      </dgm:ptLst>
-      <dgm:cxnLst>
-        <dgm:cxn modelId="5" srcId="0" destId="1" srcOrd="0" destOrd="0"/>
-        <dgm:cxn modelId="6" srcId="0" destId="2" srcOrd="1" destOrd="0"/>
-        <dgm:cxn modelId="7" srcId="0" destId="3" srcOrd="2" destOrd="0"/>
-        <dgm:cxn modelId="8" srcId="0" destId="4" srcOrd="3" destOrd="0"/>
-      </dgm:cxnLst>
-      <dgm:bg/>
-      <dgm:whole/>
-    </dgm:dataModel>
-  </dgm:clrData>
-  <dgm:layoutNode name="composite">
-    <dgm:varLst>
-      <dgm:chMax val="5"/>
-      <dgm:dir/>
-      <dgm:resizeHandles val="exact"/>
-    </dgm:varLst>
-    <dgm:alg type="composite">
-      <dgm:param type="ar" val="1.25"/>
-    </dgm:alg>
-    <dgm:shape xmlns:r="http://schemas.openxmlformats.org/officeDocument/2006/relationships" r:blip="">
-      <dgm:adjLst/>
-    </dgm:shape>
-    <dgm:presOf/>
-    <dgm:choose name="Name0">
-      <dgm:if name="Name1" func="var" arg="dir" op="equ" val="norm">
-        <dgm:choose name="Name2">
-          <dgm:if name="Name3" axis="ch" ptType="node" func="cnt" op="equ" val="0">
-            <dgm:constrLst/>
-          </dgm:if>
-          <dgm:if name="Name4" axis="ch" ptType="node" func="cnt" op="equ" val="1">
-            <dgm:constrLst>
-              <dgm:constr type="primFontSz" for="des" ptType="node" op="equ" val="65"/>
-              <dgm:constr type="w" for="ch" forName="circle1" refType="w" fact="0.6"/>
-              <dgm:constr type="h" for="ch" forName="circle1" refType="w" refFor="ch" refForName="circle1"/>
-              <dgm:constr type="ctrX" for="ch" forName="circle1" refType="w" fact="0.3"/>
-              <dgm:constr type="ctrY" for="ch" forName="circle1" refType="h" fact="0.625"/>
-              <dgm:constr type="w" for="ch" forName="text1" refType="w" fact="0.3"/>
-              <dgm:constr type="h" for="ch" forName="text1" refType="h" fact="0.3125"/>
-              <dgm:constr type="r" for="ch" forName="text1" refType="w"/>
-              <dgm:constr type="t" for="ch" forName="text1"/>
-              <dgm:constr type="l" for="ch" forName="line1" refType="w" fact="0.625"/>
-              <dgm:constr type="ctrY" for="ch" forName="line1" refType="ctrY" refFor="ch" refForName="text1"/>
-              <dgm:constr type="r" for="ch" forName="line1" refType="l" refFor="ch" refForName="text1"/>
-              <dgm:constr type="h" for="ch" forName="line1"/>
-              <dgm:constr type="l" for="ch" forName="d1" refType="w" fact="0.3"/>
-              <dgm:constr type="b" for="ch" forName="d1" refType="h" fact="0.625"/>
-              <dgm:constr type="w" for="ch" forName="d1" refType="w" fact="0.32475"/>
-              <dgm:constr type="h" for="ch" forName="d1" refType="h" fact="0.469"/>
-            </dgm:constrLst>
-          </dgm:if>
-          <dgm:if name="Name5" axis="ch" ptType="node" func="cnt" op="equ" val="2">
-            <dgm:constrLst>
-              <dgm:constr type="primFontSz" for="des" ptType="node" op="equ" val="65"/>
-              <dgm:constr type="w" for="ch" forName="circle1" refType="w" fact="0.2"/>
-              <dgm:constr type="h" for="ch" forName="circle1" refType="w" refFor="ch" refForName="circle1"/>
-              <dgm:constr type="ctrX" for="ch" forName="circle1" refType="w" fact="0.3"/>
-              <dgm:constr type="ctrY" for="ch" forName="circle1" refType="h" fact="0.625"/>
-              <dgm:constr type="w" for="ch" forName="text1" refType="w" fact="0.3"/>
-              <dgm:constr type="h" for="ch" forName="text1" refType="h" fact="0.3125"/>
-              <dgm:constr type="r" for="ch" forName="text1" refType="w"/>
-              <dgm:constr type="t" for="ch" forName="text1"/>
-              <dgm:constr type="l" for="ch" forName="line1" refType="w" fact="0.625"/>
-              <dgm:constr type="ctrY" for="ch" forName="line1" refType="ctrY" refFor="ch" refForName="text1"/>
-              <dgm:constr type="w" for="ch" forName="line1" refType="w" fact="0.075"/>
-              <dgm:constr type="h" for="ch" forName="line1"/>
-              <dgm:constr type="l" for="ch" forName="d1" refType="w" fact="0.3"/>
-              <dgm:constr type="b" for="ch" forName="d1" refType="h" fact="0.625"/>
-              <dgm:constr type="w" for="ch" forName="d1" refType="w" fact="0.32475"/>
-              <dgm:constr type="h" for="ch" forName="d1" refType="h" fact="0.469"/>
-              <dgm:constr type="w" for="ch" forName="circle2" refType="w" fact="0.6"/>
-              <dgm:constr type="h" for="ch" forName="circle2" refType="w" refFor="ch" refForName="circle2"/>
-              <dgm:constr type="ctrX" for="ch" forName="circle2" refType="w" fact="0.3"/>
-              <dgm:constr type="ctrY" for="ch" forName="circle2" refType="h" fact="0.625"/>
-              <dgm:constr type="w" for="ch" forName="text2" refType="w" fact="0.3"/>
-              <dgm:constr type="h" for="ch" forName="text2" refType="h" fact="0.3125"/>
-              <dgm:constr type="r" for="ch" forName="text2" refType="w"/>
-              <dgm:constr type="t" for="ch" forName="text2" refType="b" refFor="ch" refForName="text1"/>
-              <dgm:constr type="l" for="ch" forName="line2" refType="w" fact="0.625"/>
-              <dgm:constr type="ctrY" for="ch" forName="line2" refType="ctrY" refFor="ch" refForName="text2"/>
-              <dgm:constr type="w" for="ch" forName="line2" refType="w" fact="0.075"/>
-              <dgm:constr type="h" for="ch" forName="line2"/>
-              <dgm:constr type="l" for="ch" forName="d2" refType="w" fact="0.44325"/>
-              <dgm:constr type="b" for="ch" forName="d2" refType="h" fact="0.7975"/>
-              <dgm:constr type="w" for="ch" forName="d2" refType="w" fact="0.1815"/>
-              <dgm:constr type="h" for="ch" forName="d2" refType="h" fact="0.3283"/>
-            </dgm:constrLst>
-          </dgm:if>
-          <dgm:if name="Name6" axis="ch" ptType="node" func="cnt" op="equ" val="3">
-            <dgm:constrLst>
-              <dgm:constr type="primFontSz" for="des" ptType="node" op="equ" val="65"/>
-              <dgm:constr type="w" for="ch" forName="circle1" refType="w" fact="0.12"/>
-              <dgm:constr type="h" for="ch" forName="circle1" refType="w" refFor="ch" refForName="circle1"/>
-              <dgm:constr type="ctrX" for="ch" forName="circle1" refType="w" fact="0.3"/>
-              <dgm:constr type="ctrY" for="ch" forName="circle1" refType="h" fact="0.625"/>
-              <dgm:constr type="w" for="ch" forName="text1" refType="w" fact="0.3"/>
-              <dgm:constr type="h" for="ch" forName="text1" refType="h" fact="0.21875"/>
-              <dgm:constr type="r" for="ch" forName="text1" refType="w"/>
-              <dgm:constr type="t" for="ch" forName="text1"/>
-              <dgm:constr type="l" for="ch" forName="line1" refType="w" fact="0.625"/>
-              <dgm:constr type="ctrY" for="ch" forName="line1" refType="ctrY" refFor="ch" refForName="text1"/>
-              <dgm:constr type="w" for="ch" forName="line1" refType="w" fact="0.075"/>
-              <dgm:constr type="h" for="ch" forName="line1"/>
-              <dgm:constr type="l" for="ch" forName="d1" refType="w" fact="0.3"/>
-              <dgm:constr type="b" for="ch" forName="d1" refType="h" fact="0.625"/>
-              <dgm:constr type="w" for="ch" forName="d1" refType="w" fact="0.3247"/>
-              <dgm:constr type="h" for="ch" forName="d1" refType="h" fact="0.5155"/>
-              <dgm:constr type="w" for="ch" forName="circle2" refType="w" fact="0.36"/>
-              <dgm:constr type="h" for="ch" forName="circle2" refType="w" refFor="ch" refForName="circle2"/>
-              <dgm:constr type="ctrX" for="ch" forName="circle2" refType="w" fact="0.3"/>
-              <dgm:constr type="ctrY" for="ch" forName="circle2" refType="h" fact="0.625"/>
-              <dgm:constr type="w" for="ch" forName="text2" refType="w" fact="0.3"/>
-              <dgm:constr type="h" for="ch" forName="text2" refType="h" fact="0.21875"/>
-              <dgm:constr type="r" for="ch" forName="text2" refType="w"/>
-              <dgm:constr type="t" for="ch" forName="text2" refType="b" refFor="ch" refForName="text1"/>
-              <dgm:constr type="l" for="ch" forName="line2" refType="w" fact="0.625"/>
-              <dgm:constr type="ctrY" for="ch" forName="line2" refType="ctrY" refFor="ch" refForName="text2"/>
-              <dgm:constr type="w" for="ch" forName="line2" refType="w" fact="0.075"/>
-              <dgm:constr type="h" for="ch" forName="line2"/>
-              <dgm:constr type="l" for="ch" forName="d2" refType="w" fact="0.386"/>
-              <dgm:constr type="b" for="ch" forName="d2" refType="h" fact="0.72969"/>
-              <dgm:constr type="w" for="ch" forName="d2" refType="w" fact="0.2387"/>
-              <dgm:constr type="h" for="ch" forName="d2" refType="h" fact="0.4017"/>
-              <dgm:constr type="w" for="ch" forName="circle3" refType="w" fact="0.6"/>
-              <dgm:constr type="h" for="ch" forName="circle3" refType="w" refFor="ch" refForName="circle3"/>
-              <dgm:constr type="ctrX" for="ch" forName="circle3" refType="ctrX" refFor="ch" refForName="circle1"/>
-              <dgm:constr type="ctrY" for="ch" forName="circle3" refType="ctrY" refFor="ch" refForName="circle1"/>
-              <dgm:constr type="w" for="ch" forName="text3" refType="w" fact="0.3"/>
-              <dgm:constr type="h" for="ch" forName="text3" refType="h" fact="0.21875"/>
-              <dgm:constr type="r" for="ch" forName="text3" refType="w"/>
-              <dgm:constr type="t" for="ch" forName="text3" refType="b" refFor="ch" refForName="text2"/>
-              <dgm:constr type="l" for="ch" forName="line3" refType="w" fact="0.625"/>
-              <dgm:constr type="ctrY" for="ch" forName="line3" refType="ctrY" refFor="ch" refForName="text3"/>
-              <dgm:constr type="w" for="ch" forName="line3" refType="w" fact="0.075"/>
-              <dgm:constr type="h" for="ch" forName="line3"/>
-              <dgm:constr type="l" for="ch" forName="d3" refType="w" fact="0.47175"/>
-              <dgm:constr type="b" for="ch" forName="d3" refType="h" fact="0.83375"/>
-              <dgm:constr type="w" for="ch" forName="d3" refType="w" fact="0.1527"/>
-              <dgm:constr type="h" for="ch" forName="d3" refType="h" fact="0.287"/>
-            </dgm:constrLst>
-          </dgm:if>
-          <dgm:if name="Name7" axis="ch" ptType="node" func="cnt" op="equ" val="4">
-            <dgm:constrLst>
-              <dgm:constr type="primFontSz" for="des" ptType="node" op="equ" val="65"/>
-              <dgm:constr type="w" for="ch" forName="circle1" refType="w" fact="0.0857"/>
-              <dgm:constr type="h" for="ch" forName="circle1" refType="w" refFor="ch" refForName="circle1"/>
-              <dgm:constr type="ctrX" for="ch" forName="circle1" refType="w" fact="0.3"/>
-              <dgm:constr type="ctrY" for="ch" forName="circle1" refType="h" fact="0.625"/>
-              <dgm:constr type="w" for="ch" forName="text1" refType="w" fact="0.3"/>
-              <dgm:constr type="h" for="ch" forName="text1" refType="h" fact="0.17938"/>
-              <dgm:constr type="r" for="ch" forName="text1" refType="w"/>
-              <dgm:constr type="t" for="ch" forName="text1"/>
-              <dgm:constr type="l" for="ch" forName="line1" refType="w" fact="0.625"/>
-              <dgm:constr type="ctrY" for="ch" forName="line1" refType="ctrY" refFor="ch" refForName="text1"/>
-              <dgm:constr type="w" for="ch" forName="line1" refType="w" fact="0.075"/>
-              <dgm:constr type="h" for="ch" forName="line1"/>
-              <dgm:constr type="l" for="ch" forName="d1" refType="w" fact="0.295"/>
-              <dgm:constr type="b" for="ch" forName="d1" refType="h" fact="0.62"/>
-              <dgm:constr type="w" for="ch" forName="d1" refType="w" fact="0.33"/>
-              <dgm:constr type="h" for="ch" forName="d1" refType="h" fact="0.53"/>
-              <dgm:constr type="w" for="ch" forName="circle2" refType="w" fact="0.2571"/>
-              <dgm:constr type="h" for="ch" forName="circle2" refType="w" refFor="ch" refForName="circle2"/>
-              <dgm:constr type="ctrX" for="ch" forName="circle2" refType="w" fact="0.3"/>
-              <dgm:constr type="ctrY" for="ch" forName="circle2" refType="h" fact="0.625"/>
-              <dgm:constr type="w" for="ch" forName="text2" refType="w" fact="0.3"/>
-              <dgm:constr type="h" for="ch" forName="text2" refType="h" fact="0.17938"/>
-              <dgm:constr type="r" for="ch" forName="text2" refType="w"/>
-              <dgm:constr type="t" for="ch" forName="text2" refType="b" refFor="ch" refForName="text1"/>
-              <dgm:constr type="l" for="ch" forName="line2" refType="w" fact="0.625"/>
-              <dgm:constr type="ctrY" for="ch" forName="line2" refType="ctrY" refFor="ch" refForName="text2"/>
-              <dgm:constr type="w" for="ch" forName="line2" refType="w" fact="0.075"/>
-              <dgm:constr type="h" for="ch" forName="line2"/>
-              <dgm:constr type="l" for="ch" forName="d2" refType="w" fact="0.36625"/>
-              <dgm:constr type="b" for="ch" forName="d2" refType="h" fact="0.70438"/>
-              <dgm:constr type="w" for="ch" forName="d2" refType="w" fact="0.2585"/>
-              <dgm:constr type="h" for="ch" forName="d2" refType="h" fact="0.43525"/>
-              <dgm:constr type="w" for="ch" forName="circle3" refType="w" fact="0.4285"/>
-              <dgm:constr type="h" for="ch" forName="circle3" refType="w" refFor="ch" refForName="circle3"/>
-              <dgm:constr type="ctrX" for="ch" forName="circle3" refType="ctrX" refFor="ch" refForName="circle1"/>
-              <dgm:constr type="ctrY" for="ch" forName="circle3" refType="ctrY" refFor="ch" refForName="circle1"/>
-              <dgm:constr type="w" for="ch" forName="text3" refType="w" fact="0.3"/>
-              <dgm:constr type="h" for="ch" forName="text3" refType="h" fact="0.17938"/>
-              <dgm:constr type="r" for="ch" forName="text3" refType="w"/>
-              <dgm:constr type="t" for="ch" forName="text3" refType="b" refFor="ch" refForName="text2"/>
-              <dgm:constr type="l" for="ch" forName="line3" refType="w" fact="0.625"/>
-              <dgm:constr type="ctrY" for="ch" forName="line3" refType="ctrY" refFor="ch" refForName="text3"/>
-              <dgm:constr type="w" for="ch" forName="line3" refType="w" fact="0.075"/>
-              <dgm:constr type="h" for="ch" forName="line3"/>
-              <dgm:constr type="l" for="ch" forName="d3" refType="w" fact="0.4255"/>
-              <dgm:constr type="b" for="ch" forName="d3" refType="h" fact="0.78031"/>
-              <dgm:constr type="w" for="ch" forName="d3" refType="w" fact="0.1995"/>
-              <dgm:constr type="h" for="ch" forName="d3" refType="h" fact="0.332"/>
-              <dgm:constr type="w" for="ch" forName="circle4" refType="w" fact="0.6"/>
-              <dgm:constr type="h" for="ch" forName="circle4" refType="w" refFor="ch" refForName="circle4"/>
-              <dgm:constr type="ctrX" for="ch" forName="circle4" refType="ctrX" refFor="ch" refForName="circle1"/>
-              <dgm:constr type="ctrY" for="ch" forName="circle4" refType="ctrY" refFor="ch" refForName="circle1"/>
-              <dgm:constr type="w" for="ch" forName="text4" refType="w" fact="0.3"/>
-              <dgm:constr type="h" for="ch" forName="text4" refType="h" fact="0.17938"/>
-              <dgm:constr type="r" for="ch" forName="text4" refType="w"/>
-              <dgm:constr type="t" for="ch" forName="text4" refType="b" refFor="ch" refForName="text3"/>
-              <dgm:constr type="l" for="ch" forName="line4" refType="w" fact="0.625"/>
-              <dgm:constr type="ctrY" for="ch" forName="line4" refType="ctrY" refFor="ch" refForName="text4"/>
-              <dgm:constr type="w" for="ch" forName="line4" refType="w" fact="0.075"/>
-              <dgm:constr type="h" for="ch" forName="line4"/>
-              <dgm:constr type="l" for="ch" forName="d4" refType="w" fact="0.48525"/>
-              <dgm:constr type="b" for="ch" forName="d4" refType="h" fact="0.85594"/>
-              <dgm:constr type="w" for="ch" forName="d4" refType="w" fact="0.1394"/>
-              <dgm:constr type="h" for="ch" forName="d4" refType="h" fact="0.2282"/>
-            </dgm:constrLst>
-          </dgm:if>
-          <dgm:if name="Name8" axis="ch" ptType="node" func="cnt" op="gte" val="5">
-            <dgm:constrLst>
-              <dgm:constr type="primFontSz" for="des" ptType="node" op="equ" val="65"/>
-              <dgm:constr type="w" for="ch" forName="circle1" refType="w" fact="0.0667"/>
-              <dgm:constr type="h" for="ch" forName="circle1" refType="w" refFor="ch" refForName="circle1"/>
-              <dgm:constr type="ctrX" for="ch" forName="circle1" refType="w" fact="0.3"/>
-              <dgm:constr type="ctrY" for="ch" forName="circle1" refType="h" fact="0.625"/>
-              <dgm:constr type="w" for="ch" forName="text1" refType="w" fact="0.3"/>
-              <dgm:constr type="h" for="ch" forName="text1" refType="h" fact="0.1324"/>
-              <dgm:constr type="r" for="ch" forName="text1" refType="w"/>
-              <dgm:constr type="ctrY" for="ch" forName="text1" refType="h" fact="0.13"/>
-              <dgm:constr type="l" for="ch" forName="line1" refType="w" fact="0.625"/>
-              <dgm:constr type="ctrY" for="ch" forName="line1" refType="ctrY" refFor="ch" refForName="text1"/>
-              <dgm:constr type="w" for="ch" forName="line1" refType="w" fact="0.075"/>
-              <dgm:constr type="h" for="ch" forName="line1"/>
-              <dgm:constr type="l" for="ch" forName="d1" refType="w" fact="0.3"/>
-              <dgm:constr type="b" for="ch" forName="d1" refType="h" fact="0.625"/>
-              <dgm:constr type="w" for="ch" forName="d1" refType="w" fact="0.3245"/>
-              <dgm:constr type="h" for="ch" forName="d1" refType="h" fact="0.495"/>
-              <dgm:constr type="w" for="ch" forName="circle2" refType="w" fact="0.2"/>
-              <dgm:constr type="h" for="ch" forName="circle2" refType="w" refFor="ch" refForName="circle2"/>
-              <dgm:constr type="ctrX" for="ch" forName="circle2" refType="w" fact="0.3"/>
-              <dgm:constr type="ctrY" for="ch" forName="circle2" refType="h" fact="0.625"/>
-              <dgm:constr type="w" for="ch" forName="text2" refType="w" fact="0.3"/>
-              <dgm:constr type="h" for="ch" forName="text2" refType="h" fact="0.1324"/>
-              <dgm:constr type="r" for="ch" forName="text2" refType="w"/>
-              <dgm:constr type="ctrY" for="ch" forName="text2" refType="h" fact="0.27"/>
-              <dgm:constr type="l" for="ch" forName="line2" refType="w" fact="0.625"/>
-              <dgm:constr type="ctrY" for="ch" forName="line2" refType="ctrY" refFor="ch" refForName="text2"/>
-              <dgm:constr type="w" for="ch" forName="line2" refType="w" fact="0.075"/>
-              <dgm:constr type="h" for="ch" forName="line2"/>
-              <dgm:constr type="l" for="ch" forName="d2" refType="w" fact="0.3498"/>
-              <dgm:constr type="b" for="ch" forName="d2" refType="h" fact="0.682"/>
-              <dgm:constr type="w" for="ch" forName="d2" refType="w" fact="0.275"/>
-              <dgm:constr type="h" for="ch" forName="d2" refType="h" fact="0.41215"/>
-              <dgm:constr type="w" for="ch" forName="circle3" refType="w" fact="0.3334"/>
-              <dgm:constr type="h" for="ch" forName="circle3" refType="w" refFor="ch" refForName="circle3"/>
-              <dgm:constr type="ctrX" for="ch" forName="circle3" refType="ctrX" refFor="ch" refForName="circle1"/>
-              <dgm:constr type="ctrY" for="ch" forName="circle3" refType="ctrY" refFor="ch" refForName="circle1"/>
-              <dgm:constr type="w" for="ch" forName="text3" refType="w" fact="0.3"/>
-              <dgm:constr type="h" for="ch" forName="text3" refType="h" fact="0.1324"/>
-              <dgm:constr type="r" for="ch" forName="text3" refType="w"/>
-              <dgm:constr type="ctrY" for="ch" forName="text3" refType="h" fact="0.41"/>
-              <dgm:constr type="l" for="ch" forName="line3" refType="w" fact="0.625"/>
-              <dgm:constr type="ctrY" for="ch" forName="line3" refType="ctrY" refFor="ch" refForName="text3"/>
-              <dgm:constr type="w" for="ch" forName="line3" refType="w" fact="0.075"/>
-              <dgm:constr type="h" for="ch" forName="line3"/>
-              <dgm:constr type="l" for="ch" forName="d3" refType="w" fact="0.394"/>
-              <dgm:constr type="b" for="ch" forName="d3" refType="h" fact="0.735"/>
-              <dgm:constr type="w" for="ch" forName="d3" refType="w" fact="0.231"/>
-              <dgm:constr type="h" for="ch" forName="d3" refType="h" fact="0.325"/>
-              <dgm:constr type="w" for="ch" forName="circle4" refType="w" fact="0.4667"/>
-              <dgm:constr type="h" for="ch" forName="circle4" refType="w" refFor="ch" refForName="circle4"/>
-              <dgm:constr type="ctrX" for="ch" forName="circle4" refType="ctrX" refFor="ch" refForName="circle1"/>
-              <dgm:constr type="ctrY" for="ch" forName="circle4" refType="ctrY" refFor="ch" refForName="circle1"/>
-              <dgm:constr type="w" for="ch" forName="text4" refType="w" fact="0.3"/>
-              <dgm:constr type="h" for="ch" forName="text4" refType="h" fact="0.1324"/>
-              <dgm:constr type="r" for="ch" forName="text4" refType="w"/>
-              <dgm:constr type="ctrY" for="ch" forName="text4" refType="h" fact="0.547"/>
-              <dgm:constr type="l" for="ch" forName="line4" refType="w" fact="0.625"/>
-              <dgm:constr type="ctrY" for="ch" forName="line4" refType="ctrY" refFor="ch" refForName="text4"/>
-              <dgm:constr type="w" for="ch" forName="line4" refType="w" fact="0.075"/>
-              <dgm:constr type="h" for="ch" forName="line4"/>
-              <dgm:constr type="l" for="ch" forName="d4" refType="w" fact="0.446"/>
-              <dgm:constr type="b" for="ch" forName="d4" refType="h" fact="0.795"/>
-              <dgm:constr type="w" for="ch" forName="d4" refType="w" fact="0.179"/>
-              <dgm:constr type="h" for="ch" forName="d4" refType="h" fact="0.248"/>
-              <dgm:constr type="w" for="ch" forName="circle5" refType="w" fact="0.6"/>
-              <dgm:constr type="h" for="ch" forName="circle5" refType="w" refFor="ch" refForName="circle5"/>
-              <dgm:constr type="ctrX" for="ch" forName="circle5" refType="ctrX" refFor="ch" refForName="circle1"/>
-              <dgm:constr type="ctrY" for="ch" forName="circle5" refType="ctrY" refFor="ch" refForName="circle1"/>
-              <dgm:constr type="w" for="ch" forName="text5" refType="w" fact="0.3"/>
-              <dgm:constr type="h" for="ch" forName="text5" refType="h" fact="0.1324"/>
-              <dgm:constr type="r" for="ch" forName="text5" refType="w"/>
-              <dgm:constr type="ctrY" for="ch" forName="text5" refType="h" fact="0.68"/>
-              <dgm:constr type="l" for="ch" forName="line5" refType="w" fact="0.625"/>
-              <dgm:constr type="ctrY" for="ch" forName="line5" refType="ctrY" refFor="ch" refForName="text5"/>
-              <dgm:constr type="w" for="ch" forName="line5" refType="w" fact="0.075"/>
-              <dgm:constr type="h" for="ch" forName="line5"/>
-              <dgm:constr type="l" for="ch" forName="d5" refType="w" fact="0.495"/>
-              <dgm:constr type="b" for="ch" forName="d5" refType="h" fact="0.855"/>
-              <dgm:constr type="w" for="ch" forName="d5" refType="w" fact="0.13"/>
-              <dgm:constr type="h" for="ch" forName="d5" refType="h" fact="0.175"/>
-            </dgm:constrLst>
-          </dgm:if>
-          <dgm:else name="Name9"/>
-        </dgm:choose>
-      </dgm:if>
-      <dgm:else name="Name10">
-        <dgm:choose name="Name11">
-          <dgm:if name="Name12" axis="ch" ptType="node" func="cnt" op="equ" val="0">
-            <dgm:constrLst/>
-          </dgm:if>
-          <dgm:if name="Name13" axis="ch" ptType="node" func="cnt" op="equ" val="1">
-            <dgm:constrLst>
-              <dgm:constr type="primFontSz" for="des" ptType="node" op="equ" val="65"/>
-              <dgm:constr type="w" for="ch" forName="circle1" refType="w" fact="0.6"/>
-              <dgm:constr type="h" for="ch" forName="circle1" refType="w" refFor="ch" refForName="circle1"/>
-              <dgm:constr type="ctrX" for="ch" forName="circle1" refType="w" fact="0.7"/>
-              <dgm:constr type="ctrY" for="ch" forName="circle1" refType="h" fact="0.625"/>
-              <dgm:constr type="w" for="ch" forName="text1" refType="w" fact="0.3"/>
-              <dgm:constr type="h" for="ch" forName="text1" refType="h" fact="0.3125"/>
-              <dgm:constr type="l" for="ch" forName="text1"/>
-              <dgm:constr type="t" for="ch" forName="text1"/>
-              <dgm:constr type="l" for="ch" forName="line1" refType="r" refFor="ch" refForName="text1"/>
-              <dgm:constr type="ctrY" for="ch" forName="line1" refType="ctrY" refFor="ch" refForName="text1"/>
-              <dgm:constr type="r" for="ch" forName="line1" refType="w" fact="0.375"/>
-              <dgm:constr type="h" for="ch" forName="line1"/>
-              <dgm:constr type="r" for="ch" forName="d1" refType="w" fact="0.7"/>
-              <dgm:constr type="b" for="ch" forName="d1" refType="h" fact="0.625"/>
-              <dgm:constr type="w" for="ch" forName="d1" refType="w" fact="0.32475"/>
-              <dgm:constr type="h" for="ch" forName="d1" refType="h" fact="0.469"/>
-            </dgm:constrLst>
-          </dgm:if>
-          <dgm:if name="Name14" axis="ch" ptType="node" func="cnt" op="equ" val="2">
-            <dgm:constrLst>
-              <dgm:constr type="primFontSz" for="des" ptType="node" op="equ" val="65"/>
-              <dgm:constr type="w" for="ch" forName="circle1" refType="w" fact="0.2"/>
-              <dgm:constr type="h" for="ch" forName="circle1" refType="w" refFor="ch" refForName="circle1"/>
-              <dgm:constr type="ctrX" for="ch" forName="circle1" refType="w" fact="0.7"/>
-              <dgm:constr type="ctrY" for="ch" forName="circle1" refType="h" fact="0.625"/>
-              <dgm:constr type="w" for="ch" forName="text1" refType="w" fact="0.3"/>
-              <dgm:constr type="h" for="ch" forName="text1" refType="h" fact="0.3125"/>
-              <dgm:constr type="l" for="ch" forName="text1"/>
-              <dgm:constr type="t" for="ch" forName="text1"/>
-              <dgm:constr type="l" for="ch" forName="line1" refType="r" refFor="ch" refForName="text1"/>
-              <dgm:constr type="ctrY" for="ch" forName="line1" refType="ctrY" refFor="ch" refForName="text1"/>
-              <dgm:constr type="r" for="ch" forName="line1" refType="w" fact="0.375"/>
-              <dgm:constr type="h" for="ch" forName="line1"/>
-              <dgm:constr type="r" for="ch" forName="d1" refType="w" fact="0.7"/>
-              <dgm:constr type="b" for="ch" forName="d1" refType="h" fact="0.625"/>
-              <dgm:constr type="w" for="ch" forName="d1" refType="w" fact="0.32475"/>
-              <dgm:constr type="h" for="ch" forName="d1" refType="h" fact="0.469"/>
-              <dgm:constr type="w" for="ch" forName="circle2" refType="w" fact="0.6"/>
-              <dgm:constr type="h" for="ch" forName="circle2" refType="w" refFor="ch" refForName="circle2"/>
-              <dgm:constr type="ctrX" for="ch" forName="circle2" refType="w" fact="0.7"/>
-              <dgm:constr type="ctrY" for="ch" forName="circle2" refType="h" fact="0.625"/>
-              <dgm:constr type="w" for="ch" forName="text2" refType="w" fact="0.3"/>
-              <dgm:constr type="h" for="ch" forName="text2" refType="h" fact="0.3125"/>
-              <dgm:constr type="l" for="ch" forName="text2"/>
-              <dgm:constr type="t" for="ch" forName="text2" refType="b" refFor="ch" refForName="text1"/>
-              <dgm:constr type="l" for="ch" forName="line2" refType="r" refFor="ch" refForName="text2"/>
-              <dgm:constr type="ctrY" for="ch" forName="line2" refType="ctrY" refFor="ch" refForName="text2"/>
-              <dgm:constr type="r" for="ch" forName="line2" refType="w" fact="0.375"/>
-              <dgm:constr type="h" for="ch" forName="line2"/>
-              <dgm:constr type="r" for="ch" forName="d2" refType="w" fact="0.55675"/>
-              <dgm:constr type="b" for="ch" forName="d2" refType="h" fact="0.7975"/>
-              <dgm:constr type="w" for="ch" forName="d2" refType="w" fact="0.1815"/>
-              <dgm:constr type="h" for="ch" forName="d2" refType="h" fact="0.3283"/>
-            </dgm:constrLst>
-          </dgm:if>
-          <dgm:if name="Name15" axis="ch" ptType="node" func="cnt" op="equ" val="3">
-            <dgm:constrLst>
-              <dgm:constr type="primFontSz" for="des" ptType="node" op="equ" val="65"/>
-              <dgm:constr type="w" for="ch" forName="circle1" refType="w" fact="0.12"/>
-              <dgm:constr type="h" for="ch" forName="circle1" refType="w" refFor="ch" refForName="circle1"/>
-              <dgm:constr type="ctrX" for="ch" forName="circle1" refType="w" fact="0.7"/>
-              <dgm:constr type="ctrY" for="ch" forName="circle1" refType="h" fact="0.625"/>
-              <dgm:constr type="w" for="ch" forName="text1" refType="w" fact="0.3"/>
-              <dgm:constr type="h" for="ch" forName="text1" refType="h" fact="0.21875"/>
-              <dgm:constr type="l" for="ch" forName="text1"/>
-              <dgm:constr type="t" for="ch" forName="text1"/>
-              <dgm:constr type="l" for="ch" forName="line1" refType="r" refFor="ch" refForName="text1"/>
-              <dgm:constr type="ctrY" for="ch" forName="line1" refType="ctrY" refFor="ch" refForName="text1"/>
-              <dgm:constr type="r" for="ch" forName="line1" refType="w" fact="0.375"/>
-              <dgm:constr type="h" for="ch" forName="line1"/>
-              <dgm:constr type="r" for="ch" forName="d1" refType="w" fact="0.7"/>
-              <dgm:constr type="b" for="ch" forName="d1" refType="h" fact="0.625"/>
-              <dgm:constr type="w" for="ch" forName="d1" refType="w" fact="0.3247"/>
-              <dgm:constr type="h" for="ch" forName="d1" refType="h" fact="0.5155"/>
-              <dgm:constr type="w" for="ch" forName="circle2" refType="w" fact="0.36"/>
-              <dgm:constr type="h" for="ch" forName="circle2" refType="w" refFor="ch" refForName="circle2"/>
-              <dgm:constr type="ctrX" for="ch" forName="circle2" refType="w" fact="0.7"/>
-              <dgm:constr type="ctrY" for="ch" forName="circle2" refType="h" fact="0.625"/>
-              <dgm:constr type="w" for="ch" forName="text2" refType="w" fact="0.3"/>
-              <dgm:constr type="h" for="ch" forName="text2" refType="h" fact="0.21875"/>
-              <dgm:constr type="l" for="ch" forName="text2"/>
-              <dgm:constr type="t" for="ch" forName="text2" refType="b" refFor="ch" refForName="text1"/>
-              <dgm:constr type="l" for="ch" forName="line2" refType="r" refFor="ch" refForName="text2"/>
-              <dgm:constr type="ctrY" for="ch" forName="line2" refType="ctrY" refFor="ch" refForName="text2"/>
-              <dgm:constr type="r" for="ch" forName="line2" refType="w" fact="0.375"/>
-              <dgm:constr type="h" for="ch" forName="line2"/>
-              <dgm:constr type="r" for="ch" forName="d2" refType="w" fact="0.614"/>
-              <dgm:constr type="b" for="ch" forName="d2" refType="h" fact="0.72969"/>
-              <dgm:constr type="w" for="ch" forName="d2" refType="w" fact="0.2387"/>
-              <dgm:constr type="h" for="ch" forName="d2" refType="h" fact="0.4017"/>
-              <dgm:constr type="w" for="ch" forName="circle3" refType="w" fact="0.6"/>
-              <dgm:constr type="h" for="ch" forName="circle3" refType="w" refFor="ch" refForName="circle3"/>
-              <dgm:constr type="ctrX" for="ch" forName="circle3" refType="ctrX" refFor="ch" refForName="circle1"/>
-              <dgm:constr type="ctrY" for="ch" forName="circle3" refType="ctrY" refFor="ch" refForName="circle1"/>
-              <dgm:constr type="w" for="ch" forName="text3" refType="w" fact="0.3"/>
-              <dgm:constr type="h" for="ch" forName="text3" refType="h" fact="0.21875"/>
-              <dgm:constr type="l" for="ch" forName="text3"/>
-              <dgm:constr type="t" for="ch" forName="text3" refType="b" refFor="ch" refForName="text2"/>
-              <dgm:constr type="l" for="ch" forName="line3" refType="r" refFor="ch" refForName="text3"/>
-              <dgm:constr type="ctrY" for="ch" forName="line3" refType="ctrY" refFor="ch" refForName="text3"/>
-              <dgm:constr type="r" for="ch" forName="line3" refType="w" fact="0.375"/>
-              <dgm:constr type="h" for="ch" forName="line3"/>
-              <dgm:constr type="r" for="ch" forName="d3" refType="w" fact="0.52825"/>
-              <dgm:constr type="b" for="ch" forName="d3" refType="h" fact="0.83375"/>
-              <dgm:constr type="w" for="ch" forName="d3" refType="w" fact="0.1527"/>
-              <dgm:constr type="h" for="ch" forName="d3" refType="h" fact="0.287"/>
-            </dgm:constrLst>
-          </dgm:if>
-          <dgm:if name="Name16" axis="ch" ptType="node" func="cnt" op="equ" val="4">
-            <dgm:constrLst>
-              <dgm:constr type="primFontSz" for="des" ptType="node" op="equ" val="65"/>
-              <dgm:constr type="w" for="ch" forName="circle1" refType="w" fact="0.0857"/>
-              <dgm:constr type="h" for="ch" forName="circle1" refType="w" refFor="ch" refForName="circle1"/>
-              <dgm:constr type="ctrX" for="ch" forName="circle1" refType="w" fact="0.7"/>
-              <dgm:constr type="ctrY" for="ch" forName="circle1" refType="h" fact="0.625"/>
-              <dgm:constr type="w" for="ch" forName="text1" refType="w" fact="0.3"/>
-              <dgm:constr type="h" for="ch" forName="text1" refType="h" fact="0.17938"/>
-              <dgm:constr type="l" for="ch" forName="text1"/>
-              <dgm:constr type="t" for="ch" forName="text1"/>
-              <dgm:constr type="l" for="ch" forName="line1" refType="r" refFor="ch" refForName="text1"/>
-              <dgm:constr type="ctrY" for="ch" forName="line1" refType="ctrY" refFor="ch" refForName="text1"/>
-              <dgm:constr type="r" for="ch" forName="line1" refType="w" fact="0.375"/>
-              <dgm:constr type="h" for="ch" forName="line1"/>
-              <dgm:constr type="r" for="ch" forName="d1" refType="w" fact="0.705"/>
-              <dgm:constr type="b" for="ch" forName="d1" refType="h" fact="0.62"/>
-              <dgm:constr type="w" for="ch" forName="d1" refType="w" fact="0.33"/>
-              <dgm:constr type="h" for="ch" forName="d1" refType="h" fact="0.53"/>
-              <dgm:constr type="w" for="ch" forName="circle2" refType="w" fact="0.2571"/>
-              <dgm:constr type="h" for="ch" forName="circle2" refType="w" refFor="ch" refForName="circle2"/>
-              <dgm:constr type="ctrX" for="ch" forName="circle2" refType="w" fact="0.7"/>
-              <dgm:constr type="ctrY" for="ch" forName="circle2" refType="h" fact="0.625"/>
-              <dgm:constr type="w" for="ch" forName="text2" refType="w" fact="0.3"/>
-              <dgm:constr type="h" for="ch" forName="text2" refType="h" fact="0.17938"/>
-              <dgm:constr type="l" for="ch" forName="text2"/>
-              <dgm:constr type="t" for="ch" forName="text2" refType="b" refFor="ch" refForName="text1"/>
-              <dgm:constr type="l" for="ch" forName="line2" refType="r" refFor="ch" refForName="text2"/>
-              <dgm:constr type="ctrY" for="ch" forName="line2" refType="ctrY" refFor="ch" refForName="text2"/>
-              <dgm:constr type="r" for="ch" forName="line2" refType="w" fact="0.375"/>
-              <dgm:constr type="h" for="ch" forName="line2"/>
-              <dgm:constr type="r" for="ch" forName="d2" refType="w" fact="0.63375"/>
-              <dgm:constr type="b" for="ch" forName="d2" refType="h" fact="0.70438"/>
-              <dgm:constr type="w" for="ch" forName="d2" refType="w" fact="0.2585"/>
-              <dgm:constr type="h" for="ch" forName="d2" refType="h" fact="0.43525"/>
-              <dgm:constr type="w" for="ch" forName="circle3" refType="w" fact="0.4285"/>
-              <dgm:constr type="h" for="ch" forName="circle3" refType="w" refFor="ch" refForName="circle3"/>
-              <dgm:constr type="ctrX" for="ch" forName="circle3" refType="ctrX" refFor="ch" refForName="circle1"/>
-              <dgm:constr type="ctrY" for="ch" forName="circle3" refType="ctrY" refFor="ch" refForName="circle1"/>
-              <dgm:constr type="w" for="ch" forName="text3" refType="w" fact="0.3"/>
-              <dgm:constr type="h" for="ch" forName="text3" refType="h" fact="0.17938"/>
-              <dgm:constr type="l" for="ch" forName="text3"/>
-              <dgm:constr type="t" for="ch" forName="text3" refType="b" refFor="ch" refForName="text2"/>
-              <dgm:constr type="l" for="ch" forName="line3" refType="r" refFor="ch" refForName="text3"/>
-              <dgm:constr type="ctrY" for="ch" forName="line3" refType="ctrY" refFor="ch" refForName="text3"/>
-              <dgm:constr type="r" for="ch" forName="line3" refType="w" fact="0.375"/>
-              <dgm:constr type="h" for="ch" forName="line3"/>
-              <dgm:constr type="r" for="ch" forName="d3" refType="w" fact="0.5745"/>
-              <dgm:constr type="b" for="ch" forName="d3" refType="h" fact="0.78031"/>
-              <dgm:constr type="w" for="ch" forName="d3" refType="w" fact="0.1995"/>
-              <dgm:constr type="h" for="ch" forName="d3" refType="h" fact="0.332"/>
-              <dgm:constr type="w" for="ch" forName="circle4" refType="w" fact="0.6"/>
-              <dgm:constr type="h" for="ch" forName="circle4" refType="w" refFor="ch" refForName="circle4"/>
-              <dgm:constr type="ctrX" for="ch" forName="circle4" refType="ctrX" refFor="ch" refForName="circle1"/>
-              <dgm:constr type="ctrY" for="ch" forName="circle4" refType="ctrY" refFor="ch" refForName="circle1"/>
-              <dgm:constr type="w" for="ch" forName="text4" refType="w" fact="0.3"/>
-              <dgm:constr type="h" for="ch" forName="text4" refType="h" fact="0.17938"/>
-              <dgm:constr type="l" for="ch" forName="text4"/>
-              <dgm:constr type="t" for="ch" forName="text4" refType="b" refFor="ch" refForName="text3"/>
-              <dgm:constr type="l" for="ch" forName="line4" refType="r" refFor="ch" refForName="text4"/>
-              <dgm:constr type="ctrY" for="ch" forName="line4" refType="ctrY" refFor="ch" refForName="text4"/>
-              <dgm:constr type="r" for="ch" forName="line4" refType="w" fact="0.375"/>
-              <dgm:constr type="h" for="ch" forName="line4"/>
-              <dgm:constr type="r" for="ch" forName="d4" refType="w" fact="0.51475"/>
-              <dgm:constr type="b" for="ch" forName="d4" refType="h" fact="0.85594"/>
-              <dgm:constr type="w" for="ch" forName="d4" refType="w" fact="0.1394"/>
-              <dgm:constr type="h" for="ch" forName="d4" refType="h" fact="0.2282"/>
-            </dgm:constrLst>
-          </dgm:if>
-          <dgm:if name="Name17" axis="ch" ptType="node" func="cnt" op="gte" val="5">
-            <dgm:constrLst>
-              <dgm:constr type="primFontSz" for="des" ptType="node" op="equ" val="65"/>
-              <dgm:constr type="w" for="ch" forName="circle1" refType="w" fact="0.0667"/>
-              <dgm:constr type="h" for="ch" forName="circle1" refType="w" refFor="ch" refForName="circle1"/>
-              <dgm:constr type="ctrX" for="ch" forName="circle1" refType="w" fact="0.7"/>
-              <dgm:constr type="ctrY" for="ch" forName="circle1" refType="h" fact="0.625"/>
-              <dgm:constr type="w" for="ch" forName="text1" refType="w" fact="0.3"/>
-              <dgm:constr type="h" for="ch" forName="text1" refType="h" fact="0.1324"/>
-              <dgm:constr type="l" for="ch" forName="text1"/>
-              <dgm:constr type="ctrY" for="ch" forName="text1" refType="h" fact="0.13"/>
-              <dgm:constr type="l" for="ch" forName="line1" refType="r" refFor="ch" refForName="text1"/>
-              <dgm:constr type="ctrY" for="ch" forName="line1" refType="ctrY" refFor="ch" refForName="text1"/>
-              <dgm:constr type="r" for="ch" forName="line1" refType="w" fact="0.375"/>
-              <dgm:constr type="h" for="ch" forName="line1"/>
-              <dgm:constr type="r" for="ch" forName="d1" refType="w" fact="0.7"/>
-              <dgm:constr type="b" for="ch" forName="d1" refType="h" fact="0.625"/>
-              <dgm:constr type="w" for="ch" forName="d1" refType="w" fact="0.3245"/>
-              <dgm:constr type="h" for="ch" forName="d1" refType="h" fact="0.495"/>
-              <dgm:constr type="w" for="ch" forName="circle2" refType="w" fact="0.2"/>
-              <dgm:constr type="h" for="ch" forName="circle2" refType="w" refFor="ch" refForName="circle2"/>
-              <dgm:constr type="ctrX" for="ch" forName="circle2" refType="w" fact="0.7"/>
-              <dgm:constr type="ctrY" for="ch" forName="circle2" refType="h" fact="0.625"/>
-              <dgm:constr type="w" for="ch" forName="text2" refType="w" fact="0.3"/>
-              <dgm:constr type="h" for="ch" forName="text2" refType="h" fact="0.1324"/>
-              <dgm:constr type="l" for="ch" forName="text2"/>
-              <dgm:constr type="ctrY" for="ch" forName="text2" refType="h" fact="0.27"/>
-              <dgm:constr type="l" for="ch" forName="line2" refType="r" refFor="ch" refForName="text2"/>
-              <dgm:constr type="ctrY" for="ch" forName="line2" refType="ctrY" refFor="ch" refForName="text2"/>
-              <dgm:constr type="r" for="ch" forName="line2" refType="w" fact="0.375"/>
-              <dgm:constr type="h" for="ch" forName="line2"/>
-              <dgm:constr type="r" for="ch" forName="d2" refType="w" fact="0.6502"/>
-              <dgm:constr type="b" for="ch" forName="d2" refType="h" fact="0.682"/>
-              <dgm:constr type="w" for="ch" forName="d2" refType="w" fact="0.275"/>
-              <dgm:constr type="h" for="ch" forName="d2" refType="h" fact="0.41215"/>
-              <dgm:constr type="w" for="ch" forName="circle3" refType="w" fact="0.3334"/>
-              <dgm:constr type="h" for="ch" forName="circle3" refType="w" refFor="ch" refForName="circle3"/>
-              <dgm:constr type="ctrX" for="ch" forName="circle3" refType="ctrX" refFor="ch" refForName="circle1"/>
-              <dgm:constr type="ctrY" for="ch" forName="circle3" refType="ctrY" refFor="ch" refForName="circle1"/>
-              <dgm:constr type="w" for="ch" forName="text3" refType="w" fact="0.3"/>
-              <dgm:constr type="h" for="ch" forName="text3" refType="h" fact="0.1324"/>
-              <dgm:constr type="l" for="ch" forName="text3"/>
-              <dgm:constr type="ctrY" for="ch" forName="text3" refType="h" fact="0.41"/>
-              <dgm:constr type="l" for="ch" forName="line3" refType="r" refFor="ch" refForName="text3"/>
-              <dgm:constr type="ctrY" for="ch" forName="line3" refType="ctrY" refFor="ch" refForName="text3"/>
-              <dgm:constr type="r" for="ch" forName="line3" refType="w" fact="0.375"/>
-              <dgm:constr type="h" for="ch" forName="line3"/>
-              <dgm:constr type="r" for="ch" forName="d3" refType="w" fact="0.606"/>
-              <dgm:constr type="b" for="ch" forName="d3" refType="h" fact="0.735"/>
-              <dgm:constr type="w" for="ch" forName="d3" refType="w" fact="0.231"/>
-              <dgm:constr type="h" for="ch" forName="d3" refType="h" fact="0.325"/>
-              <dgm:constr type="w" for="ch" forName="circle4" refType="w" fact="0.4667"/>
-              <dgm:constr type="h" for="ch" forName="circle4" refType="w" refFor="ch" refForName="circle4"/>
-              <dgm:constr type="ctrX" for="ch" forName="circle4" refType="ctrX" refFor="ch" refForName="circle1"/>
-              <dgm:constr type="ctrY" for="ch" forName="circle4" refType="ctrY" refFor="ch" refForName="circle1"/>
-              <dgm:constr type="w" for="ch" forName="text4" refType="w" fact="0.3"/>
-              <dgm:constr type="h" for="ch" forName="text4" refType="h" fact="0.1324"/>
-              <dgm:constr type="l" for="ch" forName="text4"/>
-              <dgm:constr type="ctrY" for="ch" forName="text4" refType="h" fact="0.547"/>
-              <dgm:constr type="l" for="ch" forName="line4" refType="r" refFor="ch" refForName="text4"/>
-              <dgm:constr type="ctrY" for="ch" forName="line4" refType="ctrY" refFor="ch" refForName="text4"/>
-              <dgm:constr type="r" for="ch" forName="line4" refType="w" fact="0.375"/>
-              <dgm:constr type="h" for="ch" forName="line4"/>
-              <dgm:constr type="r" for="ch" forName="d4" refType="w" fact="0.554"/>
-              <dgm:constr type="b" for="ch" forName="d4" refType="h" fact="0.795"/>
-              <dgm:constr type="w" for="ch" forName="d4" refType="w" fact="0.179"/>
-              <dgm:constr type="h" for="ch" forName="d4" refType="h" fact="0.248"/>
-              <dgm:constr type="w" for="ch" forName="circle5" refType="w" fact="0.6"/>
-              <dgm:constr type="h" for="ch" forName="circle5" refType="w" refFor="ch" refForName="circle5"/>
-              <dgm:constr type="ctrX" for="ch" forName="circle5" refType="ctrX" refFor="ch" refForName="circle1"/>
-              <dgm:constr type="ctrY" for="ch" forName="circle5" refType="ctrY" refFor="ch" refForName="circle1"/>
-              <dgm:constr type="w" for="ch" forName="text5" refType="w" fact="0.3"/>
-              <dgm:constr type="h" for="ch" forName="text5" refType="h" fact="0.1324"/>
-              <dgm:constr type="l" for="ch" forName="text5"/>
-              <dgm:constr type="ctrY" for="ch" forName="text5" refType="h" fact="0.68"/>
-              <dgm:constr type="l" for="ch" forName="line5" refType="r" refFor="ch" refForName="text5"/>
-              <dgm:constr type="ctrY" for="ch" forName="line5" refType="ctrY" refFor="ch" refForName="text5"/>
-              <dgm:constr type="r" for="ch" forName="line5" refType="w" fact="0.375"/>
-              <dgm:constr type="h" for="ch" forName="line5"/>
-              <dgm:constr type="r" for="ch" forName="d5" refType="w" fact="0.505"/>
-              <dgm:constr type="b" for="ch" forName="d5" refType="h" fact="0.855"/>
-              <dgm:constr type="w" for="ch" forName="d5" refType="w" fact="0.13"/>
-              <dgm:constr type="h" for="ch" forName="d5" refType="h" fact="0.175"/>
-            </dgm:constrLst>
-          </dgm:if>
-          <dgm:else name="Name18"/>
-        </dgm:choose>
-      </dgm:else>
-    </dgm:choose>
-    <dgm:ruleLst/>
-    <dgm:forEach name="Name19" axis="ch" ptType="node" cnt="1">
-      <dgm:layoutNode name="circle1" styleLbl="lnNode1">
-        <dgm:alg type="sp"/>
-        <dgm:shape xmlns:r="http://schemas.openxmlformats.org/officeDocument/2006/relationships" type="ellipse" r:blip="">
-          <dgm:adjLst/>
-        </dgm:shape>
-        <dgm:presOf/>
-        <dgm:constrLst/>
-        <dgm:ruleLst/>
-      </dgm:layoutNode>
-      <dgm:layoutNode name="text1" styleLbl="revTx">
-        <dgm:varLst>
-          <dgm:bulletEnabled val="1"/>
-        </dgm:varLst>
-        <dgm:choose name="Name20">
-          <dgm:if name="Name21" func="var" arg="dir" op="equ" val="norm">
-            <dgm:choose name="Name22">
-              <dgm:if name="Name23" axis="root des" ptType="all node" func="maxDepth" op="gt" val="1">
-                <dgm:alg type="tx">
-                  <dgm:param type="parTxLTRAlign" val="l"/>
-                  <dgm:param type="parTxRTLAlign" val="r"/>
-                </dgm:alg>
-              </dgm:if>
-              <dgm:else name="Name24">
-                <dgm:alg type="tx">
-                  <dgm:param type="parTxLTRAlign" val="l"/>
-                  <dgm:param type="parTxRTLAlign" val="l"/>
-                </dgm:alg>
-              </dgm:else>
-            </dgm:choose>
-          </dgm:if>
-          <dgm:else name="Name25">
-            <dgm:choose name="Name26">
-              <dgm:if name="Name27" axis="root des" ptType="all node" func="maxDepth" op="gt" val="1">
-                <dgm:alg type="tx">
-                  <dgm:param type="parTxLTRAlign" val="l"/>
-                  <dgm:param type="parTxRTLAlign" val="r"/>
-                </dgm:alg>
-              </dgm:if>
-              <dgm:else name="Name28">
-                <dgm:alg type="tx">
-                  <dgm:param type="parTxLTRAlign" val="r"/>
-                  <dgm:param type="parTxRTLAlign" val="r"/>
-                </dgm:alg>
-              </dgm:else>
-            </dgm:choose>
-          </dgm:else>
-        </dgm:choose>
-        <dgm:shape xmlns:r="http://schemas.openxmlformats.org/officeDocument/2006/relationships" type="rect" r:blip="">
-          <dgm:adjLst/>
-        </dgm:shape>
-        <dgm:presOf axis="desOrSelf" ptType="node"/>
-        <dgm:choose name="Name29">
-          <dgm:if name="Name30" func="var" arg="dir" op="equ" val="norm">
-            <dgm:constrLst>
-              <dgm:constr type="tMarg" refType="primFontSz" fact="0.1"/>
-              <dgm:constr type="bMarg" refType="primFontSz" fact="0.1"/>
-              <dgm:constr type="rMarg" refType="primFontSz" fact="0.1"/>
-            </dgm:constrLst>
-          </dgm:if>
-          <dgm:else name="Name31">
-            <dgm:constrLst>
-              <dgm:constr type="tMarg" refType="primFontSz" fact="0.1"/>
-              <dgm:constr type="bMarg" refType="primFontSz" fact="0.1"/>
-              <dgm:constr type="lMarg" refType="primFontSz" fact="0.1"/>
-            </dgm:constrLst>
-          </dgm:else>
-        </dgm:choose>
-        <dgm:ruleLst>
-          <dgm:rule type="primFontSz" val="5" fact="NaN" max="NaN"/>
-        </dgm:ruleLst>
-      </dgm:layoutNode>
-      <dgm:layoutNode name="line1" styleLbl="callout">
-        <dgm:alg type="sp"/>
-        <dgm:shape xmlns:r="http://schemas.openxmlformats.org/officeDocument/2006/relationships" type="line" r:blip="">
-          <dgm:adjLst/>
-        </dgm:shape>
-        <dgm:presOf/>
-        <dgm:constrLst/>
-        <dgm:ruleLst/>
-      </dgm:layoutNode>
-      <dgm:layoutNode name="d1" styleLbl="callout">
-        <dgm:alg type="sp"/>
-        <dgm:choose name="Name32">
-          <dgm:if name="Name33" func="var" arg="dir" op="equ" val="norm">
-            <dgm:shape xmlns:r="http://schemas.openxmlformats.org/officeDocument/2006/relationships" rot="90" type="line" r:blip="">
-              <dgm:adjLst/>
-            </dgm:shape>
-          </dgm:if>
-          <dgm:else name="Name34">
-            <dgm:shape xmlns:r="http://schemas.openxmlformats.org/officeDocument/2006/relationships" rot="180" type="line" r:blip="">
-              <dgm:adjLst/>
-            </dgm:shape>
-          </dgm:else>
-        </dgm:choose>
-        <dgm:presOf/>
-        <dgm:constrLst/>
-        <dgm:ruleLst/>
-      </dgm:layoutNode>
-    </dgm:forEach>
-    <dgm:forEach name="Name35" axis="ch" ptType="node" st="2" cnt="1">
-      <dgm:layoutNode name="circle2" styleLbl="lnNode1">
-        <dgm:alg type="sp"/>
-        <dgm:shape xmlns:r="http://schemas.openxmlformats.org/officeDocument/2006/relationships" type="ellipse" r:blip="" zOrderOff="-5">
-          <dgm:adjLst/>
-        </dgm:shape>
-        <dgm:presOf/>
-        <dgm:constrLst/>
-        <dgm:ruleLst/>
-      </dgm:layoutNode>
-      <dgm:layoutNode name="text2" styleLbl="revTx">
-        <dgm:varLst>
-          <dgm:bulletEnabled val="1"/>
-        </dgm:varLst>
-        <dgm:choose name="Name36">
-          <dgm:if name="Name37" func="var" arg="dir" op="equ" val="norm">
-            <dgm:choose name="Name38">
-              <dgm:if name="Name39" axis="root des" ptType="all node" func="maxDepth" op="gt" val="1">
-                <dgm:alg type="tx">
-                  <dgm:param type="parTxLTRAlign" val="l"/>
-                  <dgm:param type="parTxRTLAlign" val="r"/>
-                </dgm:alg>
-              </dgm:if>
-              <dgm:else name="Name40">
-                <dgm:alg type="tx">
-                  <dgm:param type="parTxLTRAlign" val="l"/>
-                  <dgm:param type="parTxRTLAlign" val="l"/>
-                </dgm:alg>
-              </dgm:else>
-            </dgm:choose>
-          </dgm:if>
-          <dgm:else name="Name41">
-            <dgm:choose name="Name42">
-              <dgm:if name="Name43" axis="root des" ptType="all node" func="maxDepth" op="gt" val="1">
-                <dgm:alg type="tx">
-                  <dgm:param type="parTxLTRAlign" val="l"/>
-                  <dgm:param type="parTxRTLAlign" val="r"/>
-                </dgm:alg>
-              </dgm:if>
-              <dgm:else name="Name44">
-                <dgm:alg type="tx">
-                  <dgm:param type="parTxLTRAlign" val="r"/>
-                  <dgm:param type="parTxRTLAlign" val="r"/>
-                </dgm:alg>
-              </dgm:else>
-            </dgm:choose>
-          </dgm:else>
-        </dgm:choose>
-        <dgm:shape xmlns:r="http://schemas.openxmlformats.org/officeDocument/2006/relationships" type="rect" r:blip="">
-          <dgm:adjLst/>
-        </dgm:shape>
-        <dgm:presOf axis="desOrSelf" ptType="node"/>
-        <dgm:choose name="Name45">
-          <dgm:if name="Name46" func="var" arg="dir" op="equ" val="norm">
-            <dgm:constrLst>
-              <dgm:constr type="tMarg" refType="primFontSz" fact="0.1"/>
-              <dgm:constr type="bMarg" refType="primFontSz" fact="0.1"/>
-              <dgm:constr type="rMarg" refType="primFontSz" fact="0.1"/>
-            </dgm:constrLst>
-          </dgm:if>
-          <dgm:else name="Name47">
-            <dgm:constrLst>
-              <dgm:constr type="tMarg" refType="primFontSz" fact="0.1"/>
-              <dgm:constr type="bMarg" refType="primFontSz" fact="0.1"/>
-              <dgm:constr type="lMarg" refType="primFontSz" fact="0.1"/>
-            </dgm:constrLst>
-          </dgm:else>
-        </dgm:choose>
-        <dgm:ruleLst>
-          <dgm:rule type="primFontSz" val="5" fact="NaN" max="NaN"/>
-        </dgm:ruleLst>
-      </dgm:layoutNode>
-      <dgm:layoutNode name="line2" styleLbl="callout">
-        <dgm:alg type="sp"/>
-        <dgm:shape xmlns:r="http://schemas.openxmlformats.org/officeDocument/2006/relationships" type="line" r:blip="">
-          <dgm:adjLst/>
-        </dgm:shape>
-        <dgm:presOf/>
-        <dgm:constrLst/>
-        <dgm:ruleLst/>
-      </dgm:layoutNode>
-      <dgm:layoutNode name="d2" styleLbl="callout">
-        <dgm:alg type="sp"/>
-        <dgm:choose name="Name48">
-          <dgm:if name="Name49" func="var" arg="dir" op="equ" val="norm">
-            <dgm:shape xmlns:r="http://schemas.openxmlformats.org/officeDocument/2006/relationships" rot="90" type="line" r:blip="">
-              <dgm:adjLst/>
-            </dgm:shape>
-          </dgm:if>
-          <dgm:else name="Name50">
-            <dgm:shape xmlns:r="http://schemas.openxmlformats.org/officeDocument/2006/relationships" rot="180" type="line" r:blip="">
-              <dgm:adjLst/>
-            </dgm:shape>
-          </dgm:else>
-        </dgm:choose>
-        <dgm:presOf/>
-        <dgm:constrLst/>
-        <dgm:ruleLst/>
-      </dgm:layoutNode>
-    </dgm:forEach>
-    <dgm:forEach name="Name51" axis="ch" ptType="node" st="3" cnt="1">
-      <dgm:layoutNode name="circle3" styleLbl="lnNode1">
-        <dgm:alg type="sp"/>
-        <dgm:shape xmlns:r="http://schemas.openxmlformats.org/officeDocument/2006/relationships" type="ellipse" r:blip="" zOrderOff="-10">
-          <dgm:adjLst/>
-        </dgm:shape>
-        <dgm:presOf/>
-        <dgm:constrLst/>
-        <dgm:ruleLst/>
-      </dgm:layoutNode>
-      <dgm:layoutNode name="text3" styleLbl="revTx">
-        <dgm:varLst>
-          <dgm:bulletEnabled val="1"/>
-        </dgm:varLst>
-        <dgm:choose name="Name52">
-          <dgm:if name="Name53" func="var" arg="dir" op="equ" val="norm">
-            <dgm:choose name="Name54">
-              <dgm:if name="Name55" axis="root des" ptType="all node" func="maxDepth" op="gt" val="1">
-                <dgm:alg type="tx">
-                  <dgm:param type="parTxLTRAlign" val="l"/>
-                  <dgm:param type="parTxRTLAlign" val="r"/>
-                </dgm:alg>
-              </dgm:if>
-              <dgm:else name="Name56">
-                <dgm:alg type="tx">
-                  <dgm:param type="parTxLTRAlign" val="l"/>
-                  <dgm:param type="parTxRTLAlign" val="l"/>
-                </dgm:alg>
-              </dgm:else>
-            </dgm:choose>
-          </dgm:if>
-          <dgm:else name="Name57">
-            <dgm:choose name="Name58">
-              <dgm:if name="Name59" axis="root des" ptType="all node" func="maxDepth" op="gt" val="1">
-                <dgm:alg type="tx">
-                  <dgm:param type="parTxLTRAlign" val="l"/>
-                  <dgm:param type="parTxRTLAlign" val="r"/>
-                </dgm:alg>
-              </dgm:if>
-              <dgm:else name="Name60">
-                <dgm:alg type="tx">
-                  <dgm:param type="parTxLTRAlign" val="r"/>
-                  <dgm:param type="parTxRTLAlign" val="r"/>
-                </dgm:alg>
-              </dgm:else>
-            </dgm:choose>
-          </dgm:else>
-        </dgm:choose>
-        <dgm:shape xmlns:r="http://schemas.openxmlformats.org/officeDocument/2006/relationships" type="rect" r:blip="">
-          <dgm:adjLst/>
-        </dgm:shape>
-        <dgm:presOf axis="desOrSelf" ptType="node"/>
-        <dgm:choose name="Name61">
-          <dgm:if name="Name62" func="var" arg="dir" op="equ" val="norm">
-            <dgm:constrLst>
-              <dgm:constr type="tMarg" refType="primFontSz" fact="0.1"/>
-              <dgm:constr type="bMarg" refType="primFontSz" fact="0.1"/>
-              <dgm:constr type="rMarg" refType="primFontSz" fact="0.1"/>
-            </dgm:constrLst>
-          </dgm:if>
-          <dgm:else name="Name63">
-            <dgm:constrLst>
-              <dgm:constr type="tMarg" refType="primFontSz" fact="0.1"/>
-              <dgm:constr type="bMarg" refType="primFontSz" fact="0.1"/>
-              <dgm:constr type="lMarg" refType="primFontSz" fact="0.1"/>
-            </dgm:constrLst>
-          </dgm:else>
-        </dgm:choose>
-        <dgm:ruleLst>
-          <dgm:rule type="primFontSz" val="5" fact="NaN" max="NaN"/>
-        </dgm:ruleLst>
-      </dgm:layoutNode>
-      <dgm:layoutNode name="line3" styleLbl="callout">
-        <dgm:alg type="sp"/>
-        <dgm:shape xmlns:r="http://schemas.openxmlformats.org/officeDocument/2006/relationships" type="line" r:blip="">
-          <dgm:adjLst/>
-        </dgm:shape>
-        <dgm:presOf/>
-        <dgm:constrLst/>
-        <dgm:ruleLst/>
-      </dgm:layoutNode>
-      <dgm:layoutNode name="d3" styleLbl="callout">
-        <dgm:alg type="sp"/>
-        <dgm:choose name="Name64">
-          <dgm:if name="Name65" func="var" arg="dir" op="equ" val="norm">
-            <dgm:shape xmlns:r="http://schemas.openxmlformats.org/officeDocument/2006/relationships" rot="90" type="line" r:blip="">
-              <dgm:adjLst/>
-            </dgm:shape>
-          </dgm:if>
-          <dgm:else name="Name66">
-            <dgm:shape xmlns:r="http://schemas.openxmlformats.org/officeDocument/2006/relationships" rot="180" type="line" r:blip="">
-              <dgm:adjLst/>
-            </dgm:shape>
-          </dgm:else>
-        </dgm:choose>
-        <dgm:presOf/>
-        <dgm:constrLst/>
-        <dgm:ruleLst/>
-      </dgm:layoutNode>
-    </dgm:forEach>
-    <dgm:forEach name="Name67" axis="ch" ptType="node" st="4" cnt="1">
-      <dgm:layoutNode name="circle4" styleLbl="lnNode1">
-        <dgm:alg type="sp"/>
-        <dgm:shape xmlns:r="http://schemas.openxmlformats.org/officeDocument/2006/relationships" type="ellipse" r:blip="" zOrderOff="-15">
-          <dgm:adjLst/>
-        </dgm:shape>
-        <dgm:presOf/>
-        <dgm:constrLst/>
-        <dgm:ruleLst/>
-      </dgm:layoutNode>
-      <dgm:layoutNode name="text4" styleLbl="revTx">
-        <dgm:varLst>
-          <dgm:bulletEnabled val="1"/>
-        </dgm:varLst>
-        <dgm:choose name="Name68">
-          <dgm:if name="Name69" func="var" arg="dir" op="equ" val="norm">
-            <dgm:choose name="Name70">
-              <dgm:if name="Name71" axis="root des" ptType="all node" func="maxDepth" op="gt" val="1">
-                <dgm:alg type="tx">
-                  <dgm:param type="parTxLTRAlign" val="l"/>
-                  <dgm:param type="parTxRTLAlign" val="r"/>
-                </dgm:alg>
-              </dgm:if>
-              <dgm:else name="Name72">
-                <dgm:alg type="tx">
-                  <dgm:param type="parTxLTRAlign" val="l"/>
-                  <dgm:param type="parTxRTLAlign" val="l"/>
-                </dgm:alg>
-              </dgm:else>
-            </dgm:choose>
-          </dgm:if>
-          <dgm:else name="Name73">
-            <dgm:choose name="Name74">
-              <dgm:if name="Name75" axis="root des" ptType="all node" func="maxDepth" op="gt" val="1">
-                <dgm:alg type="tx">
-                  <dgm:param type="parTxLTRAlign" val="l"/>
-                  <dgm:param type="parTxRTLAlign" val="r"/>
-                </dgm:alg>
-              </dgm:if>
-              <dgm:else name="Name76">
-                <dgm:alg type="tx">
-                  <dgm:param type="parTxLTRAlign" val="r"/>
-                  <dgm:param type="parTxRTLAlign" val="r"/>
-                </dgm:alg>
-              </dgm:else>
-            </dgm:choose>
-          </dgm:else>
-        </dgm:choose>
-        <dgm:shape xmlns:r="http://schemas.openxmlformats.org/officeDocument/2006/relationships" type="rect" r:blip="">
-          <dgm:adjLst/>
-        </dgm:shape>
-        <dgm:presOf axis="desOrSelf" ptType="node"/>
-        <dgm:choose name="Name77">
-          <dgm:if name="Name78" func="var" arg="dir" op="equ" val="norm">
-            <dgm:constrLst>
-              <dgm:constr type="tMarg" refType="primFontSz" fact="0.1"/>
-              <dgm:constr type="bMarg" refType="primFontSz" fact="0.1"/>
-              <dgm:constr type="rMarg" refType="primFontSz" fact="0.1"/>
-            </dgm:constrLst>
-          </dgm:if>
-          <dgm:else name="Name79">
-            <dgm:constrLst>
-              <dgm:constr type="tMarg" refType="primFontSz" fact="0.1"/>
-              <dgm:constr type="bMarg" refType="primFontSz" fact="0.1"/>
-              <dgm:constr type="lMarg" refType="primFontSz" fact="0.1"/>
-            </dgm:constrLst>
-          </dgm:else>
-        </dgm:choose>
-        <dgm:ruleLst>
-          <dgm:rule type="primFontSz" val="5" fact="NaN" max="NaN"/>
-        </dgm:ruleLst>
-      </dgm:layoutNode>
-      <dgm:layoutNode name="line4" styleLbl="callout">
-        <dgm:alg type="sp"/>
-        <dgm:shape xmlns:r="http://schemas.openxmlformats.org/officeDocument/2006/relationships" type="line" r:blip="">
-          <dgm:adjLst/>
-        </dgm:shape>
-        <dgm:presOf/>
-        <dgm:constrLst/>
-        <dgm:ruleLst/>
-      </dgm:layoutNode>
-      <dgm:layoutNode name="d4" styleLbl="callout">
-        <dgm:alg type="sp"/>
-        <dgm:choose name="Name80">
-          <dgm:if name="Name81" func="var" arg="dir" op="equ" val="norm">
-            <dgm:shape xmlns:r="http://schemas.openxmlformats.org/officeDocument/2006/relationships" rot="90" type="line" r:blip="">
-              <dgm:adjLst/>
-            </dgm:shape>
-          </dgm:if>
-          <dgm:else name="Name82">
-            <dgm:shape xmlns:r="http://schemas.openxmlformats.org/officeDocument/2006/relationships" rot="180" type="line" r:blip="">
-              <dgm:adjLst/>
-            </dgm:shape>
-          </dgm:else>
-        </dgm:choose>
-        <dgm:presOf/>
-        <dgm:constrLst/>
-        <dgm:ruleLst/>
-      </dgm:layoutNode>
-    </dgm:forEach>
-    <dgm:forEach name="Name83" axis="ch" ptType="node" st="5" cnt="1">
-      <dgm:layoutNode name="circle5" styleLbl="lnNode1">
-        <dgm:alg type="sp"/>
-        <dgm:shape xmlns:r="http://schemas.openxmlformats.org/officeDocument/2006/relationships" type="ellipse" r:blip="" zOrderOff="-20">
-          <dgm:adjLst/>
-        </dgm:shape>
-        <dgm:presOf/>
-        <dgm:constrLst/>
-        <dgm:ruleLst/>
-      </dgm:layoutNode>
-      <dgm:layoutNode name="text5" styleLbl="revTx">
-        <dgm:varLst>
-          <dgm:bulletEnabled val="1"/>
-        </dgm:varLst>
-        <dgm:choose name="Name84">
-          <dgm:if name="Name85" func="var" arg="dir" op="equ" val="norm">
-            <dgm:choose name="Name86">
-              <dgm:if name="Name87" axis="root des" ptType="all node" func="maxDepth" op="gt" val="1">
-                <dgm:alg type="tx">
-                  <dgm:param type="parTxLTRAlign" val="l"/>
-                  <dgm:param type="parTxRTLAlign" val="r"/>
-                </dgm:alg>
-              </dgm:if>
-              <dgm:else name="Name88">
-                <dgm:alg type="tx">
-                  <dgm:param type="parTxLTRAlign" val="l"/>
-                  <dgm:param type="parTxRTLAlign" val="l"/>
-                </dgm:alg>
-              </dgm:else>
-            </dgm:choose>
-          </dgm:if>
-          <dgm:else name="Name89">
-            <dgm:choose name="Name90">
-              <dgm:if name="Name91" axis="root des" ptType="all node" func="maxDepth" op="gt" val="1">
-                <dgm:alg type="tx">
-                  <dgm:param type="parTxLTRAlign" val="l"/>
-                  <dgm:param type="parTxRTLAlign" val="r"/>
-                </dgm:alg>
-              </dgm:if>
-              <dgm:else name="Name92">
-                <dgm:alg type="tx">
-                  <dgm:param type="parTxLTRAlign" val="r"/>
-                  <dgm:param type="parTxRTLAlign" val="r"/>
-                </dgm:alg>
-              </dgm:else>
-            </dgm:choose>
-          </dgm:else>
-        </dgm:choose>
-        <dgm:shape xmlns:r="http://schemas.openxmlformats.org/officeDocument/2006/relationships" type="rect" r:blip="">
-          <dgm:adjLst/>
-        </dgm:shape>
-        <dgm:presOf axis="desOrSelf" ptType="node"/>
-        <dgm:choose name="Name93">
-          <dgm:if name="Name94" func="var" arg="dir" op="equ" val="norm">
-            <dgm:constrLst>
-              <dgm:constr type="tMarg" refType="primFontSz" fact="0.1"/>
-              <dgm:constr type="bMarg" refType="primFontSz" fact="0.1"/>
-              <dgm:constr type="rMarg" refType="primFontSz" fact="0.1"/>
-            </dgm:constrLst>
-          </dgm:if>
-          <dgm:else name="Name95">
-            <dgm:constrLst>
-              <dgm:constr type="tMarg" refType="primFontSz" fact="0.1"/>
-              <dgm:constr type="bMarg" refType="primFontSz" fact="0.1"/>
-              <dgm:constr type="lMarg" refType="primFontSz" fact="0.1"/>
-            </dgm:constrLst>
-          </dgm:else>
-        </dgm:choose>
-        <dgm:ruleLst>
-          <dgm:rule type="primFontSz" val="5" fact="NaN" max="NaN"/>
-        </dgm:ruleLst>
-      </dgm:layoutNode>
-      <dgm:layoutNode name="line5" styleLbl="callout">
-        <dgm:alg type="sp"/>
-        <dgm:shape xmlns:r="http://schemas.openxmlformats.org/officeDocument/2006/relationships" type="line" r:blip="">
-          <dgm:adjLst/>
-        </dgm:shape>
-        <dgm:presOf/>
-        <dgm:constrLst/>
-        <dgm:ruleLst/>
-      </dgm:layoutNode>
-      <dgm:layoutNode name="d5" styleLbl="callout">
-        <dgm:alg type="sp"/>
-        <dgm:choose name="Name96">
-          <dgm:if name="Name97" func="var" arg="dir" op="equ" val="norm">
-            <dgm:shape xmlns:r="http://schemas.openxmlformats.org/officeDocument/2006/relationships" rot="90" type="line" r:blip="">
-              <dgm:adjLst/>
-            </dgm:shape>
-          </dgm:if>
-          <dgm:else name="Name98">
-            <dgm:shape xmlns:r="http://schemas.openxmlformats.org/officeDocument/2006/relationships" rot="180" type="line" r:blip="">
-              <dgm:adjLst/>
-            </dgm:shape>
-          </dgm:else>
-        </dgm:choose>
-        <dgm:presOf/>
-        <dgm:constrLst/>
-        <dgm:ruleLst/>
-      </dgm:layoutNode>
-    </dgm:forEach>
-  </dgm:layoutNode>
-</dgm:layoutDef>
-</file>
-
-<file path=ppt/diagrams/quickStyle1.xml><?xml version="1.0" encoding="utf-8"?>
-<dgm:styleDef xmlns:dgm="http://schemas.openxmlformats.org/drawingml/2006/diagram" xmlns:a="http://schemas.openxmlformats.org/drawingml/2006/main" uniqueId="urn:microsoft.com/office/officeart/2005/8/quickstyle/simple4">
-  <dgm:title val=""/>
-  <dgm:desc val=""/>
-  <dgm:catLst>
-    <dgm:cat type="simple" pri="10400"/>
-  </dgm:catLst>
-  <dgm:scene3d>
-    <a:camera prst="orthographicFront"/>
-    <a:lightRig rig="threePt" dir="t"/>
-  </dgm:scene3d>
-  <dgm:styleLbl name="node0">
-    <dgm:scene3d>
-      <a:camera prst="orthographicFront"/>
-      <a:lightRig rig="threePt" dir="t"/>
-    </dgm:scene3d>
-    <dgm:sp3d/>
-    <dgm:txPr/>
-    <dgm:style>
-      <a:lnRef idx="0">
-        <a:scrgbClr r="0" g="0" b="0"/>
-      </a:lnRef>
-      <a:fillRef idx="3">
-        <a:scrgbClr r="0" g="0" b="0"/>
-      </a:fillRef>
-      <a:effectRef idx="2">
-        <a:scrgbClr r="0" g="0" b="0"/>
-      </a:effectRef>
-      <a:fontRef idx="minor">
-        <a:schemeClr val="lt1"/>
-      </a:fontRef>
-    </dgm:style>
-  </dgm:styleLbl>
-  <dgm:styleLbl name="lnNode1">
-    <dgm:scene3d>
-      <a:camera prst="orthographicFront"/>
-      <a:lightRig rig="threePt" dir="t"/>
-    </dgm:scene3d>
-    <dgm:sp3d/>
-    <dgm:txPr/>
-    <dgm:style>
-      <a:lnRef idx="1">
-        <a:scrgbClr r="0" g="0" b="0"/>
-      </a:lnRef>
-      <a:fillRef idx="3">
-        <a:scrgbClr r="0" g="0" b="0"/>
-      </a:fillRef>
-      <a:effectRef idx="2">
-        <a:scrgbClr r="0" g="0" b="0"/>
-      </a:effectRef>
-      <a:fontRef idx="minor">
-        <a:schemeClr val="lt1"/>
-      </a:fontRef>
-    </dgm:style>
-  </dgm:styleLbl>
-  <dgm:styleLbl name="vennNode1">
-    <dgm:scene3d>
-      <a:camera prst="orthographicFront"/>
-      <a:lightRig rig="threePt" dir="t"/>
-    </dgm:scene3d>
-    <dgm:sp3d/>
-    <dgm:txPr/>
-    <dgm:style>
-      <a:lnRef idx="0">
-        <a:scrgbClr r="0" g="0" b="0"/>
-      </a:lnRef>
-      <a:fillRef idx="3">
-        <a:scrgbClr r="0" g="0" b="0"/>
-      </a:fillRef>
-      <a:effectRef idx="0">
-        <a:scrgbClr r="0" g="0" b="0"/>
-      </a:effectRef>
-      <a:fontRef idx="minor">
-        <a:schemeClr val="tx1"/>
-      </a:fontRef>
-    </dgm:style>
-  </dgm:styleLbl>
-  <dgm:styleLbl name="alignNode1">
-    <dgm:scene3d>
-      <a:camera prst="orthographicFront"/>
-      <a:lightRig rig="threePt" dir="t"/>
-    </dgm:scene3d>
-    <dgm:sp3d/>
-    <dgm:txPr/>
-    <dgm:style>
-      <a:lnRef idx="1">
-        <a:scrgbClr r="0" g="0" b="0"/>
-      </a:lnRef>
-      <a:fillRef idx="3">
-        <a:scrgbClr r="0" g="0" b="0"/>
-      </a:fillRef>
-      <a:effectRef idx="2">
-        <a:scrgbClr r="0" g="0" b="0"/>
-      </a:effectRef>
-      <a:fontRef idx="minor">
-        <a:schemeClr val="lt1"/>
-      </a:fontRef>
-    </dgm:style>
-  </dgm:styleLbl>
-  <dgm:styleLbl name="node1">
-    <dgm:scene3d>
-      <a:camera prst="orthographicFront"/>
-      <a:lightRig rig="threePt" dir="t"/>
-    </dgm:scene3d>
-    <dgm:sp3d/>
-    <dgm:txPr/>
-    <dgm:style>
-      <a:lnRef idx="0">
-        <a:scrgbClr r="0" g="0" b="0"/>
-      </a:lnRef>
-      <a:fillRef idx="3">
-        <a:scrgbClr r="0" g="0" b="0"/>
-      </a:fillRef>
-      <a:effectRef idx="2">
-        <a:scrgbClr r="0" g="0" b="0"/>
-      </a:effectRef>
-      <a:fontRef idx="minor">
-        <a:schemeClr val="lt1"/>
-      </a:fontRef>
-    </dgm:style>
-  </dgm:styleLbl>
-  <dgm:styleLbl name="node2">
-    <dgm:scene3d>
-      <a:camera prst="orthographicFront"/>
-      <a:lightRig rig="threePt" dir="t"/>
-    </dgm:scene3d>
-    <dgm:sp3d/>
-    <dgm:txPr/>
-    <dgm:style>
-      <a:lnRef idx="0">
-        <a:scrgbClr r="0" g="0" b="0"/>
-      </a:lnRef>
-      <a:fillRef idx="3">
-        <a:scrgbClr r="0" g="0" b="0"/>
-      </a:fillRef>
-      <a:effectRef idx="2">
-        <a:scrgbClr r="0" g="0" b="0"/>
-      </a:effectRef>
-      <a:fontRef idx="minor">
-        <a:schemeClr val="lt1"/>
-      </a:fontRef>
-    </dgm:style>
-  </dgm:styleLbl>
-  <dgm:styleLbl name="node3">
-    <dgm:scene3d>
-      <a:camera prst="orthographicFront"/>
-      <a:lightRig rig="threePt" dir="t"/>
-    </dgm:scene3d>
-    <dgm:sp3d/>
-    <dgm:txPr/>
-    <dgm:style>
-      <a:lnRef idx="0">
-        <a:scrgbClr r="0" g="0" b="0"/>
-      </a:lnRef>
-      <a:fillRef idx="3">
-        <a:scrgbClr r="0" g="0" b="0"/>
-      </a:fillRef>
-      <a:effectRef idx="2">
-        <a:scrgbClr r="0" g="0" b="0"/>
-      </a:effectRef>
-      <a:fontRef idx="minor">
-        <a:schemeClr val="lt1"/>
-      </a:fontRef>
-    </dgm:style>
-  </dgm:styleLbl>
-  <dgm:styleLbl name="node4">
-    <dgm:scene3d>
-      <a:camera prst="orthographicFront"/>
-      <a:lightRig rig="threePt" dir="t"/>
-    </dgm:scene3d>
-    <dgm:sp3d/>
-    <dgm:txPr/>
-    <dgm:style>
-      <a:lnRef idx="0">
-        <a:scrgbClr r="0" g="0" b="0"/>
-      </a:lnRef>
-      <a:fillRef idx="3">
-        <a:scrgbClr r="0" g="0" b="0"/>
-      </a:fillRef>
-      <a:effectRef idx="2">
-        <a:scrgbClr r="0" g="0" b="0"/>
-      </a:effectRef>
-      <a:fontRef idx="minor">
-        <a:schemeClr val="lt1"/>
-      </a:fontRef>
-    </dgm:style>
-  </dgm:styleLbl>
-  <dgm:styleLbl name="fgImgPlace1">
-    <dgm:scene3d>
-      <a:camera prst="orthographicFront"/>
-      <a:lightRig rig="threePt" dir="t"/>
-    </dgm:scene3d>
-    <dgm:sp3d/>
-    <dgm:txPr/>
-    <dgm:style>
-      <a:lnRef idx="0">
-        <a:scrgbClr r="0" g="0" b="0"/>
-      </a:lnRef>
-      <a:fillRef idx="1">
-        <a:scrgbClr r="0" g="0" b="0"/>
-      </a:fillRef>
-      <a:effectRef idx="2">
-        <a:scrgbClr r="0" g="0" b="0"/>
-      </a:effectRef>
-      <a:fontRef idx="minor"/>
-    </dgm:style>
-  </dgm:styleLbl>
-  <dgm:styleLbl name="alignImgPlace1">
-    <dgm:scene3d>
-      <a:camera prst="orthographicFront"/>
-      <a:lightRig rig="threePt" dir="t"/>
-    </dgm:scene3d>
-    <dgm:sp3d/>
-    <dgm:txPr/>
-    <dgm:style>
-      <a:lnRef idx="0">
-        <a:scrgbClr r="0" g="0" b="0"/>
-      </a:lnRef>
-      <a:fillRef idx="1">
-        <a:scrgbClr r="0" g="0" b="0"/>
-      </a:fillRef>
-      <a:effectRef idx="2">
-        <a:scrgbClr r="0" g="0" b="0"/>
-      </a:effectRef>
-      <a:fontRef idx="minor"/>
-    </dgm:style>
-  </dgm:styleLbl>
-  <dgm:styleLbl name="bgImgPlace1">
-    <dgm:scene3d>
-      <a:camera prst="orthographicFront"/>
-      <a:lightRig rig="threePt" dir="t"/>
-    </dgm:scene3d>
-    <dgm:sp3d/>
-    <dgm:txPr/>
-    <dgm:style>
-      <a:lnRef idx="0">
-        <a:scrgbClr r="0" g="0" b="0"/>
-      </a:lnRef>
-      <a:fillRef idx="1">
-        <a:scrgbClr r="0" g="0" b="0"/>
-      </a:fillRef>
-      <a:effectRef idx="2">
-        <a:scrgbClr r="0" g="0" b="0"/>
-      </a:effectRef>
-      <a:fontRef idx="minor"/>
-    </dgm:style>
-  </dgm:styleLbl>
-  <dgm:styleLbl name="sibTrans2D1">
-    <dgm:scene3d>
-      <a:camera prst="orthographicFront"/>
-      <a:lightRig rig="threePt" dir="t"/>
-    </dgm:scene3d>
-    <dgm:sp3d/>
-    <dgm:txPr/>
-    <dgm:style>
-      <a:lnRef idx="0">
-        <a:scrgbClr r="0" g="0" b="0"/>
-      </a:lnRef>
-      <a:fillRef idx="3">
-        <a:scrgbClr r="0" g="0" b="0"/>
-      </a:fillRef>
-      <a:effectRef idx="2">
-        <a:scrgbClr r="0" g="0" b="0"/>
-      </a:effectRef>
-      <a:fontRef idx="minor">
-        <a:schemeClr val="lt1"/>
-      </a:fontRef>
-    </dgm:style>
-  </dgm:styleLbl>
-  <dgm:styleLbl name="fgSibTrans2D1">
-    <dgm:scene3d>
-      <a:camera prst="orthographicFront"/>
-      <a:lightRig rig="threePt" dir="t"/>
-    </dgm:scene3d>
-    <dgm:sp3d/>
-    <dgm:txPr/>
-    <dgm:style>
-      <a:lnRef idx="0">
-        <a:scrgbClr r="0" g="0" b="0"/>
-      </a:lnRef>
-      <a:fillRef idx="3">
-        <a:scrgbClr r="0" g="0" b="0"/>
-      </a:fillRef>
-      <a:effectRef idx="2">
-        <a:scrgbClr r="0" g="0" b="0"/>
-      </a:effectRef>
-      <a:fontRef idx="minor">
-        <a:schemeClr val="lt1"/>
-      </a:fontRef>
-    </dgm:style>
-  </dgm:styleLbl>
-  <dgm:styleLbl name="bgSibTrans2D1">
-    <dgm:scene3d>
-      <a:camera prst="orthographicFront"/>
-      <a:lightRig rig="threePt" dir="t"/>
-    </dgm:scene3d>
-    <dgm:sp3d/>
-    <dgm:txPr/>
-    <dgm:style>
-      <a:lnRef idx="0">
-        <a:scrgbClr r="0" g="0" b="0"/>
-      </a:lnRef>
-      <a:fillRef idx="3">
-        <a:scrgbClr r="0" g="0" b="0"/>
-      </a:fillRef>
-      <a:effectRef idx="2">
-        <a:scrgbClr r="0" g="0" b="0"/>
-      </a:effectRef>
-      <a:fontRef idx="minor">
-        <a:schemeClr val="lt1"/>
-      </a:fontRef>
-    </dgm:style>
-  </dgm:styleLbl>
-  <dgm:styleLbl name="sibTrans1D1">
-    <dgm:scene3d>
-      <a:camera prst="orthographicFront"/>
-      <a:lightRig rig="threePt" dir="t"/>
-    </dgm:scene3d>
-    <dgm:sp3d/>
-    <dgm:txPr/>
-    <dgm:style>
-      <a:lnRef idx="1">
-        <a:scrgbClr r="0" g="0" b="0"/>
-      </a:lnRef>
-      <a:fillRef idx="0">
-        <a:scrgbClr r="0" g="0" b="0"/>
-      </a:fillRef>
-      <a:effectRef idx="0">
-        <a:scrgbClr r="0" g="0" b="0"/>
-      </a:effectRef>
-      <a:fontRef idx="minor"/>
-    </dgm:style>
-  </dgm:styleLbl>
-  <dgm:styleLbl name="callout">
-    <dgm:scene3d>
-      <a:camera prst="orthographicFront"/>
-      <a:lightRig rig="threePt" dir="t"/>
-    </dgm:scene3d>
-    <dgm:sp3d/>
-    <dgm:txPr/>
-    <dgm:style>
-      <a:lnRef idx="2">
-        <a:scrgbClr r="0" g="0" b="0"/>
-      </a:lnRef>
-      <a:fillRef idx="1">
-        <a:scrgbClr r="0" g="0" b="0"/>
-      </a:fillRef>
-      <a:effectRef idx="1">
-        <a:scrgbClr r="0" g="0" b="0"/>
-      </a:effectRef>
-      <a:fontRef idx="minor"/>
-    </dgm:style>
-  </dgm:styleLbl>
-  <dgm:styleLbl name="asst0">
-    <dgm:scene3d>
-      <a:camera prst="orthographicFront"/>
-      <a:lightRig rig="threePt" dir="t"/>
-    </dgm:scene3d>
-    <dgm:sp3d/>
-    <dgm:txPr/>
-    <dgm:style>
-      <a:lnRef idx="0">
-        <a:scrgbClr r="0" g="0" b="0"/>
-      </a:lnRef>
-      <a:fillRef idx="3">
-        <a:scrgbClr r="0" g="0" b="0"/>
-      </a:fillRef>
-      <a:effectRef idx="2">
-        <a:scrgbClr r="0" g="0" b="0"/>
-      </a:effectRef>
-      <a:fontRef idx="minor">
-        <a:schemeClr val="lt1"/>
-      </a:fontRef>
-    </dgm:style>
-  </dgm:styleLbl>
-  <dgm:styleLbl name="asst1">
-    <dgm:scene3d>
-      <a:camera prst="orthographicFront"/>
-      <a:lightRig rig="threePt" dir="t"/>
-    </dgm:scene3d>
-    <dgm:sp3d/>
-    <dgm:txPr/>
-    <dgm:style>
-      <a:lnRef idx="0">
-        <a:scrgbClr r="0" g="0" b="0"/>
-      </a:lnRef>
-      <a:fillRef idx="3">
-        <a:scrgbClr r="0" g="0" b="0"/>
-      </a:fillRef>
-      <a:effectRef idx="2">
-        <a:scrgbClr r="0" g="0" b="0"/>
-      </a:effectRef>
-      <a:fontRef idx="minor">
-        <a:schemeClr val="lt1"/>
-      </a:fontRef>
-    </dgm:style>
-  </dgm:styleLbl>
-  <dgm:styleLbl name="asst2">
-    <dgm:scene3d>
-      <a:camera prst="orthographicFront"/>
-      <a:lightRig rig="threePt" dir="t"/>
-    </dgm:scene3d>
-    <dgm:sp3d/>
-    <dgm:txPr/>
-    <dgm:style>
-      <a:lnRef idx="0">
-        <a:scrgbClr r="0" g="0" b="0"/>
-      </a:lnRef>
-      <a:fillRef idx="3">
-        <a:scrgbClr r="0" g="0" b="0"/>
-      </a:fillRef>
-      <a:effectRef idx="2">
-        <a:scrgbClr r="0" g="0" b="0"/>
-      </a:effectRef>
-      <a:fontRef idx="minor">
-        <a:schemeClr val="lt1"/>
-      </a:fontRef>
-    </dgm:style>
-  </dgm:styleLbl>
-  <dgm:styleLbl name="asst3">
-    <dgm:scene3d>
-      <a:camera prst="orthographicFront"/>
-      <a:lightRig rig="threePt" dir="t"/>
-    </dgm:scene3d>
-    <dgm:sp3d/>
-    <dgm:txPr/>
-    <dgm:style>
-      <a:lnRef idx="0">
-        <a:scrgbClr r="0" g="0" b="0"/>
-      </a:lnRef>
-      <a:fillRef idx="3">
-        <a:scrgbClr r="0" g="0" b="0"/>
-      </a:fillRef>
-      <a:effectRef idx="2">
-        <a:scrgbClr r="0" g="0" b="0"/>
-      </a:effectRef>
-      <a:fontRef idx="minor">
-        <a:schemeClr val="lt1"/>
-      </a:fontRef>
-    </dgm:style>
-  </dgm:styleLbl>
-  <dgm:styleLbl name="asst4">
-    <dgm:scene3d>
-      <a:camera prst="orthographicFront"/>
-      <a:lightRig rig="threePt" dir="t"/>
-    </dgm:scene3d>
-    <dgm:sp3d/>
-    <dgm:txPr/>
-    <dgm:style>
-      <a:lnRef idx="0">
-        <a:scrgbClr r="0" g="0" b="0"/>
-      </a:lnRef>
-      <a:fillRef idx="3">
-        <a:scrgbClr r="0" g="0" b="0"/>
-      </a:fillRef>
-      <a:effectRef idx="2">
-        <a:scrgbClr r="0" g="0" b="0"/>
-      </a:effectRef>
-      <a:fontRef idx="minor">
-        <a:schemeClr val="lt1"/>
-      </a:fontRef>
-    </dgm:style>
-  </dgm:styleLbl>
-  <dgm:styleLbl name="parChTrans2D1">
-    <dgm:scene3d>
-      <a:camera prst="orthographicFront"/>
-      <a:lightRig rig="threePt" dir="t"/>
-    </dgm:scene3d>
-    <dgm:sp3d/>
-    <dgm:txPr/>
-    <dgm:style>
-      <a:lnRef idx="0">
-        <a:scrgbClr r="0" g="0" b="0"/>
-      </a:lnRef>
-      <a:fillRef idx="3">
-        <a:scrgbClr r="0" g="0" b="0"/>
-      </a:fillRef>
-      <a:effectRef idx="2">
-        <a:scrgbClr r="0" g="0" b="0"/>
-      </a:effectRef>
-      <a:fontRef idx="minor">
-        <a:schemeClr val="lt1"/>
-      </a:fontRef>
-    </dgm:style>
-  </dgm:styleLbl>
-  <dgm:styleLbl name="parChTrans2D2">
-    <dgm:scene3d>
-      <a:camera prst="orthographicFront"/>
-      <a:lightRig rig="threePt" dir="t"/>
-    </dgm:scene3d>
-    <dgm:sp3d/>
-    <dgm:txPr/>
-    <dgm:style>
-      <a:lnRef idx="0">
-        <a:scrgbClr r="0" g="0" b="0"/>
-      </a:lnRef>
-      <a:fillRef idx="3">
-        <a:scrgbClr r="0" g="0" b="0"/>
-      </a:fillRef>
-      <a:effectRef idx="2">
-        <a:scrgbClr r="0" g="0" b="0"/>
-      </a:effectRef>
-      <a:fontRef idx="minor">
-        <a:schemeClr val="lt1"/>
-      </a:fontRef>
-    </dgm:style>
-  </dgm:styleLbl>
-  <dgm:styleLbl name="parChTrans2D3">
-    <dgm:scene3d>
-      <a:camera prst="orthographicFront"/>
-      <a:lightRig rig="threePt" dir="t"/>
-    </dgm:scene3d>
-    <dgm:sp3d/>
-    <dgm:txPr/>
-    <dgm:style>
-      <a:lnRef idx="1">
-        <a:scrgbClr r="0" g="0" b="0"/>
-      </a:lnRef>
-      <a:fillRef idx="3">
-        <a:scrgbClr r="0" g="0" b="0"/>
-      </a:fillRef>
-      <a:effectRef idx="2">
-        <a:scrgbClr r="0" g="0" b="0"/>
-      </a:effectRef>
-      <a:fontRef idx="minor">
-        <a:schemeClr val="lt1"/>
-      </a:fontRef>
-    </dgm:style>
-  </dgm:styleLbl>
-  <dgm:styleLbl name="parChTrans2D4">
-    <dgm:scene3d>
-      <a:camera prst="orthographicFront"/>
-      <a:lightRig rig="threePt" dir="t"/>
-    </dgm:scene3d>
-    <dgm:sp3d/>
-    <dgm:txPr/>
-    <dgm:style>
-      <a:lnRef idx="1">
-        <a:scrgbClr r="0" g="0" b="0"/>
-      </a:lnRef>
-      <a:fillRef idx="3">
-        <a:scrgbClr r="0" g="0" b="0"/>
-      </a:fillRef>
-      <a:effectRef idx="2">
-        <a:scrgbClr r="0" g="0" b="0"/>
-      </a:effectRef>
-      <a:fontRef idx="minor">
-        <a:schemeClr val="lt1"/>
-      </a:fontRef>
-    </dgm:style>
-  </dgm:styleLbl>
-  <dgm:styleLbl name="parChTrans1D1">
-    <dgm:scene3d>
-      <a:camera prst="orthographicFront"/>
-      <a:lightRig rig="threePt" dir="t"/>
-    </dgm:scene3d>
-    <dgm:sp3d/>
-    <dgm:txPr/>
-    <dgm:style>
-      <a:lnRef idx="1">
-        <a:scrgbClr r="0" g="0" b="0"/>
-      </a:lnRef>
-      <a:fillRef idx="0">
-        <a:scrgbClr r="0" g="0" b="0"/>
-      </a:fillRef>
-      <a:effectRef idx="0">
-        <a:scrgbClr r="0" g="0" b="0"/>
-      </a:effectRef>
-      <a:fontRef idx="minor"/>
-    </dgm:style>
-  </dgm:styleLbl>
-  <dgm:styleLbl name="parChTrans1D2">
-    <dgm:scene3d>
-      <a:camera prst="orthographicFront"/>
-      <a:lightRig rig="threePt" dir="t"/>
-    </dgm:scene3d>
-    <dgm:sp3d/>
-    <dgm:txPr/>
-    <dgm:style>
-      <a:lnRef idx="1">
-        <a:scrgbClr r="0" g="0" b="0"/>
-      </a:lnRef>
-      <a:fillRef idx="0">
-        <a:scrgbClr r="0" g="0" b="0"/>
-      </a:fillRef>
-      <a:effectRef idx="0">
-        <a:scrgbClr r="0" g="0" b="0"/>
-      </a:effectRef>
-      <a:fontRef idx="minor"/>
-    </dgm:style>
-  </dgm:styleLbl>
-  <dgm:styleLbl name="parChTrans1D3">
-    <dgm:scene3d>
-      <a:camera prst="orthographicFront"/>
-      <a:lightRig rig="threePt" dir="t"/>
-    </dgm:scene3d>
-    <dgm:sp3d/>
-    <dgm:txPr/>
-    <dgm:style>
-      <a:lnRef idx="1">
-        <a:scrgbClr r="0" g="0" b="0"/>
-      </a:lnRef>
-      <a:fillRef idx="0">
-        <a:scrgbClr r="0" g="0" b="0"/>
-      </a:fillRef>
-      <a:effectRef idx="0">
-        <a:scrgbClr r="0" g="0" b="0"/>
-      </a:effectRef>
-      <a:fontRef idx="minor"/>
-    </dgm:style>
-  </dgm:styleLbl>
-  <dgm:styleLbl name="parChTrans1D4">
-    <dgm:scene3d>
-      <a:camera prst="orthographicFront"/>
-      <a:lightRig rig="threePt" dir="t"/>
-    </dgm:scene3d>
-    <dgm:sp3d/>
-    <dgm:txPr/>
-    <dgm:style>
-      <a:lnRef idx="1">
-        <a:scrgbClr r="0" g="0" b="0"/>
-      </a:lnRef>
-      <a:fillRef idx="0">
-        <a:scrgbClr r="0" g="0" b="0"/>
-      </a:fillRef>
-      <a:effectRef idx="0">
-        <a:scrgbClr r="0" g="0" b="0"/>
-      </a:effectRef>
-      <a:fontRef idx="minor"/>
-    </dgm:style>
-  </dgm:styleLbl>
-  <dgm:styleLbl name="fgAcc1">
-    <dgm:scene3d>
-      <a:camera prst="orthographicFront"/>
-      <a:lightRig rig="threePt" dir="t"/>
-    </dgm:scene3d>
-    <dgm:sp3d/>
-    <dgm:txPr/>
-    <dgm:style>
-      <a:lnRef idx="1">
-        <a:scrgbClr r="0" g="0" b="0"/>
-      </a:lnRef>
-      <a:fillRef idx="1">
-        <a:scrgbClr r="0" g="0" b="0"/>
-      </a:fillRef>
-      <a:effectRef idx="0">
-        <a:scrgbClr r="0" g="0" b="0"/>
-      </a:effectRef>
-      <a:fontRef idx="minor"/>
-    </dgm:style>
-  </dgm:styleLbl>
-  <dgm:styleLbl name="conFgAcc1">
-    <dgm:scene3d>
-      <a:camera prst="orthographicFront"/>
-      <a:lightRig rig="threePt" dir="t"/>
-    </dgm:scene3d>
-    <dgm:sp3d/>
-    <dgm:txPr/>
-    <dgm:style>
-      <a:lnRef idx="1">
-        <a:scrgbClr r="0" g="0" b="0"/>
-      </a:lnRef>
-      <a:fillRef idx="1">
-        <a:scrgbClr r="0" g="0" b="0"/>
-      </a:fillRef>
-      <a:effectRef idx="0">
-        <a:scrgbClr r="0" g="0" b="0"/>
-      </a:effectRef>
-      <a:fontRef idx="minor"/>
-    </dgm:style>
-  </dgm:styleLbl>
-  <dgm:styleLbl name="alignAcc1">
-    <dgm:scene3d>
-      <a:camera prst="orthographicFront"/>
-      <a:lightRig rig="threePt" dir="t"/>
-    </dgm:scene3d>
-    <dgm:sp3d/>
-    <dgm:txPr/>
-    <dgm:style>
-      <a:lnRef idx="1">
-        <a:scrgbClr r="0" g="0" b="0"/>
-      </a:lnRef>
-      <a:fillRef idx="1">
-        <a:scrgbClr r="0" g="0" b="0"/>
-      </a:fillRef>
-      <a:effectRef idx="0">
-        <a:scrgbClr r="0" g="0" b="0"/>
-      </a:effectRef>
-      <a:fontRef idx="minor"/>
-    </dgm:style>
-  </dgm:styleLbl>
-  <dgm:styleLbl name="trAlignAcc1">
-    <dgm:scene3d>
-      <a:camera prst="orthographicFront"/>
-      <a:lightRig rig="threePt" dir="t"/>
-    </dgm:scene3d>
-    <dgm:sp3d/>
-    <dgm:txPr/>
-    <dgm:style>
-      <a:lnRef idx="1">
-        <a:scrgbClr r="0" g="0" b="0"/>
-      </a:lnRef>
-      <a:fillRef idx="1">
-        <a:scrgbClr r="0" g="0" b="0"/>
-      </a:fillRef>
-      <a:effectRef idx="0">
-        <a:scrgbClr r="0" g="0" b="0"/>
-      </a:effectRef>
-      <a:fontRef idx="minor"/>
-    </dgm:style>
-  </dgm:styleLbl>
-  <dgm:styleLbl name="bgAcc1">
-    <dgm:scene3d>
-      <a:camera prst="orthographicFront"/>
-      <a:lightRig rig="threePt" dir="t"/>
-    </dgm:scene3d>
-    <dgm:sp3d/>
-    <dgm:txPr/>
-    <dgm:style>
-      <a:lnRef idx="1">
-        <a:scrgbClr r="0" g="0" b="0"/>
-      </a:lnRef>
-      <a:fillRef idx="1">
-        <a:scrgbClr r="0" g="0" b="0"/>
-      </a:fillRef>
-      <a:effectRef idx="0">
-        <a:scrgbClr r="0" g="0" b="0"/>
-      </a:effectRef>
-      <a:fontRef idx="minor"/>
-    </dgm:style>
-  </dgm:styleLbl>
-  <dgm:styleLbl name="solidFgAcc1">
-    <dgm:scene3d>
-      <a:camera prst="orthographicFront"/>
-      <a:lightRig rig="threePt" dir="t"/>
-    </dgm:scene3d>
-    <dgm:sp3d/>
-    <dgm:txPr/>
-    <dgm:style>
-      <a:lnRef idx="1">
-        <a:scrgbClr r="0" g="0" b="0"/>
-      </a:lnRef>
-      <a:fillRef idx="1">
-        <a:scrgbClr r="0" g="0" b="0"/>
-      </a:fillRef>
-      <a:effectRef idx="0">
-        <a:scrgbClr r="0" g="0" b="0"/>
-      </a:effectRef>
-      <a:fontRef idx="minor"/>
-    </dgm:style>
-  </dgm:styleLbl>
-  <dgm:styleLbl name="solidAlignAcc1">
-    <dgm:scene3d>
-      <a:camera prst="orthographicFront"/>
-      <a:lightRig rig="threePt" dir="t"/>
-    </dgm:scene3d>
-    <dgm:sp3d/>
-    <dgm:txPr/>
-    <dgm:style>
-      <a:lnRef idx="1">
-        <a:scrgbClr r="0" g="0" b="0"/>
-      </a:lnRef>
-      <a:fillRef idx="1">
-        <a:scrgbClr r="0" g="0" b="0"/>
-      </a:fillRef>
-      <a:effectRef idx="0">
-        <a:scrgbClr r="0" g="0" b="0"/>
-      </a:effectRef>
-      <a:fontRef idx="minor"/>
-    </dgm:style>
-  </dgm:styleLbl>
-  <dgm:styleLbl name="solidBgAcc1">
-    <dgm:scene3d>
-      <a:camera prst="orthographicFront"/>
-      <a:lightRig rig="threePt" dir="t"/>
-    </dgm:scene3d>
-    <dgm:sp3d/>
-    <dgm:txPr/>
-    <dgm:style>
-      <a:lnRef idx="1">
-        <a:scrgbClr r="0" g="0" b="0"/>
-      </a:lnRef>
-      <a:fillRef idx="1">
-        <a:scrgbClr r="0" g="0" b="0"/>
-      </a:fillRef>
-      <a:effectRef idx="0">
-        <a:scrgbClr r="0" g="0" b="0"/>
-      </a:effectRef>
-      <a:fontRef idx="minor"/>
-    </dgm:style>
-  </dgm:styleLbl>
-  <dgm:styleLbl name="fgAccFollowNode1">
-    <dgm:scene3d>
-      <a:camera prst="orthographicFront"/>
-      <a:lightRig rig="threePt" dir="t"/>
-    </dgm:scene3d>
-    <dgm:sp3d/>
-    <dgm:txPr/>
-    <dgm:style>
-      <a:lnRef idx="1">
-        <a:scrgbClr r="0" g="0" b="0"/>
-      </a:lnRef>
-      <a:fillRef idx="1">
-        <a:scrgbClr r="0" g="0" b="0"/>
-      </a:fillRef>
-      <a:effectRef idx="0">
-        <a:scrgbClr r="0" g="0" b="0"/>
-      </a:effectRef>
-      <a:fontRef idx="minor"/>
-    </dgm:style>
-  </dgm:styleLbl>
-  <dgm:styleLbl name="alignAccFollowNode1">
-    <dgm:scene3d>
-      <a:camera prst="orthographicFront"/>
-      <a:lightRig rig="threePt" dir="t"/>
-    </dgm:scene3d>
-    <dgm:sp3d/>
-    <dgm:txPr/>
-    <dgm:style>
-      <a:lnRef idx="1">
-        <a:scrgbClr r="0" g="0" b="0"/>
-      </a:lnRef>
-      <a:fillRef idx="1">
-        <a:scrgbClr r="0" g="0" b="0"/>
-      </a:fillRef>
-      <a:effectRef idx="0">
-        <a:scrgbClr r="0" g="0" b="0"/>
-      </a:effectRef>
-      <a:fontRef idx="minor"/>
-    </dgm:style>
-  </dgm:styleLbl>
-  <dgm:styleLbl name="bgAccFollowNode1">
-    <dgm:scene3d>
-      <a:camera prst="orthographicFront"/>
-      <a:lightRig rig="threePt" dir="t"/>
-    </dgm:scene3d>
-    <dgm:sp3d/>
-    <dgm:txPr/>
-    <dgm:style>
-      <a:lnRef idx="1">
-        <a:scrgbClr r="0" g="0" b="0"/>
-      </a:lnRef>
-      <a:fillRef idx="1">
-        <a:scrgbClr r="0" g="0" b="0"/>
-      </a:fillRef>
-      <a:effectRef idx="0">
-        <a:scrgbClr r="0" g="0" b="0"/>
-      </a:effectRef>
-      <a:fontRef idx="minor"/>
-    </dgm:style>
-  </dgm:styleLbl>
-  <dgm:styleLbl name="fgAcc0">
-    <dgm:scene3d>
-      <a:camera prst="orthographicFront"/>
-      <a:lightRig rig="threePt" dir="t"/>
-    </dgm:scene3d>
-    <dgm:sp3d/>
-    <dgm:txPr/>
-    <dgm:style>
-      <a:lnRef idx="1">
-        <a:scrgbClr r="0" g="0" b="0"/>
-      </a:lnRef>
-      <a:fillRef idx="1">
-        <a:scrgbClr r="0" g="0" b="0"/>
-      </a:fillRef>
-      <a:effectRef idx="0">
-        <a:scrgbClr r="0" g="0" b="0"/>
-      </a:effectRef>
-      <a:fontRef idx="minor"/>
-    </dgm:style>
-  </dgm:styleLbl>
-  <dgm:styleLbl name="fgAcc2">
-    <dgm:scene3d>
-      <a:camera prst="orthographicFront"/>
-      <a:lightRig rig="threePt" dir="t"/>
-    </dgm:scene3d>
-    <dgm:sp3d/>
-    <dgm:txPr/>
-    <dgm:style>
-      <a:lnRef idx="1">
-        <a:scrgbClr r="0" g="0" b="0"/>
-      </a:lnRef>
-      <a:fillRef idx="1">
-        <a:scrgbClr r="0" g="0" b="0"/>
-      </a:fillRef>
-      <a:effectRef idx="0">
-        <a:scrgbClr r="0" g="0" b="0"/>
-      </a:effectRef>
-      <a:fontRef idx="minor"/>
-    </dgm:style>
-  </dgm:styleLbl>
-  <dgm:styleLbl name="fgAcc3">
-    <dgm:scene3d>
-      <a:camera prst="orthographicFront"/>
-      <a:lightRig rig="threePt" dir="t"/>
-    </dgm:scene3d>
-    <dgm:sp3d/>
-    <dgm:txPr/>
-    <dgm:style>
-      <a:lnRef idx="1">
-        <a:scrgbClr r="0" g="0" b="0"/>
-      </a:lnRef>
-      <a:fillRef idx="1">
-        <a:scrgbClr r="0" g="0" b="0"/>
-      </a:fillRef>
-      <a:effectRef idx="0">
-        <a:scrgbClr r="0" g="0" b="0"/>
-      </a:effectRef>
-      <a:fontRef idx="minor"/>
-    </dgm:style>
-  </dgm:styleLbl>
-  <dgm:styleLbl name="fgAcc4">
-    <dgm:scene3d>
-      <a:camera prst="orthographicFront"/>
-      <a:lightRig rig="threePt" dir="t"/>
-    </dgm:scene3d>
-    <dgm:sp3d/>
-    <dgm:txPr/>
-    <dgm:style>
-      <a:lnRef idx="1">
-        <a:scrgbClr r="0" g="0" b="0"/>
-      </a:lnRef>
-      <a:fillRef idx="1">
-        <a:scrgbClr r="0" g="0" b="0"/>
-      </a:fillRef>
-      <a:effectRef idx="0">
-        <a:scrgbClr r="0" g="0" b="0"/>
-      </a:effectRef>
-      <a:fontRef idx="minor"/>
-    </dgm:style>
-  </dgm:styleLbl>
-  <dgm:styleLbl name="bgShp">
-    <dgm:scene3d>
-      <a:camera prst="orthographicFront"/>
-      <a:lightRig rig="threePt" dir="t"/>
-    </dgm:scene3d>
-    <dgm:sp3d/>
-    <dgm:txPr/>
-    <dgm:style>
-      <a:lnRef idx="0">
-        <a:scrgbClr r="0" g="0" b="0"/>
-      </a:lnRef>
-      <a:fillRef idx="1">
-        <a:scrgbClr r="0" g="0" b="0"/>
-      </a:fillRef>
-      <a:effectRef idx="2">
-        <a:scrgbClr r="0" g="0" b="0"/>
-      </a:effectRef>
-      <a:fontRef idx="minor"/>
-    </dgm:style>
-  </dgm:styleLbl>
-  <dgm:styleLbl name="dkBgShp">
-    <dgm:scene3d>
-      <a:camera prst="orthographicFront"/>
-      <a:lightRig rig="threePt" dir="t"/>
-    </dgm:scene3d>
-    <dgm:sp3d/>
-    <dgm:txPr/>
-    <dgm:style>
-      <a:lnRef idx="0">
-        <a:scrgbClr r="0" g="0" b="0"/>
-      </a:lnRef>
-      <a:fillRef idx="1">
-        <a:scrgbClr r="0" g="0" b="0"/>
-      </a:fillRef>
-      <a:effectRef idx="2">
-        <a:scrgbClr r="0" g="0" b="0"/>
-      </a:effectRef>
-      <a:fontRef idx="minor"/>
-    </dgm:style>
-  </dgm:styleLbl>
-  <dgm:styleLbl name="trBgShp">
-    <dgm:scene3d>
-      <a:camera prst="orthographicFront"/>
-      <a:lightRig rig="threePt" dir="t"/>
-    </dgm:scene3d>
-    <dgm:sp3d/>
-    <dgm:txPr/>
-    <dgm:style>
-      <a:lnRef idx="0">
-        <a:scrgbClr r="0" g="0" b="0"/>
-      </a:lnRef>
-      <a:fillRef idx="1">
-        <a:scrgbClr r="0" g="0" b="0"/>
-      </a:fillRef>
-      <a:effectRef idx="0">
-        <a:scrgbClr r="0" g="0" b="0"/>
-      </a:effectRef>
-      <a:fontRef idx="minor"/>
-    </dgm:style>
-  </dgm:styleLbl>
-  <dgm:styleLbl name="fgShp">
-    <dgm:scene3d>
-      <a:camera prst="orthographicFront"/>
-      <a:lightRig rig="threePt" dir="t"/>
-    </dgm:scene3d>
-    <dgm:sp3d/>
-    <dgm:txPr/>
-    <dgm:style>
-      <a:lnRef idx="0">
-        <a:scrgbClr r="0" g="0" b="0"/>
-      </a:lnRef>
-      <a:fillRef idx="3">
-        <a:scrgbClr r="0" g="0" b="0"/>
-      </a:fillRef>
-      <a:effectRef idx="2">
-        <a:scrgbClr r="0" g="0" b="0"/>
-      </a:effectRef>
-      <a:fontRef idx="minor"/>
-    </dgm:style>
-  </dgm:styleLbl>
-  <dgm:styleLbl name="revTx">
-    <dgm:scene3d>
-      <a:camera prst="orthographicFront"/>
-      <a:lightRig rig="threePt" dir="t"/>
-    </dgm:scene3d>
-    <dgm:sp3d/>
-    <dgm:txPr/>
-    <dgm:style>
-      <a:lnRef idx="0">
-        <a:scrgbClr r="0" g="0" b="0"/>
-      </a:lnRef>
-      <a:fillRef idx="0">
-        <a:scrgbClr r="0" g="0" b="0"/>
-      </a:fillRef>
-      <a:effectRef idx="0">
-        <a:scrgbClr r="0" g="0" b="0"/>
-      </a:effectRef>
-      <a:fontRef idx="minor"/>
-    </dgm:style>
-  </dgm:styleLbl>
-</dgm:styleDef>
 </file>
 
 <file path=ppt/handoutMasters/handoutMaster1.xml><?xml version="1.0" encoding="utf-8"?>
@@ -4940,11 +1726,7 @@
           <a:p>
             <a:r>
               <a:rPr lang="en-US" dirty="0" smtClean="0"/>
-              <a:t>Kevin should talk about </a:t>
-            </a:r>
-            <a:r>
-              <a:rPr lang="en-US" dirty="0" smtClean="0"/>
-              <a:t>this. I should record what he says so I can put it in the paper later</a:t>
+              <a:t>Kevin should talk about this. I should record what he says so I can put it in the paper later</a:t>
             </a:r>
             <a:r>
               <a:rPr lang="en-US" baseline="0" dirty="0" smtClean="0"/>
@@ -5321,6 +2103,268 @@
           <a:bodyPr/>
           <a:lstStyle/>
           <a:p>
+            <a:r>
+              <a:rPr lang="en-US" dirty="0" smtClean="0"/>
+              <a:t>Kevin:</a:t>
+            </a:r>
+          </a:p>
+          <a:p>
+            <a:endParaRPr lang="en-US" dirty="0" smtClean="0"/>
+          </a:p>
+          <a:p>
+            <a:pPr marL="171450" indent="-171450">
+              <a:buFont typeface="Arial" panose="020B0604020202020204" pitchFamily="34" charset="0"/>
+              <a:buChar char="•"/>
+            </a:pPr>
+            <a:r>
+              <a:rPr lang="en-US" dirty="0" smtClean="0"/>
+              <a:t>Our approach ended up resulting in a large number of False Positives</a:t>
+            </a:r>
+          </a:p>
+          <a:p>
+            <a:pPr marL="628650" lvl="1" indent="-171450">
+              <a:buFont typeface="Arial" panose="020B0604020202020204" pitchFamily="34" charset="0"/>
+              <a:buChar char="•"/>
+            </a:pPr>
+            <a:r>
+              <a:rPr lang="en-US" dirty="0" smtClean="0"/>
+              <a:t>A</a:t>
+            </a:r>
+            <a:r>
+              <a:rPr lang="en-US" baseline="0" dirty="0" smtClean="0"/>
+              <a:t> potential reason for this is the sparseness of our features</a:t>
+            </a:r>
+          </a:p>
+          <a:p>
+            <a:pPr marL="628650" lvl="1" indent="-171450">
+              <a:buFont typeface="Arial" panose="020B0604020202020204" pitchFamily="34" charset="0"/>
+              <a:buChar char="•"/>
+            </a:pPr>
+            <a:r>
+              <a:rPr lang="en-US" baseline="0" dirty="0" smtClean="0"/>
+              <a:t>OR having too many features</a:t>
+            </a:r>
+          </a:p>
+          <a:p>
+            <a:pPr marL="628650" lvl="1" indent="-171450">
+              <a:buFont typeface="Arial" panose="020B0604020202020204" pitchFamily="34" charset="0"/>
+              <a:buChar char="•"/>
+            </a:pPr>
+            <a:r>
+              <a:rPr lang="en-US" baseline="0" dirty="0" smtClean="0"/>
+              <a:t>Caused Over fitting to the curve</a:t>
+            </a:r>
+          </a:p>
+          <a:p>
+            <a:pPr marL="628650" lvl="1" indent="-171450">
+              <a:buFont typeface="Arial" panose="020B0604020202020204" pitchFamily="34" charset="0"/>
+              <a:buChar char="•"/>
+            </a:pPr>
+            <a:endParaRPr lang="en-US" baseline="0" dirty="0" smtClean="0"/>
+          </a:p>
+          <a:p>
+            <a:pPr marL="171450" lvl="0" indent="-171450">
+              <a:buFont typeface="Arial" panose="020B0604020202020204" pitchFamily="34" charset="0"/>
+              <a:buChar char="•"/>
+            </a:pPr>
+            <a:r>
+              <a:rPr lang="en-US" baseline="0" dirty="0" smtClean="0"/>
+              <a:t>Low number of False Negatives:</a:t>
+            </a:r>
+          </a:p>
+          <a:p>
+            <a:pPr marL="628650" lvl="1" indent="-171450">
+              <a:buFont typeface="Arial" panose="020B0604020202020204" pitchFamily="34" charset="0"/>
+              <a:buChar char="•"/>
+            </a:pPr>
+            <a:r>
+              <a:rPr lang="en-US" baseline="0" dirty="0" smtClean="0"/>
+              <a:t>This suggests that weaker teams probably won through strategy</a:t>
+            </a:r>
+          </a:p>
+          <a:p>
+            <a:pPr marL="628650" lvl="1" indent="-171450">
+              <a:buFont typeface="Arial" panose="020B0604020202020204" pitchFamily="34" charset="0"/>
+              <a:buChar char="•"/>
+            </a:pPr>
+            <a:r>
+              <a:rPr lang="en-US" baseline="0" dirty="0" smtClean="0"/>
+              <a:t>Begs that a “human” (not necessarily living) element be brought in to better predict the results</a:t>
+            </a:r>
+          </a:p>
+          <a:p>
+            <a:pPr marL="1085850" lvl="2" indent="-171450">
+              <a:buFont typeface="Arial" panose="020B0604020202020204" pitchFamily="34" charset="0"/>
+              <a:buChar char="•"/>
+            </a:pPr>
+            <a:r>
+              <a:rPr lang="en-US" baseline="0" dirty="0" smtClean="0"/>
+              <a:t>Maybe a strategy index? Ideas could be mentioned.</a:t>
+            </a:r>
+            <a:endParaRPr lang="en-US" dirty="0" smtClean="0"/>
+          </a:p>
+          <a:p>
+            <a:endParaRPr lang="en-US" dirty="0" smtClean="0"/>
+          </a:p>
+          <a:p>
+            <a:endParaRPr lang="en-US" dirty="0" smtClean="0"/>
+          </a:p>
+          <a:p>
+            <a:pPr marL="171450" indent="-171450">
+              <a:buFont typeface="Arial" panose="020B0604020202020204" pitchFamily="34" charset="0"/>
+              <a:buChar char="•"/>
+            </a:pPr>
+            <a:r>
+              <a:rPr lang="en-US" dirty="0" smtClean="0"/>
+              <a:t>Based off the Mean</a:t>
+            </a:r>
+            <a:r>
+              <a:rPr lang="en-US" baseline="0" dirty="0" smtClean="0"/>
+              <a:t> values of our 9 different outcomes:</a:t>
+            </a:r>
+            <a:endParaRPr lang="en-US" dirty="0" smtClean="0"/>
+          </a:p>
+          <a:p>
+            <a:r>
+              <a:rPr lang="en-US" dirty="0" smtClean="0"/>
+              <a:t>Recall: 0.756</a:t>
+            </a:r>
+          </a:p>
+          <a:p>
+            <a:r>
+              <a:rPr lang="en-US" dirty="0" smtClean="0"/>
+              <a:t>Precision:</a:t>
+            </a:r>
+            <a:r>
+              <a:rPr lang="en-US" baseline="0" dirty="0" smtClean="0"/>
+              <a:t> 0.559</a:t>
+            </a:r>
+          </a:p>
+          <a:p>
+            <a:r>
+              <a:rPr lang="en-US" baseline="0" dirty="0" smtClean="0"/>
+              <a:t>Accuracy: 0.596</a:t>
+            </a:r>
+          </a:p>
+          <a:p>
+            <a:r>
+              <a:rPr lang="en-US" dirty="0" smtClean="0"/>
+              <a:t>F1 Score: 0.643</a:t>
+            </a:r>
+          </a:p>
+          <a:p>
+            <a:endParaRPr lang="en-US" dirty="0" smtClean="0"/>
+          </a:p>
+          <a:p>
+            <a:r>
+              <a:rPr lang="en-US" sz="1200" kern="1200" dirty="0" err="1" smtClean="0">
+                <a:solidFill>
+                  <a:schemeClr val="tx1"/>
+                </a:solidFill>
+                <a:latin typeface="+mn-lt"/>
+                <a:ea typeface="+mn-ea"/>
+                <a:cs typeface="+mn-cs"/>
+              </a:rPr>
+              <a:t>Avg</a:t>
+            </a:r>
+            <a:r>
+              <a:rPr lang="en-US" sz="1200" kern="1200" dirty="0" smtClean="0">
+                <a:solidFill>
+                  <a:schemeClr val="tx1"/>
+                </a:solidFill>
+                <a:latin typeface="+mn-lt"/>
+                <a:ea typeface="+mn-ea"/>
+                <a:cs typeface="+mn-cs"/>
+              </a:rPr>
+              <a:t>		The Trials</a:t>
+            </a:r>
+          </a:p>
+          <a:p>
+            <a:r>
+              <a:rPr lang="pl-PL" sz="1200" kern="1200" dirty="0" smtClean="0">
+                <a:solidFill>
+                  <a:schemeClr val="tx1"/>
+                </a:solidFill>
+                <a:latin typeface="+mn-lt"/>
+                <a:ea typeface="+mn-ea"/>
+                <a:cs typeface="+mn-cs"/>
+              </a:rPr>
+              <a:t>23.2 	tp: 32 + 23 + 26 + 22 + 11 + 16 + 29 + 28 + 22</a:t>
+            </a:r>
+          </a:p>
+          <a:p>
+            <a:r>
+              <a:rPr lang="de-DE" sz="1200" kern="1200" dirty="0" smtClean="0">
+                <a:solidFill>
+                  <a:schemeClr val="tx1"/>
+                </a:solidFill>
+                <a:latin typeface="+mn-lt"/>
+                <a:ea typeface="+mn-ea"/>
+                <a:cs typeface="+mn-cs"/>
+              </a:rPr>
+              <a:t>7.5 	fn:   7 +   1 +   8 +   8 + 18 + 11 +   5 +   4 + 6</a:t>
+            </a:r>
+          </a:p>
+          <a:p>
+            <a:r>
+              <a:rPr lang="da-DK" sz="1200" kern="1200" dirty="0" smtClean="0">
+                <a:solidFill>
+                  <a:schemeClr val="tx1"/>
+                </a:solidFill>
+                <a:latin typeface="+mn-lt"/>
+                <a:ea typeface="+mn-ea"/>
+                <a:cs typeface="+mn-cs"/>
+              </a:rPr>
+              <a:t>18.3 	fp: 20 + 35 + 21 + 16 + 11 + 12 +   8 + 19 + 23</a:t>
+            </a:r>
+          </a:p>
+          <a:p>
+            <a:r>
+              <a:rPr lang="en-US" sz="1200" kern="1200" dirty="0" smtClean="0">
+                <a:solidFill>
+                  <a:schemeClr val="tx1"/>
+                </a:solidFill>
+                <a:latin typeface="+mn-lt"/>
+                <a:ea typeface="+mn-ea"/>
+                <a:cs typeface="+mn-cs"/>
+              </a:rPr>
+              <a:t>14.8 	</a:t>
+            </a:r>
+            <a:r>
+              <a:rPr lang="en-US" sz="1200" kern="1200" dirty="0" err="1" smtClean="0">
+                <a:solidFill>
+                  <a:schemeClr val="tx1"/>
+                </a:solidFill>
+                <a:latin typeface="+mn-lt"/>
+                <a:ea typeface="+mn-ea"/>
+                <a:cs typeface="+mn-cs"/>
+              </a:rPr>
+              <a:t>tn</a:t>
+            </a:r>
+            <a:r>
+              <a:rPr lang="en-US" sz="1200" kern="1200" dirty="0" smtClean="0">
+                <a:solidFill>
+                  <a:schemeClr val="tx1"/>
+                </a:solidFill>
+                <a:latin typeface="+mn-lt"/>
+                <a:ea typeface="+mn-ea"/>
+                <a:cs typeface="+mn-cs"/>
+              </a:rPr>
+              <a:t>:   5 +   5 +   9 + 18 + 24 + 25 + 22 + 13 + 13</a:t>
+            </a:r>
+            <a:endParaRPr lang="en" sz="1200" kern="1200" dirty="0" smtClean="0">
+              <a:solidFill>
+                <a:schemeClr val="tx1"/>
+              </a:solidFill>
+              <a:latin typeface="+mn-lt"/>
+              <a:ea typeface="+mn-ea"/>
+              <a:cs typeface="+mn-cs"/>
+            </a:endParaRPr>
+          </a:p>
+          <a:p>
+            <a:endParaRPr lang="en-US" dirty="0" smtClean="0"/>
+          </a:p>
+          <a:p>
             <a:endParaRPr lang="en-US" dirty="0"/>
           </a:p>
         </p:txBody>
@@ -5407,7 +2451,7 @@
           <a:p>
             <a:r>
               <a:rPr lang="en-US" dirty="0" smtClean="0"/>
-              <a:t>Difficulties:</a:t>
+              <a:t>Summary: Rob</a:t>
             </a:r>
           </a:p>
           <a:p>
@@ -5417,6 +2461,41 @@
             </a:pPr>
             <a:r>
               <a:rPr lang="en-US" dirty="0" smtClean="0"/>
+              <a:t>With a move complete Dataset we may have</a:t>
+            </a:r>
+            <a:r>
+              <a:rPr lang="en-US" baseline="0" dirty="0" smtClean="0"/>
+              <a:t> been able to predict with more accuracy, whether a team would or wouldn’t win</a:t>
+            </a:r>
+          </a:p>
+          <a:p>
+            <a:pPr marL="171450" indent="-171450">
+              <a:buFont typeface="Arial" panose="020B0604020202020204" pitchFamily="34" charset="0"/>
+              <a:buChar char="•"/>
+            </a:pPr>
+            <a:r>
+              <a:rPr lang="en-US" baseline="0" dirty="0" smtClean="0"/>
+              <a:t>Strategy plays an unquantifiable role in Pokémon, that can sway the battle in the favor to teams that may be statically weaker. We fell that, this lack of strategy measure accounts for some of the False Positives. </a:t>
+            </a:r>
+            <a:endParaRPr lang="en-US" dirty="0" smtClean="0"/>
+          </a:p>
+          <a:p>
+            <a:endParaRPr lang="en-US" dirty="0" smtClean="0"/>
+          </a:p>
+          <a:p>
+            <a:r>
+              <a:rPr lang="en-US" dirty="0" smtClean="0"/>
+              <a:t>Difficulties: Kevin</a:t>
+            </a:r>
+            <a:endParaRPr lang="en-US" dirty="0" smtClean="0"/>
+          </a:p>
+          <a:p>
+            <a:pPr marL="171450" indent="-171450">
+              <a:buFont typeface="Arial" panose="020B0604020202020204" pitchFamily="34" charset="0"/>
+              <a:buChar char="•"/>
+            </a:pPr>
+            <a:r>
+              <a:rPr lang="en-US" dirty="0" smtClean="0"/>
               <a:t>Sparseness</a:t>
             </a:r>
             <a:r>
@@ -5481,8 +2560,33 @@
             </a:pPr>
             <a:r>
               <a:rPr lang="en-US" baseline="0" dirty="0" smtClean="0"/>
-              <a:t>Attacks can have passive effects</a:t>
-            </a:r>
+              <a:t>Attacks can have passive </a:t>
+            </a:r>
+            <a:r>
+              <a:rPr lang="en-US" baseline="0" dirty="0" smtClean="0"/>
+              <a:t>effects</a:t>
+            </a:r>
+          </a:p>
+          <a:p>
+            <a:pPr marL="171450" lvl="0" indent="-171450">
+              <a:buFont typeface="Arial" panose="020B0604020202020204" pitchFamily="34" charset="0"/>
+              <a:buChar char="•"/>
+            </a:pPr>
+            <a:r>
+              <a:rPr lang="en-US" baseline="0" dirty="0" smtClean="0"/>
+              <a:t>Having too many Sparse features can cause the battles to drastically over fit</a:t>
+            </a:r>
+          </a:p>
+          <a:p>
+            <a:pPr marL="628650" lvl="1" indent="-171450">
+              <a:buFont typeface="Arial" panose="020B0604020202020204" pitchFamily="34" charset="0"/>
+              <a:buChar char="•"/>
+            </a:pPr>
+            <a:r>
+              <a:rPr lang="en-US" baseline="0" dirty="0" smtClean="0"/>
+              <a:t>Dramatic increase to False Positives. </a:t>
+            </a:r>
+            <a:endParaRPr lang="en-US" baseline="0" dirty="0" smtClean="0"/>
           </a:p>
           <a:p>
             <a:pPr marL="628650" lvl="1" indent="-171450">
@@ -9568,9 +6672,6 @@
                     <p:cTn id="3" fill="hold">
                       <p:stCondLst>
                         <p:cond delay="indefinite"/>
-                        <p:cond evt="onBegin" delay="0">
-                          <p:tn val="2"/>
-                        </p:cond>
                       </p:stCondLst>
                       <p:childTnLst>
                         <p:par>
@@ -9580,7 +6681,7 @@
                             </p:stCondLst>
                             <p:childTnLst>
                               <p:par>
-                                <p:cTn id="5" presetID="31" presetClass="entr" presetSubtype="0" fill="hold" grpId="0" nodeType="afterEffect">
+                                <p:cTn id="5" presetID="10" presetClass="entr" presetSubtype="0" fill="hold" grpId="0" nodeType="clickEffect">
                                   <p:stCondLst>
                                     <p:cond delay="0"/>
                                   </p:stCondLst>
@@ -9607,90 +6708,9 @@
                                         <p:strVal val="visible"/>
                                       </p:to>
                                     </p:set>
-                                    <p:anim calcmode="lin" valueType="num">
-                                      <p:cBhvr>
-                                        <p:cTn id="7" dur="1000" fill="hold"/>
-                                        <p:tgtEl>
-                                          <p:spTgt spid="3">
-                                            <p:txEl>
-                                              <p:pRg st="0" end="0"/>
-                                            </p:txEl>
-                                          </p:spTgt>
-                                        </p:tgtEl>
-                                        <p:attrNameLst>
-                                          <p:attrName>ppt_w</p:attrName>
-                                        </p:attrNameLst>
-                                      </p:cBhvr>
-                                      <p:tavLst>
-                                        <p:tav tm="0">
-                                          <p:val>
-                                            <p:fltVal val="0"/>
-                                          </p:val>
-                                        </p:tav>
-                                        <p:tav tm="100000">
-                                          <p:val>
-                                            <p:strVal val="#ppt_w"/>
-                                          </p:val>
-                                        </p:tav>
-                                      </p:tavLst>
-                                    </p:anim>
-                                    <p:anim calcmode="lin" valueType="num">
-                                      <p:cBhvr>
-                                        <p:cTn id="8" dur="1000" fill="hold"/>
-                                        <p:tgtEl>
-                                          <p:spTgt spid="3">
-                                            <p:txEl>
-                                              <p:pRg st="0" end="0"/>
-                                            </p:txEl>
-                                          </p:spTgt>
-                                        </p:tgtEl>
-                                        <p:attrNameLst>
-                                          <p:attrName>ppt_h</p:attrName>
-                                        </p:attrNameLst>
-                                      </p:cBhvr>
-                                      <p:tavLst>
-                                        <p:tav tm="0">
-                                          <p:val>
-                                            <p:fltVal val="0"/>
-                                          </p:val>
-                                        </p:tav>
-                                        <p:tav tm="100000">
-                                          <p:val>
-                                            <p:strVal val="#ppt_h"/>
-                                          </p:val>
-                                        </p:tav>
-                                      </p:tavLst>
-                                    </p:anim>
-                                    <p:anim calcmode="lin" valueType="num">
-                                      <p:cBhvr>
-                                        <p:cTn id="9" dur="1000" fill="hold"/>
-                                        <p:tgtEl>
-                                          <p:spTgt spid="3">
-                                            <p:txEl>
-                                              <p:pRg st="0" end="0"/>
-                                            </p:txEl>
-                                          </p:spTgt>
-                                        </p:tgtEl>
-                                        <p:attrNameLst>
-                                          <p:attrName>style.rotation</p:attrName>
-                                        </p:attrNameLst>
-                                      </p:cBhvr>
-                                      <p:tavLst>
-                                        <p:tav tm="0">
-                                          <p:val>
-                                            <p:fltVal val="90"/>
-                                          </p:val>
-                                        </p:tav>
-                                        <p:tav tm="100000">
-                                          <p:val>
-                                            <p:fltVal val="0"/>
-                                          </p:val>
-                                        </p:tav>
-                                      </p:tavLst>
-                                    </p:anim>
                                     <p:animEffect transition="in" filter="fade">
                                       <p:cBhvr>
-                                        <p:cTn id="10" dur="1000"/>
+                                        <p:cTn id="7" dur="500"/>
                                         <p:tgtEl>
                                           <p:spTgt spid="3">
                                             <p:txEl>
@@ -9710,26 +6730,26 @@
                     </p:cTn>
                   </p:par>
                   <p:par>
-                    <p:cTn id="11" fill="hold">
+                    <p:cTn id="8" fill="hold">
                       <p:stCondLst>
                         <p:cond delay="indefinite"/>
                       </p:stCondLst>
                       <p:childTnLst>
                         <p:par>
-                          <p:cTn id="12" fill="hold">
+                          <p:cTn id="9" fill="hold">
                             <p:stCondLst>
                               <p:cond delay="0"/>
                             </p:stCondLst>
                             <p:childTnLst>
                               <p:par>
-                                <p:cTn id="13" presetID="10" presetClass="entr" presetSubtype="0" fill="hold" grpId="0" nodeType="clickEffect">
+                                <p:cTn id="10" presetID="10" presetClass="entr" presetSubtype="0" fill="hold" grpId="0" nodeType="clickEffect">
                                   <p:stCondLst>
                                     <p:cond delay="0"/>
                                   </p:stCondLst>
                                   <p:childTnLst>
                                     <p:set>
                                       <p:cBhvr>
-                                        <p:cTn id="14" dur="1" fill="hold">
+                                        <p:cTn id="11" dur="1" fill="hold">
                                           <p:stCondLst>
                                             <p:cond delay="0"/>
                                           </p:stCondLst>
@@ -9751,7 +6771,7 @@
                                     </p:set>
                                     <p:animEffect transition="in" filter="fade">
                                       <p:cBhvr>
-                                        <p:cTn id="15" dur="500"/>
+                                        <p:cTn id="12" dur="500"/>
                                         <p:tgtEl>
                                           <p:spTgt spid="4">
                                             <p:txEl>
@@ -9771,26 +6791,26 @@
                     </p:cTn>
                   </p:par>
                   <p:par>
-                    <p:cTn id="16" fill="hold">
+                    <p:cTn id="13" fill="hold">
                       <p:stCondLst>
                         <p:cond delay="indefinite"/>
                       </p:stCondLst>
                       <p:childTnLst>
                         <p:par>
-                          <p:cTn id="17" fill="hold">
+                          <p:cTn id="14" fill="hold">
                             <p:stCondLst>
                               <p:cond delay="0"/>
                             </p:stCondLst>
                             <p:childTnLst>
                               <p:par>
-                                <p:cTn id="18" presetID="55" presetClass="entr" presetSubtype="0" fill="hold" grpId="0" nodeType="clickEffect">
+                                <p:cTn id="15" presetID="10" presetClass="entr" presetSubtype="0" fill="hold" grpId="0" nodeType="clickEffect">
                                   <p:stCondLst>
                                     <p:cond delay="0"/>
                                   </p:stCondLst>
                                   <p:childTnLst>
                                     <p:set>
                                       <p:cBhvr>
-                                        <p:cTn id="19" dur="1" fill="hold">
+                                        <p:cTn id="16" dur="1" fill="hold">
                                           <p:stCondLst>
                                             <p:cond delay="0"/>
                                           </p:stCondLst>
@@ -9806,55 +6826,9 @@
                                         <p:strVal val="visible"/>
                                       </p:to>
                                     </p:set>
-                                    <p:anim calcmode="lin" valueType="num">
-                                      <p:cBhvr>
-                                        <p:cTn id="20" dur="1000" fill="hold"/>
-                                        <p:tgtEl>
-                                          <p:spTgt spid="8"/>
-                                        </p:tgtEl>
-                                        <p:attrNameLst>
-                                          <p:attrName>ppt_w</p:attrName>
-                                        </p:attrNameLst>
-                                      </p:cBhvr>
-                                      <p:tavLst>
-                                        <p:tav tm="0">
-                                          <p:val>
-                                            <p:strVal val="#ppt_w*0.70"/>
-                                          </p:val>
-                                        </p:tav>
-                                        <p:tav tm="100000">
-                                          <p:val>
-                                            <p:strVal val="#ppt_w"/>
-                                          </p:val>
-                                        </p:tav>
-                                      </p:tavLst>
-                                    </p:anim>
-                                    <p:anim calcmode="lin" valueType="num">
-                                      <p:cBhvr>
-                                        <p:cTn id="21" dur="1000" fill="hold"/>
-                                        <p:tgtEl>
-                                          <p:spTgt spid="8"/>
-                                        </p:tgtEl>
-                                        <p:attrNameLst>
-                                          <p:attrName>ppt_h</p:attrName>
-                                        </p:attrNameLst>
-                                      </p:cBhvr>
-                                      <p:tavLst>
-                                        <p:tav tm="0">
-                                          <p:val>
-                                            <p:strVal val="#ppt_h"/>
-                                          </p:val>
-                                        </p:tav>
-                                        <p:tav tm="100000">
-                                          <p:val>
-                                            <p:strVal val="#ppt_h"/>
-                                          </p:val>
-                                        </p:tav>
-                                      </p:tavLst>
-                                    </p:anim>
                                     <p:animEffect transition="in" filter="fade">
                                       <p:cBhvr>
-                                        <p:cTn id="22" dur="1000"/>
+                                        <p:cTn id="17" dur="500"/>
                                         <p:tgtEl>
                                           <p:spTgt spid="8"/>
                                         </p:tgtEl>
@@ -9926,30 +6900,41 @@
             <p:ph sz="half" idx="2"/>
           </p:nvPr>
         </p:nvSpPr>
-        <p:spPr/>
+        <p:spPr>
+          <a:xfrm>
+            <a:off x="1562100" y="2193925"/>
+            <a:ext cx="9785350" cy="3978275"/>
+          </a:xfrm>
+        </p:spPr>
         <p:txBody>
           <a:bodyPr>
             <a:normAutofit/>
           </a:bodyPr>
           <a:lstStyle/>
           <a:p>
-            <a:pPr marL="0" indent="0">
-              <a:buNone/>
-            </a:pPr>
             <a:r>
               <a:rPr lang="en-US" sz="3200" dirty="0" smtClean="0">
                 <a:solidFill>
                   <a:schemeClr val="accent3"/>
                 </a:solidFill>
               </a:rPr>
-              <a:t>Naïve Bayes</a:t>
-            </a:r>
-          </a:p>
-          <a:p>
-            <a:pPr marL="0" indent="0">
-              <a:buNone/>
-            </a:pPr>
-            <a:endParaRPr lang="en-US" sz="3200" dirty="0">
+              <a:t>Maps well to our problem</a:t>
+            </a:r>
+          </a:p>
+          <a:p>
+            <a:pPr lvl="1"/>
+            <a:r>
+              <a:rPr lang="en-US" sz="2800" dirty="0" smtClean="0">
+                <a:solidFill>
+                  <a:schemeClr val="accent3"/>
+                </a:solidFill>
+              </a:rPr>
+              <a:t>Clear Winner and Loser classes</a:t>
+            </a:r>
+          </a:p>
+          <a:p>
+            <a:pPr lvl="1"/>
+            <a:endParaRPr lang="en-US" sz="2800" dirty="0">
               <a:solidFill>
                 <a:schemeClr val="accent3"/>
               </a:solidFill>
@@ -9962,9 +6947,20 @@
                   <a:schemeClr val="accent3"/>
                 </a:solidFill>
               </a:rPr>
-              <a:t>Grouped teams by Bayesian predictors</a:t>
-            </a:r>
-            <a:endParaRPr lang="en-US" sz="3200" dirty="0">
+              <a:t>Supervised</a:t>
+            </a:r>
+          </a:p>
+          <a:p>
+            <a:pPr lvl="1"/>
+            <a:r>
+              <a:rPr lang="en-US" sz="2800" dirty="0" smtClean="0">
+                <a:solidFill>
+                  <a:schemeClr val="accent3"/>
+                </a:solidFill>
+              </a:rPr>
+              <a:t>Know the outcomes of the battles</a:t>
+            </a:r>
+            <a:endParaRPr lang="en-US" sz="2800" dirty="0" smtClean="0">
               <a:solidFill>
                 <a:schemeClr val="accent3"/>
               </a:solidFill>
@@ -9974,12 +6970,12 @@
       </p:sp>
       <p:sp>
         <p:nvSpPr>
-          <p:cNvPr id="16" name="Content Placeholder 15"/>
-          <p:cNvSpPr>
-            <a:spLocks noGrp="1"/>
-          </p:cNvSpPr>
-          <p:nvPr>
-            <p:ph sz="half" idx="1"/>
+          <p:cNvPr id="3" name="Text Placeholder 2"/>
+          <p:cNvSpPr>
+            <a:spLocks noGrp="1"/>
+          </p:cNvSpPr>
+          <p:nvPr>
+            <p:ph type="body" idx="1"/>
           </p:nvPr>
         </p:nvSpPr>
         <p:spPr/>
@@ -9989,34 +6985,11 @@
           </a:bodyPr>
           <a:lstStyle/>
           <a:p>
-            <a:pPr marL="0" indent="0">
-              <a:buNone/>
-            </a:pPr>
-            <a:r>
-              <a:rPr lang="en-US" sz="3200" dirty="0" smtClean="0">
-                <a:solidFill>
-                  <a:schemeClr val="accent3"/>
-                </a:solidFill>
-              </a:rPr>
-              <a:t>Spectral Clustering</a:t>
-            </a:r>
-          </a:p>
-          <a:p>
-            <a:endParaRPr lang="en-US" sz="3200" dirty="0">
-              <a:solidFill>
-                <a:schemeClr val="accent3"/>
-              </a:solidFill>
-            </a:endParaRPr>
-          </a:p>
-          <a:p>
-            <a:r>
-              <a:rPr lang="en-US" sz="3200" dirty="0" smtClean="0">
-                <a:solidFill>
-                  <a:schemeClr val="accent3"/>
-                </a:solidFill>
-              </a:rPr>
-              <a:t>Grouped teams that won based on distance measures</a:t>
-            </a:r>
+            <a:r>
+              <a:rPr lang="en-US" sz="3600" dirty="0" smtClean="0"/>
+              <a:t>Naïve Bayes</a:t>
+            </a:r>
+            <a:endParaRPr lang="en-US" sz="3600" dirty="0"/>
           </a:p>
         </p:txBody>
       </p:sp>
@@ -10100,7 +7073,7 @@
                                           </p:stCondLst>
                                         </p:cTn>
                                         <p:tgtEl>
-                                          <p:spTgt spid="16">
+                                          <p:spTgt spid="2">
                                             <p:txEl>
                                               <p:pRg st="0" end="0"/>
                                             </p:txEl>
@@ -10118,9 +7091,52 @@
                                       <p:cBhvr>
                                         <p:cTn id="7" dur="2000"/>
                                         <p:tgtEl>
-                                          <p:spTgt spid="16">
+                                          <p:spTgt spid="2">
                                             <p:txEl>
                                               <p:pRg st="0" end="0"/>
+                                            </p:txEl>
+                                          </p:spTgt>
+                                        </p:tgtEl>
+                                      </p:cBhvr>
+                                    </p:animEffect>
+                                  </p:childTnLst>
+                                </p:cTn>
+                              </p:par>
+                              <p:par>
+                                <p:cTn id="8" presetID="9" presetClass="entr" presetSubtype="0" fill="hold" grpId="0" nodeType="withEffect">
+                                  <p:stCondLst>
+                                    <p:cond delay="0"/>
+                                  </p:stCondLst>
+                                  <p:childTnLst>
+                                    <p:set>
+                                      <p:cBhvr>
+                                        <p:cTn id="9" dur="1" fill="hold">
+                                          <p:stCondLst>
+                                            <p:cond delay="0"/>
+                                          </p:stCondLst>
+                                        </p:cTn>
+                                        <p:tgtEl>
+                                          <p:spTgt spid="2">
+                                            <p:txEl>
+                                              <p:pRg st="1" end="1"/>
+                                            </p:txEl>
+                                          </p:spTgt>
+                                        </p:tgtEl>
+                                        <p:attrNameLst>
+                                          <p:attrName>style.visibility</p:attrName>
+                                        </p:attrNameLst>
+                                      </p:cBhvr>
+                                      <p:to>
+                                        <p:strVal val="visible"/>
+                                      </p:to>
+                                    </p:set>
+                                    <p:animEffect transition="in" filter="dissolve">
+                                      <p:cBhvr>
+                                        <p:cTn id="10" dur="2000"/>
+                                        <p:tgtEl>
+                                          <p:spTgt spid="2">
+                                            <p:txEl>
+                                              <p:pRg st="1" end="1"/>
                                             </p:txEl>
                                           </p:spTgt>
                                         </p:tgtEl>
@@ -10136,34 +7152,34 @@
                     </p:cTn>
                   </p:par>
                   <p:par>
-                    <p:cTn id="8" fill="hold">
+                    <p:cTn id="11" fill="hold">
                       <p:stCondLst>
                         <p:cond delay="indefinite"/>
                       </p:stCondLst>
                       <p:childTnLst>
                         <p:par>
-                          <p:cTn id="9" fill="hold">
+                          <p:cTn id="12" fill="hold">
                             <p:stCondLst>
                               <p:cond delay="0"/>
                             </p:stCondLst>
                             <p:childTnLst>
                               <p:par>
-                                <p:cTn id="10" presetID="9" presetClass="entr" presetSubtype="0" fill="hold" grpId="0" nodeType="clickEffect">
+                                <p:cTn id="13" presetID="9" presetClass="entr" presetSubtype="0" fill="hold" grpId="0" nodeType="clickEffect">
                                   <p:stCondLst>
                                     <p:cond delay="0"/>
                                   </p:stCondLst>
                                   <p:childTnLst>
                                     <p:set>
                                       <p:cBhvr>
-                                        <p:cTn id="11" dur="1" fill="hold">
+                                        <p:cTn id="14" dur="1" fill="hold">
                                           <p:stCondLst>
                                             <p:cond delay="0"/>
                                           </p:stCondLst>
                                         </p:cTn>
                                         <p:tgtEl>
-                                          <p:spTgt spid="16">
+                                          <p:spTgt spid="2">
                                             <p:txEl>
-                                              <p:pRg st="2" end="2"/>
+                                              <p:pRg st="3" end="3"/>
                                             </p:txEl>
                                           </p:spTgt>
                                         </p:tgtEl>
@@ -10177,11 +7193,11 @@
                                     </p:set>
                                     <p:animEffect transition="in" filter="dissolve">
                                       <p:cBhvr>
-                                        <p:cTn id="12" dur="2000"/>
+                                        <p:cTn id="15" dur="2000"/>
                                         <p:tgtEl>
-                                          <p:spTgt spid="16">
+                                          <p:spTgt spid="2">
                                             <p:txEl>
-                                              <p:pRg st="2" end="2"/>
+                                              <p:pRg st="3" end="3"/>
                                             </p:txEl>
                                           </p:spTgt>
                                         </p:tgtEl>
@@ -10190,33 +7206,15 @@
                                   </p:childTnLst>
                                 </p:cTn>
                               </p:par>
-                            </p:childTnLst>
-                          </p:cTn>
-                        </p:par>
-                      </p:childTnLst>
-                    </p:cTn>
-                  </p:par>
-                  <p:par>
-                    <p:cTn id="13" fill="hold">
-                      <p:stCondLst>
-                        <p:cond delay="indefinite"/>
-                      </p:stCondLst>
-                      <p:childTnLst>
-                        <p:par>
-                          <p:cTn id="14" fill="hold">
-                            <p:stCondLst>
-                              <p:cond delay="0"/>
-                            </p:stCondLst>
-                            <p:childTnLst>
                               <p:par>
-                                <p:cTn id="15" presetID="9" presetClass="entr" presetSubtype="0" fill="hold" grpId="0" nodeType="clickEffect">
+                                <p:cTn id="16" presetID="9" presetClass="entr" presetSubtype="0" fill="hold" grpId="0" nodeType="withEffect">
                                   <p:stCondLst>
                                     <p:cond delay="0"/>
                                   </p:stCondLst>
                                   <p:childTnLst>
                                     <p:set>
                                       <p:cBhvr>
-                                        <p:cTn id="16" dur="1" fill="hold">
+                                        <p:cTn id="17" dur="1" fill="hold">
                                           <p:stCondLst>
                                             <p:cond delay="0"/>
                                           </p:stCondLst>
@@ -10224,7 +7222,7 @@
                                         <p:tgtEl>
                                           <p:spTgt spid="2">
                                             <p:txEl>
-                                              <p:pRg st="0" end="0"/>
+                                              <p:pRg st="4" end="4"/>
                                             </p:txEl>
                                           </p:spTgt>
                                         </p:tgtEl>
@@ -10238,72 +7236,11 @@
                                     </p:set>
                                     <p:animEffect transition="in" filter="dissolve">
                                       <p:cBhvr>
-                                        <p:cTn id="17" dur="500"/>
+                                        <p:cTn id="18" dur="2000"/>
                                         <p:tgtEl>
                                           <p:spTgt spid="2">
                                             <p:txEl>
-                                              <p:pRg st="0" end="0"/>
-                                            </p:txEl>
-                                          </p:spTgt>
-                                        </p:tgtEl>
-                                      </p:cBhvr>
-                                    </p:animEffect>
-                                  </p:childTnLst>
-                                </p:cTn>
-                              </p:par>
-                            </p:childTnLst>
-                          </p:cTn>
-                        </p:par>
-                      </p:childTnLst>
-                    </p:cTn>
-                  </p:par>
-                  <p:par>
-                    <p:cTn id="18" fill="hold">
-                      <p:stCondLst>
-                        <p:cond delay="indefinite"/>
-                      </p:stCondLst>
-                      <p:childTnLst>
-                        <p:par>
-                          <p:cTn id="19" fill="hold">
-                            <p:stCondLst>
-                              <p:cond delay="0"/>
-                            </p:stCondLst>
-                            <p:childTnLst>
-                              <p:par>
-                                <p:cTn id="20" presetID="9" presetClass="entr" presetSubtype="0" fill="hold" grpId="0" nodeType="clickEffect">
-                                  <p:stCondLst>
-                                    <p:cond delay="0"/>
-                                  </p:stCondLst>
-                                  <p:childTnLst>
-                                    <p:set>
-                                      <p:cBhvr>
-                                        <p:cTn id="21" dur="1" fill="hold">
-                                          <p:stCondLst>
-                                            <p:cond delay="0"/>
-                                          </p:stCondLst>
-                                        </p:cTn>
-                                        <p:tgtEl>
-                                          <p:spTgt spid="2">
-                                            <p:txEl>
-                                              <p:pRg st="2" end="2"/>
-                                            </p:txEl>
-                                          </p:spTgt>
-                                        </p:tgtEl>
-                                        <p:attrNameLst>
-                                          <p:attrName>style.visibility</p:attrName>
-                                        </p:attrNameLst>
-                                      </p:cBhvr>
-                                      <p:to>
-                                        <p:strVal val="visible"/>
-                                      </p:to>
-                                    </p:set>
-                                    <p:animEffect transition="in" filter="dissolve">
-                                      <p:cBhvr>
-                                        <p:cTn id="22" dur="2000"/>
-                                        <p:tgtEl>
-                                          <p:spTgt spid="2">
-                                            <p:txEl>
-                                              <p:pRg st="2" end="2"/>
+                                              <p:pRg st="4" end="4"/>
                                             </p:txEl>
                                           </p:spTgt>
                                         </p:tgtEl>
@@ -10341,7 +7278,6 @@
     </p:tnLst>
     <p:bldLst>
       <p:bldP spid="2" grpId="0" build="p"/>
-      <p:bldP spid="16" grpId="0" build="p"/>
     </p:bldLst>
   </p:timing>
 </p:sld>
@@ -10746,7 +7682,7 @@
                                     </p:set>
                                     <p:animEffect transition="in" filter="plus(in)">
                                       <p:cBhvr>
-                                        <p:cTn id="14" dur="2000"/>
+                                        <p:cTn id="14" dur="1250"/>
                                         <p:tgtEl>
                                           <p:spTgt spid="6">
                                             <p:txEl>
@@ -10807,7 +7743,7 @@
                                     </p:set>
                                     <p:animEffect transition="in" filter="plus(in)">
                                       <p:cBhvr>
-                                        <p:cTn id="19" dur="2000"/>
+                                        <p:cTn id="19" dur="1250"/>
                                         <p:tgtEl>
                                           <p:spTgt spid="6">
                                             <p:txEl>
@@ -10868,7 +7804,7 @@
                                     </p:set>
                                     <p:animEffect transition="in" filter="plus(in)">
                                       <p:cBhvr>
-                                        <p:cTn id="24" dur="2000"/>
+                                        <p:cTn id="24" dur="1250"/>
                                         <p:tgtEl>
                                           <p:spTgt spid="6">
                                             <p:txEl>
@@ -11044,7 +7980,7 @@
                                     </p:set>
                                     <p:animEffect transition="in" filter="plus(in)">
                                       <p:cBhvr>
-                                        <p:cTn id="36" dur="2000"/>
+                                        <p:cTn id="36" dur="1250"/>
                                         <p:tgtEl>
                                           <p:spTgt spid="8">
                                             <p:txEl>
@@ -11105,7 +8041,7 @@
                                     </p:set>
                                     <p:animEffect transition="in" filter="plus(in)">
                                       <p:cBhvr>
-                                        <p:cTn id="41" dur="2000"/>
+                                        <p:cTn id="41" dur="1250"/>
                                         <p:tgtEl>
                                           <p:spTgt spid="8">
                                             <p:txEl>
@@ -11172,9 +8108,89 @@
           <a:chExt cx="0" cy="0"/>
         </a:xfrm>
       </p:grpSpPr>
+      <p:sp>
+        <p:nvSpPr>
+          <p:cNvPr id="10" name="Content Placeholder 9"/>
+          <p:cNvSpPr>
+            <a:spLocks noGrp="1"/>
+          </p:cNvSpPr>
+          <p:nvPr>
+            <p:ph sz="half" idx="1"/>
+          </p:nvPr>
+        </p:nvSpPr>
+        <p:spPr/>
+        <p:txBody>
+          <a:bodyPr>
+            <a:normAutofit/>
+          </a:bodyPr>
+          <a:lstStyle/>
+          <a:p>
+            <a:r>
+              <a:rPr lang="en-US" sz="3200" dirty="0" smtClean="0"/>
+              <a:t>High number of False Positives</a:t>
+            </a:r>
+          </a:p>
+          <a:p>
+            <a:pPr marL="0" indent="0">
+              <a:buNone/>
+            </a:pPr>
+            <a:endParaRPr lang="en-US" sz="3200" dirty="0" smtClean="0"/>
+          </a:p>
+          <a:p>
+            <a:r>
+              <a:rPr lang="en-US" sz="3200" dirty="0" smtClean="0"/>
+              <a:t>Low number of False Negatives</a:t>
+            </a:r>
+          </a:p>
+          <a:p>
+            <a:endParaRPr lang="en-US" sz="3200" dirty="0" smtClean="0"/>
+          </a:p>
+          <a:p>
+            <a:r>
+              <a:rPr lang="en-US" sz="3200" dirty="0" smtClean="0"/>
+              <a:t>F1 Score: 0.643</a:t>
+            </a:r>
+          </a:p>
+          <a:p>
+            <a:endParaRPr lang="en-US" dirty="0" smtClean="0"/>
+          </a:p>
+          <a:p>
+            <a:endParaRPr lang="en-US" dirty="0"/>
+          </a:p>
+        </p:txBody>
+      </p:sp>
+      <p:sp>
+        <p:nvSpPr>
+          <p:cNvPr id="2" name="Title 1"/>
+          <p:cNvSpPr>
+            <a:spLocks noGrp="1"/>
+          </p:cNvSpPr>
+          <p:nvPr>
+            <p:ph type="title"/>
+          </p:nvPr>
+        </p:nvSpPr>
+        <p:spPr>
+          <a:xfrm>
+            <a:off x="1809730" y="348796"/>
+            <a:ext cx="9029700" cy="1325563"/>
+          </a:xfrm>
+        </p:spPr>
+        <p:txBody>
+          <a:bodyPr/>
+          <a:lstStyle/>
+          <a:p>
+            <a:pPr algn="ctr"/>
+            <a:r>
+              <a:rPr lang="en-US" dirty="0" smtClean="0"/>
+              <a:t>Results                                </a:t>
+            </a:r>
+            <a:endParaRPr lang="en-US" dirty="0"/>
+          </a:p>
+        </p:txBody>
+      </p:sp>
       <p:graphicFrame>
         <p:nvGraphicFramePr>
-          <p:cNvPr id="9" name="Content Placeholder 8" title="SmartArt sample"/>
+          <p:cNvPr id="22" name="Content Placeholder 21"/>
           <p:cNvGraphicFramePr>
             <a:graphicFrameLocks noGrp="1"/>
           </p:cNvGraphicFramePr>
@@ -11182,7 +8198,7 @@
             <p:ph sz="half" idx="2"/>
             <p:extLst>
               <p:ext uri="{D42A27DB-BD31-4B8C-83A1-F6EECF244321}">
-                <p14:modId xmlns:p14="http://schemas.microsoft.com/office/powerpoint/2010/main" val="1982035416"/>
+                <p14:modId xmlns:p14="http://schemas.microsoft.com/office/powerpoint/2010/main" val="92356675"/>
               </p:ext>
             </p:extLst>
           </p:nvPr>
@@ -11192,70 +8208,11 @@
           <a:ext cx="4754562" cy="4351338"/>
         </p:xfrm>
         <a:graphic>
-          <a:graphicData uri="http://schemas.openxmlformats.org/drawingml/2006/diagram">
-            <dgm:relIds xmlns:dgm="http://schemas.openxmlformats.org/drawingml/2006/diagram" xmlns:r="http://schemas.openxmlformats.org/officeDocument/2006/relationships" r:dm="rId3" r:lo="rId4" r:qs="rId5" r:cs="rId6"/>
+          <a:graphicData uri="http://schemas.openxmlformats.org/drawingml/2006/chart">
+            <c:chart xmlns:c="http://schemas.openxmlformats.org/drawingml/2006/chart" xmlns:r="http://schemas.openxmlformats.org/officeDocument/2006/relationships" r:id="rId3"/>
           </a:graphicData>
         </a:graphic>
       </p:graphicFrame>
-      <p:sp>
-        <p:nvSpPr>
-          <p:cNvPr id="10" name="Content Placeholder 9"/>
-          <p:cNvSpPr>
-            <a:spLocks noGrp="1"/>
-          </p:cNvSpPr>
-          <p:nvPr>
-            <p:ph sz="half" idx="1"/>
-          </p:nvPr>
-        </p:nvSpPr>
-        <p:spPr/>
-        <p:txBody>
-          <a:bodyPr/>
-          <a:lstStyle/>
-          <a:p>
-            <a:r>
-              <a:rPr lang="en-US" dirty="0" smtClean="0"/>
-              <a:t>First bullet point here</a:t>
-            </a:r>
-          </a:p>
-          <a:p>
-            <a:r>
-              <a:rPr lang="en-US" dirty="0" smtClean="0"/>
-              <a:t>Second bullet point here</a:t>
-            </a:r>
-          </a:p>
-          <a:p>
-            <a:r>
-              <a:rPr lang="en-US" dirty="0" smtClean="0"/>
-              <a:t>Third bullet point here</a:t>
-            </a:r>
-            <a:endParaRPr lang="en-US" dirty="0"/>
-          </a:p>
-        </p:txBody>
-      </p:sp>
-      <p:sp>
-        <p:nvSpPr>
-          <p:cNvPr id="2" name="Title 1"/>
-          <p:cNvSpPr>
-            <a:spLocks noGrp="1"/>
-          </p:cNvSpPr>
-          <p:nvPr>
-            <p:ph type="title"/>
-          </p:nvPr>
-        </p:nvSpPr>
-        <p:spPr/>
-        <p:txBody>
-          <a:bodyPr/>
-          <a:lstStyle/>
-          <a:p>
-            <a:pPr algn="ctr"/>
-            <a:r>
-              <a:rPr lang="en-US" dirty="0" smtClean="0"/>
-              <a:t>Results</a:t>
-            </a:r>
-            <a:endParaRPr lang="en-US" dirty="0"/>
-          </a:p>
-        </p:txBody>
-      </p:sp>
     </p:spTree>
     <p:extLst>
       <p:ext uri="{BB962C8B-B14F-4D97-AF65-F5344CB8AC3E}">
@@ -11281,9 +8238,274 @@
   <p:timing>
     <p:tnLst>
       <p:par>
-        <p:cTn id="1" dur="indefinite" restart="never" nodeType="tmRoot"/>
+        <p:cTn id="1" dur="indefinite" restart="never" nodeType="tmRoot">
+          <p:childTnLst>
+            <p:seq concurrent="1" nextAc="seek">
+              <p:cTn id="2" dur="indefinite" nodeType="mainSeq">
+                <p:childTnLst>
+                  <p:par>
+                    <p:cTn id="3" fill="hold">
+                      <p:stCondLst>
+                        <p:cond delay="indefinite"/>
+                      </p:stCondLst>
+                      <p:childTnLst>
+                        <p:par>
+                          <p:cTn id="4" fill="hold">
+                            <p:stCondLst>
+                              <p:cond delay="0"/>
+                            </p:stCondLst>
+                            <p:childTnLst>
+                              <p:par>
+                                <p:cTn id="5" presetID="10" presetClass="entr" presetSubtype="0" fill="hold" grpId="0" nodeType="clickEffect">
+                                  <p:stCondLst>
+                                    <p:cond delay="0"/>
+                                  </p:stCondLst>
+                                  <p:childTnLst>
+                                    <p:set>
+                                      <p:cBhvr>
+                                        <p:cTn id="6" dur="1" fill="hold">
+                                          <p:stCondLst>
+                                            <p:cond delay="0"/>
+                                          </p:stCondLst>
+                                        </p:cTn>
+                                        <p:tgtEl>
+                                          <p:spTgt spid="10">
+                                            <p:txEl>
+                                              <p:pRg st="0" end="0"/>
+                                            </p:txEl>
+                                          </p:spTgt>
+                                        </p:tgtEl>
+                                        <p:attrNameLst>
+                                          <p:attrName>style.visibility</p:attrName>
+                                        </p:attrNameLst>
+                                      </p:cBhvr>
+                                      <p:to>
+                                        <p:strVal val="visible"/>
+                                      </p:to>
+                                    </p:set>
+                                    <p:animEffect transition="in" filter="fade">
+                                      <p:cBhvr>
+                                        <p:cTn id="7" dur="1000"/>
+                                        <p:tgtEl>
+                                          <p:spTgt spid="10">
+                                            <p:txEl>
+                                              <p:pRg st="0" end="0"/>
+                                            </p:txEl>
+                                          </p:spTgt>
+                                        </p:tgtEl>
+                                      </p:cBhvr>
+                                    </p:animEffect>
+                                  </p:childTnLst>
+                                </p:cTn>
+                              </p:par>
+                            </p:childTnLst>
+                          </p:cTn>
+                        </p:par>
+                      </p:childTnLst>
+                    </p:cTn>
+                  </p:par>
+                  <p:par>
+                    <p:cTn id="8" fill="hold">
+                      <p:stCondLst>
+                        <p:cond delay="indefinite"/>
+                      </p:stCondLst>
+                      <p:childTnLst>
+                        <p:par>
+                          <p:cTn id="9" fill="hold">
+                            <p:stCondLst>
+                              <p:cond delay="0"/>
+                            </p:stCondLst>
+                            <p:childTnLst>
+                              <p:par>
+                                <p:cTn id="10" presetID="10" presetClass="entr" presetSubtype="0" fill="hold" grpId="0" nodeType="clickEffect">
+                                  <p:stCondLst>
+                                    <p:cond delay="0"/>
+                                  </p:stCondLst>
+                                  <p:childTnLst>
+                                    <p:set>
+                                      <p:cBhvr>
+                                        <p:cTn id="11" dur="1" fill="hold">
+                                          <p:stCondLst>
+                                            <p:cond delay="0"/>
+                                          </p:stCondLst>
+                                        </p:cTn>
+                                        <p:tgtEl>
+                                          <p:spTgt spid="10">
+                                            <p:txEl>
+                                              <p:pRg st="2" end="2"/>
+                                            </p:txEl>
+                                          </p:spTgt>
+                                        </p:tgtEl>
+                                        <p:attrNameLst>
+                                          <p:attrName>style.visibility</p:attrName>
+                                        </p:attrNameLst>
+                                      </p:cBhvr>
+                                      <p:to>
+                                        <p:strVal val="visible"/>
+                                      </p:to>
+                                    </p:set>
+                                    <p:animEffect transition="in" filter="fade">
+                                      <p:cBhvr>
+                                        <p:cTn id="12" dur="1000"/>
+                                        <p:tgtEl>
+                                          <p:spTgt spid="10">
+                                            <p:txEl>
+                                              <p:pRg st="2" end="2"/>
+                                            </p:txEl>
+                                          </p:spTgt>
+                                        </p:tgtEl>
+                                      </p:cBhvr>
+                                    </p:animEffect>
+                                  </p:childTnLst>
+                                </p:cTn>
+                              </p:par>
+                            </p:childTnLst>
+                          </p:cTn>
+                        </p:par>
+                      </p:childTnLst>
+                    </p:cTn>
+                  </p:par>
+                  <p:par>
+                    <p:cTn id="13" fill="hold">
+                      <p:stCondLst>
+                        <p:cond delay="indefinite"/>
+                      </p:stCondLst>
+                      <p:childTnLst>
+                        <p:par>
+                          <p:cTn id="14" fill="hold">
+                            <p:stCondLst>
+                              <p:cond delay="0"/>
+                            </p:stCondLst>
+                            <p:childTnLst>
+                              <p:par>
+                                <p:cTn id="15" presetID="10" presetClass="entr" presetSubtype="0" fill="hold" grpId="0" nodeType="clickEffect">
+                                  <p:stCondLst>
+                                    <p:cond delay="0"/>
+                                  </p:stCondLst>
+                                  <p:childTnLst>
+                                    <p:set>
+                                      <p:cBhvr>
+                                        <p:cTn id="16" dur="1" fill="hold">
+                                          <p:stCondLst>
+                                            <p:cond delay="0"/>
+                                          </p:stCondLst>
+                                        </p:cTn>
+                                        <p:tgtEl>
+                                          <p:spTgt spid="10">
+                                            <p:txEl>
+                                              <p:pRg st="4" end="4"/>
+                                            </p:txEl>
+                                          </p:spTgt>
+                                        </p:tgtEl>
+                                        <p:attrNameLst>
+                                          <p:attrName>style.visibility</p:attrName>
+                                        </p:attrNameLst>
+                                      </p:cBhvr>
+                                      <p:to>
+                                        <p:strVal val="visible"/>
+                                      </p:to>
+                                    </p:set>
+                                    <p:animEffect transition="in" filter="fade">
+                                      <p:cBhvr>
+                                        <p:cTn id="17" dur="1000"/>
+                                        <p:tgtEl>
+                                          <p:spTgt spid="10">
+                                            <p:txEl>
+                                              <p:pRg st="4" end="4"/>
+                                            </p:txEl>
+                                          </p:spTgt>
+                                        </p:tgtEl>
+                                      </p:cBhvr>
+                                    </p:animEffect>
+                                  </p:childTnLst>
+                                </p:cTn>
+                              </p:par>
+                            </p:childTnLst>
+                          </p:cTn>
+                        </p:par>
+                      </p:childTnLst>
+                    </p:cTn>
+                  </p:par>
+                  <p:par>
+                    <p:cTn id="18" fill="hold">
+                      <p:stCondLst>
+                        <p:cond delay="indefinite"/>
+                      </p:stCondLst>
+                      <p:childTnLst>
+                        <p:par>
+                          <p:cTn id="19" fill="hold">
+                            <p:stCondLst>
+                              <p:cond delay="0"/>
+                            </p:stCondLst>
+                            <p:childTnLst>
+                              <p:par>
+                                <p:cTn id="20" presetID="6" presetClass="entr" presetSubtype="16" fill="hold" grpId="0" nodeType="clickEffect">
+                                  <p:stCondLst>
+                                    <p:cond delay="0"/>
+                                  </p:stCondLst>
+                                  <p:childTnLst>
+                                    <p:set>
+                                      <p:cBhvr>
+                                        <p:cTn id="21" dur="1" fill="hold">
+                                          <p:stCondLst>
+                                            <p:cond delay="0"/>
+                                          </p:stCondLst>
+                                        </p:cTn>
+                                        <p:tgtEl>
+                                          <p:spTgt spid="22"/>
+                                        </p:tgtEl>
+                                        <p:attrNameLst>
+                                          <p:attrName>style.visibility</p:attrName>
+                                        </p:attrNameLst>
+                                      </p:cBhvr>
+                                      <p:to>
+                                        <p:strVal val="visible"/>
+                                      </p:to>
+                                    </p:set>
+                                    <p:animEffect transition="in" filter="circle(in)">
+                                      <p:cBhvr>
+                                        <p:cTn id="22" dur="2000"/>
+                                        <p:tgtEl>
+                                          <p:spTgt spid="22"/>
+                                        </p:tgtEl>
+                                      </p:cBhvr>
+                                    </p:animEffect>
+                                  </p:childTnLst>
+                                </p:cTn>
+                              </p:par>
+                            </p:childTnLst>
+                          </p:cTn>
+                        </p:par>
+                      </p:childTnLst>
+                    </p:cTn>
+                  </p:par>
+                </p:childTnLst>
+              </p:cTn>
+              <p:prevCondLst>
+                <p:cond evt="onPrev" delay="0">
+                  <p:tgtEl>
+                    <p:sldTgt/>
+                  </p:tgtEl>
+                </p:cond>
+              </p:prevCondLst>
+              <p:nextCondLst>
+                <p:cond evt="onNext" delay="0">
+                  <p:tgtEl>
+                    <p:sldTgt/>
+                  </p:tgtEl>
+                </p:cond>
+              </p:nextCondLst>
+            </p:seq>
+          </p:childTnLst>
+        </p:cTn>
       </p:par>
     </p:tnLst>
+    <p:bldLst>
+      <p:bldP spid="10" grpId="0" build="p"/>
+      <p:bldGraphic spid="22" grpId="0">
+        <p:bldAsOne/>
+      </p:bldGraphic>
+    </p:bldLst>
   </p:timing>
 </p:sld>
 </file>
@@ -11331,7 +8553,11 @@
             <a:pPr lvl="1"/>
             <a:r>
               <a:rPr lang="en-US" sz="2800" dirty="0" smtClean="0"/>
-              <a:t>Sparse Data</a:t>
+              <a:t>Sparse </a:t>
+            </a:r>
+            <a:r>
+              <a:rPr lang="en-US" sz="2800" dirty="0" smtClean="0"/>
+              <a:t>Data</a:t>
             </a:r>
           </a:p>
           <a:p>
@@ -11341,8 +8567,38 @@
           <a:p>
             <a:r>
               <a:rPr lang="en-US" sz="3200" dirty="0" smtClean="0"/>
-              <a:t>Randomness</a:t>
-            </a:r>
+              <a:t>False Positives</a:t>
+            </a:r>
+            <a:r>
+              <a:rPr lang="en-US" sz="3200" dirty="0" smtClean="0"/>
+              <a:t>:</a:t>
+            </a:r>
+          </a:p>
+          <a:p>
+            <a:pPr lvl="1"/>
+            <a:r>
+              <a:rPr lang="en-US" sz="2800" dirty="0" smtClean="0"/>
+              <a:t>Too many sparse features</a:t>
+            </a:r>
+          </a:p>
+          <a:p>
+            <a:pPr lvl="2"/>
+            <a:r>
+              <a:rPr lang="en-US" sz="2600" dirty="0" smtClean="0"/>
+              <a:t>Over fitting</a:t>
+            </a:r>
+            <a:endParaRPr lang="en-US" sz="2600" dirty="0" smtClean="0"/>
+          </a:p>
+          <a:p>
+            <a:pPr marL="0" indent="0">
+              <a:buNone/>
+            </a:pPr>
+            <a:endParaRPr lang="en-US" sz="2800" dirty="0"/>
+          </a:p>
+          <a:p>
+            <a:pPr marL="0" indent="0">
+              <a:buNone/>
+            </a:pPr>
             <a:endParaRPr lang="en-US" sz="3200" dirty="0"/>
           </a:p>
           <a:p>
@@ -11405,19 +8661,44 @@
           <a:lstStyle/>
           <a:p>
             <a:r>
+              <a:rPr lang="en-US" sz="3200" dirty="0"/>
+              <a:t>If the predictor </a:t>
+            </a:r>
+            <a:r>
               <a:rPr lang="en-US" sz="3200" dirty="0" smtClean="0"/>
-              <a:t>Human ingenuity can overcome the numbers</a:t>
+              <a:t>says the team </a:t>
+            </a:r>
+            <a:r>
+              <a:rPr lang="en-US" sz="3200" dirty="0"/>
+              <a:t>is bad, find a new team</a:t>
+            </a:r>
+          </a:p>
+          <a:p>
+            <a:endParaRPr lang="en-US" sz="3200" dirty="0" smtClean="0"/>
+          </a:p>
+          <a:p>
+            <a:r>
+              <a:rPr lang="en-US" sz="3200" dirty="0" smtClean="0"/>
+              <a:t>Strategy  plays an important role in Battle</a:t>
             </a:r>
           </a:p>
           <a:p>
             <a:endParaRPr lang="en-US" sz="3200" dirty="0"/>
           </a:p>
           <a:p>
-            <a:r>
-              <a:rPr lang="en-US" sz="3200" dirty="0" smtClean="0"/>
-              <a:t>   </a:t>
-            </a:r>
+            <a:endParaRPr lang="en-US" sz="3200" dirty="0" smtClean="0"/>
+          </a:p>
+          <a:p>
             <a:endParaRPr lang="en-US" sz="3200" dirty="0"/>
+          </a:p>
+          <a:p>
+            <a:endParaRPr lang="en-US" sz="3200" dirty="0" smtClean="0"/>
+          </a:p>
+          <a:p>
+            <a:endParaRPr lang="en-US" sz="3200" dirty="0"/>
+          </a:p>
+          <a:p>
+            <a:endParaRPr lang="en-US" sz="3200" dirty="0" smtClean="0"/>
           </a:p>
         </p:txBody>
       </p:sp>
